--- a/Slides/src/agile-dev-processes-7-lean.pptx
+++ b/Slides/src/agile-dev-processes-7-lean.pptx
@@ -1,6 +1,6 @@
 
 <file path=ppt/presentation.xml><?xml version="1.0" encoding="utf-8"?>
-<p:presentation xmlns:a="http://schemas.openxmlformats.org/drawingml/2006/main" xmlns:r="http://schemas.openxmlformats.org/officeDocument/2006/relationships" xmlns:p="http://schemas.openxmlformats.org/presentationml/2006/main" saveSubsetFonts="1" autoCompressPictures="0">
+<p:presentation xmlns:a="http://schemas.openxmlformats.org/drawingml/2006/main" xmlns:r="http://schemas.openxmlformats.org/officeDocument/2006/relationships" xmlns:p="http://schemas.openxmlformats.org/presentationml/2006/main" showSpecialPlsOnTitleSld="0" saveSubsetFonts="1" autoCompressPictures="0">
   <p:sldMasterIdLst>
     <p:sldMasterId id="2147483660" r:id="rId1"/>
     <p:sldMasterId id="2147483672" r:id="rId2"/>
@@ -9,6 +9,9 @@
   <p:notesMasterIdLst>
     <p:notesMasterId r:id="rId26"/>
   </p:notesMasterIdLst>
+  <p:handoutMasterIdLst>
+    <p:handoutMasterId r:id="rId27"/>
+  </p:handoutMasterIdLst>
   <p:sldIdLst>
     <p:sldId id="256" r:id="rId4"/>
     <p:sldId id="310" r:id="rId5"/>
@@ -133,6 +136,172 @@
 </p:presentation>
 </file>
 
+<file path=ppt/handoutMasters/handoutMaster1.xml><?xml version="1.0" encoding="utf-8"?>
+<p:handoutMaster xmlns:a="http://schemas.openxmlformats.org/drawingml/2006/main" xmlns:r="http://schemas.openxmlformats.org/officeDocument/2006/relationships" xmlns:p="http://schemas.openxmlformats.org/presentationml/2006/main">
+  <p:cSld>
+    <p:bg>
+      <p:bgRef idx="1001">
+        <a:schemeClr val="bg1"/>
+      </p:bgRef>
+    </p:bg>
+    <p:spTree>
+      <p:nvGrpSpPr>
+        <p:cNvPr id="1" name=""/>
+        <p:cNvGrpSpPr/>
+        <p:nvPr/>
+      </p:nvGrpSpPr>
+      <p:grpSpPr>
+        <a:xfrm>
+          <a:off x="0" y="0"/>
+          <a:ext cx="0" cy="0"/>
+          <a:chOff x="0" y="0"/>
+          <a:chExt cx="0" cy="0"/>
+        </a:xfrm>
+      </p:grpSpPr>
+      <p:sp>
+        <p:nvSpPr>
+          <p:cNvPr id="2" name="Header Placeholder 1"/>
+          <p:cNvSpPr>
+            <a:spLocks noGrp="1"/>
+          </p:cNvSpPr>
+          <p:nvPr>
+            <p:ph type="hdr" sz="quarter"/>
+          </p:nvPr>
+        </p:nvSpPr>
+        <p:spPr>
+          <a:xfrm>
+            <a:off x="0" y="0"/>
+            <a:ext cx="2971800" cy="457200"/>
+          </a:xfrm>
+          <a:prstGeom prst="rect">
+            <a:avLst/>
+          </a:prstGeom>
+        </p:spPr>
+        <p:txBody>
+          <a:bodyPr vert="horz" lIns="91440" tIns="45720" rIns="91440" bIns="45720" rtlCol="0"/>
+          <a:lstStyle>
+            <a:lvl1pPr algn="l">
+              <a:defRPr sz="1200"/>
+            </a:lvl1pPr>
+          </a:lstStyle>
+          <a:p>
+            <a:endParaRPr lang="en-US"/>
+          </a:p>
+        </p:txBody>
+      </p:sp>
+      <p:sp>
+        <p:nvSpPr>
+          <p:cNvPr id="3" name="Date Placeholder 2"/>
+          <p:cNvSpPr>
+            <a:spLocks noGrp="1"/>
+          </p:cNvSpPr>
+          <p:nvPr>
+            <p:ph type="dt" sz="quarter" idx="1"/>
+          </p:nvPr>
+        </p:nvSpPr>
+        <p:spPr>
+          <a:xfrm>
+            <a:off x="3884613" y="0"/>
+            <a:ext cx="2971800" cy="457200"/>
+          </a:xfrm>
+          <a:prstGeom prst="rect">
+            <a:avLst/>
+          </a:prstGeom>
+        </p:spPr>
+        <p:txBody>
+          <a:bodyPr vert="horz" lIns="91440" tIns="45720" rIns="91440" bIns="45720" rtlCol="0"/>
+          <a:lstStyle>
+            <a:lvl1pPr algn="r">
+              <a:defRPr sz="1200"/>
+            </a:lvl1pPr>
+          </a:lstStyle>
+          <a:p>
+            <a:fld id="{FE5C1587-C074-3143-A63E-082C0F58E9D9}" type="datetimeFigureOut">
+              <a:rPr lang="en-US" smtClean="0"/>
+              <a:t>22/04/14</a:t>
+            </a:fld>
+            <a:endParaRPr lang="en-US"/>
+          </a:p>
+        </p:txBody>
+      </p:sp>
+      <p:sp>
+        <p:nvSpPr>
+          <p:cNvPr id="4" name="Footer Placeholder 3"/>
+          <p:cNvSpPr>
+            <a:spLocks noGrp="1"/>
+          </p:cNvSpPr>
+          <p:nvPr>
+            <p:ph type="ftr" sz="quarter" idx="2"/>
+          </p:nvPr>
+        </p:nvSpPr>
+        <p:spPr>
+          <a:xfrm>
+            <a:off x="0" y="8685213"/>
+            <a:ext cx="2971800" cy="457200"/>
+          </a:xfrm>
+          <a:prstGeom prst="rect">
+            <a:avLst/>
+          </a:prstGeom>
+        </p:spPr>
+        <p:txBody>
+          <a:bodyPr vert="horz" lIns="91440" tIns="45720" rIns="91440" bIns="45720" rtlCol="0" anchor="b"/>
+          <a:lstStyle>
+            <a:lvl1pPr algn="l">
+              <a:defRPr sz="1200"/>
+            </a:lvl1pPr>
+          </a:lstStyle>
+          <a:p>
+            <a:endParaRPr lang="en-US"/>
+          </a:p>
+        </p:txBody>
+      </p:sp>
+      <p:sp>
+        <p:nvSpPr>
+          <p:cNvPr id="5" name="Slide Number Placeholder 4"/>
+          <p:cNvSpPr>
+            <a:spLocks noGrp="1"/>
+          </p:cNvSpPr>
+          <p:nvPr>
+            <p:ph type="sldNum" sz="quarter" idx="3"/>
+          </p:nvPr>
+        </p:nvSpPr>
+        <p:spPr>
+          <a:xfrm>
+            <a:off x="3884613" y="8685213"/>
+            <a:ext cx="2971800" cy="457200"/>
+          </a:xfrm>
+          <a:prstGeom prst="rect">
+            <a:avLst/>
+          </a:prstGeom>
+        </p:spPr>
+        <p:txBody>
+          <a:bodyPr vert="horz" lIns="91440" tIns="45720" rIns="91440" bIns="45720" rtlCol="0" anchor="b"/>
+          <a:lstStyle>
+            <a:lvl1pPr algn="r">
+              <a:defRPr sz="1200"/>
+            </a:lvl1pPr>
+          </a:lstStyle>
+          <a:p>
+            <a:fld id="{B5974E60-BF77-3143-813A-939DDB63BF68}" type="slidenum">
+              <a:rPr lang="en-US" smtClean="0"/>
+              <a:t>‹#›</a:t>
+            </a:fld>
+            <a:endParaRPr lang="en-US"/>
+          </a:p>
+        </p:txBody>
+      </p:sp>
+    </p:spTree>
+    <p:extLst>
+      <p:ext uri="{BB962C8B-B14F-4D97-AF65-F5344CB8AC3E}">
+        <p14:creationId xmlns:p14="http://schemas.microsoft.com/office/powerpoint/2010/main" val="2464326177"/>
+      </p:ext>
+    </p:extLst>
+  </p:cSld>
+  <p:clrMap bg1="lt1" tx1="dk1" bg2="lt2" tx2="dk2" accent1="accent1" accent2="accent2" accent3="accent3" accent4="accent4" accent5="accent5" accent6="accent6" hlink="hlink" folHlink="folHlink"/>
+  <p:hf hdr="0" ftr="0" dt="0"/>
+</p:handoutMaster>
+</file>
+
 <file path=ppt/notesMasters/notesMaster1.xml><?xml version="1.0" encoding="utf-8"?>
 <p:notesMaster xmlns:a="http://schemas.openxmlformats.org/drawingml/2006/main" xmlns:r="http://schemas.openxmlformats.org/officeDocument/2006/relationships" xmlns:p="http://schemas.openxmlformats.org/presentationml/2006/main">
   <p:cSld>
@@ -215,7 +384,7 @@
           <a:p>
             <a:fld id="{E4EF4512-9F98-E34D-B864-4227A9345C4D}" type="datetimeFigureOut">
               <a:rPr lang="en-US" smtClean="0"/>
-              <a:t>17/04/14</a:t>
+              <a:t>22/04/14</a:t>
             </a:fld>
             <a:endParaRPr lang="en-US"/>
           </a:p>
@@ -388,6 +557,7 @@
     </p:extLst>
   </p:cSld>
   <p:clrMap bg1="lt1" tx1="dk1" bg2="lt2" tx2="dk2" accent1="accent1" accent2="accent2" accent3="accent3" accent4="accent4" accent5="accent5" accent6="accent6" hlink="hlink" folHlink="folHlink"/>
+  <p:hf hdr="0" ftr="0" dt="0"/>
   <p:notesStyle>
     <a:lvl1pPr marL="0" algn="l" defTabSz="457200" rtl="0" eaLnBrk="1" latinLnBrk="0" hangingPunct="1">
       <a:defRPr sz="1200" kern="1200">
@@ -662,9 +832,9 @@
           <a:bodyPr/>
           <a:lstStyle/>
           <a:p>
-            <a:fld id="{DE9D31E7-7064-EF4F-93F0-966D653C7150}" type="datetimeFigureOut">
+            <a:fld id="{58A6A2C5-8613-714C-8DAC-BA56CBBF8069}" type="datetime1">
               <a:rPr lang="en-US" smtClean="0"/>
-              <a:t>17/04/14</a:t>
+              <a:t>22/04/14</a:t>
             </a:fld>
             <a:endParaRPr lang="en-US"/>
           </a:p>
@@ -685,6 +855,10 @@
           <a:bodyPr/>
           <a:lstStyle/>
           <a:p>
+            <a:r>
+              <a:rPr lang="en-US" smtClean="0"/>
+              <a:t>Lean | Agile Dev. Proc. | Eric Knauss</a:t>
+            </a:r>
             <a:endParaRPr lang="en-US"/>
           </a:p>
         </p:txBody>
@@ -726,176 +900,6 @@
 </file>
 
 <file path=ppt/slideLayouts/slideLayout10.xml><?xml version="1.0" encoding="utf-8"?>
-<p:sldLayout xmlns:a="http://schemas.openxmlformats.org/drawingml/2006/main" xmlns:r="http://schemas.openxmlformats.org/officeDocument/2006/relationships" xmlns:p="http://schemas.openxmlformats.org/presentationml/2006/main" type="vertTx" preserve="1">
-  <p:cSld name="Title and Vertical Text">
-    <p:spTree>
-      <p:nvGrpSpPr>
-        <p:cNvPr id="1" name=""/>
-        <p:cNvGrpSpPr/>
-        <p:nvPr/>
-      </p:nvGrpSpPr>
-      <p:grpSpPr>
-        <a:xfrm>
-          <a:off x="0" y="0"/>
-          <a:ext cx="0" cy="0"/>
-          <a:chOff x="0" y="0"/>
-          <a:chExt cx="0" cy="0"/>
-        </a:xfrm>
-      </p:grpSpPr>
-      <p:sp>
-        <p:nvSpPr>
-          <p:cNvPr id="2" name="Title 1"/>
-          <p:cNvSpPr>
-            <a:spLocks noGrp="1"/>
-          </p:cNvSpPr>
-          <p:nvPr>
-            <p:ph type="title"/>
-          </p:nvPr>
-        </p:nvSpPr>
-        <p:spPr/>
-        <p:txBody>
-          <a:bodyPr/>
-          <a:lstStyle/>
-          <a:p>
-            <a:r>
-              <a:rPr lang="en-US" smtClean="0"/>
-              <a:t>Click to edit Master title style</a:t>
-            </a:r>
-            <a:endParaRPr lang="en-US"/>
-          </a:p>
-        </p:txBody>
-      </p:sp>
-      <p:sp>
-        <p:nvSpPr>
-          <p:cNvPr id="3" name="Vertical Text Placeholder 2"/>
-          <p:cNvSpPr>
-            <a:spLocks noGrp="1"/>
-          </p:cNvSpPr>
-          <p:nvPr>
-            <p:ph type="body" orient="vert" idx="1"/>
-          </p:nvPr>
-        </p:nvSpPr>
-        <p:spPr/>
-        <p:txBody>
-          <a:bodyPr vert="eaVert"/>
-          <a:lstStyle/>
-          <a:p>
-            <a:pPr lvl="0"/>
-            <a:r>
-              <a:rPr lang="en-US" smtClean="0"/>
-              <a:t>Click to edit Master text styles</a:t>
-            </a:r>
-          </a:p>
-          <a:p>
-            <a:pPr lvl="1"/>
-            <a:r>
-              <a:rPr lang="en-US" smtClean="0"/>
-              <a:t>Second level</a:t>
-            </a:r>
-          </a:p>
-          <a:p>
-            <a:pPr lvl="2"/>
-            <a:r>
-              <a:rPr lang="en-US" smtClean="0"/>
-              <a:t>Third level</a:t>
-            </a:r>
-          </a:p>
-          <a:p>
-            <a:pPr lvl="3"/>
-            <a:r>
-              <a:rPr lang="en-US" smtClean="0"/>
-              <a:t>Fourth level</a:t>
-            </a:r>
-          </a:p>
-          <a:p>
-            <a:pPr lvl="4"/>
-            <a:r>
-              <a:rPr lang="en-US" smtClean="0"/>
-              <a:t>Fifth level</a:t>
-            </a:r>
-            <a:endParaRPr lang="en-US"/>
-          </a:p>
-        </p:txBody>
-      </p:sp>
-      <p:sp>
-        <p:nvSpPr>
-          <p:cNvPr id="4" name="Date Placeholder 3"/>
-          <p:cNvSpPr>
-            <a:spLocks noGrp="1"/>
-          </p:cNvSpPr>
-          <p:nvPr>
-            <p:ph type="dt" sz="half" idx="10"/>
-          </p:nvPr>
-        </p:nvSpPr>
-        <p:spPr/>
-        <p:txBody>
-          <a:bodyPr/>
-          <a:lstStyle/>
-          <a:p>
-            <a:fld id="{DE9D31E7-7064-EF4F-93F0-966D653C7150}" type="datetimeFigureOut">
-              <a:rPr lang="en-US" smtClean="0"/>
-              <a:t>17/04/14</a:t>
-            </a:fld>
-            <a:endParaRPr lang="en-US"/>
-          </a:p>
-        </p:txBody>
-      </p:sp>
-      <p:sp>
-        <p:nvSpPr>
-          <p:cNvPr id="5" name="Footer Placeholder 4"/>
-          <p:cNvSpPr>
-            <a:spLocks noGrp="1"/>
-          </p:cNvSpPr>
-          <p:nvPr>
-            <p:ph type="ftr" sz="quarter" idx="11"/>
-          </p:nvPr>
-        </p:nvSpPr>
-        <p:spPr/>
-        <p:txBody>
-          <a:bodyPr/>
-          <a:lstStyle/>
-          <a:p>
-            <a:endParaRPr lang="en-US"/>
-          </a:p>
-        </p:txBody>
-      </p:sp>
-      <p:sp>
-        <p:nvSpPr>
-          <p:cNvPr id="6" name="Slide Number Placeholder 5"/>
-          <p:cNvSpPr>
-            <a:spLocks noGrp="1"/>
-          </p:cNvSpPr>
-          <p:nvPr>
-            <p:ph type="sldNum" sz="quarter" idx="12"/>
-          </p:nvPr>
-        </p:nvSpPr>
-        <p:spPr/>
-        <p:txBody>
-          <a:bodyPr/>
-          <a:lstStyle/>
-          <a:p>
-            <a:fld id="{7ED7E6F0-40BF-4E49-8032-45DA9A9F0718}" type="slidenum">
-              <a:rPr lang="en-US" smtClean="0"/>
-              <a:t>‹#›</a:t>
-            </a:fld>
-            <a:endParaRPr lang="en-US"/>
-          </a:p>
-        </p:txBody>
-      </p:sp>
-    </p:spTree>
-    <p:extLst>
-      <p:ext uri="{BB962C8B-B14F-4D97-AF65-F5344CB8AC3E}">
-        <p14:creationId xmlns:p14="http://schemas.microsoft.com/office/powerpoint/2010/main" val="3833214302"/>
-      </p:ext>
-    </p:extLst>
-  </p:cSld>
-  <p:clrMapOvr>
-    <a:masterClrMapping/>
-  </p:clrMapOvr>
-</p:sldLayout>
-</file>
-
-<file path=ppt/slideLayouts/slideLayout11.xml><?xml version="1.0" encoding="utf-8"?>
 <p:sldLayout xmlns:a="http://schemas.openxmlformats.org/drawingml/2006/main" xmlns:r="http://schemas.openxmlformats.org/officeDocument/2006/relationships" xmlns:p="http://schemas.openxmlformats.org/presentationml/2006/main" type="vertTitleAndTx" preserve="1">
   <p:cSld name="Vertical Title and Text">
     <p:spTree>
@@ -1012,9 +1016,9 @@
           <a:bodyPr/>
           <a:lstStyle/>
           <a:p>
-            <a:fld id="{DE9D31E7-7064-EF4F-93F0-966D653C7150}" type="datetimeFigureOut">
+            <a:fld id="{11E2ECF5-8CDF-2645-8F91-4A1B46B5E97B}" type="datetime1">
               <a:rPr lang="en-US" smtClean="0"/>
-              <a:t>17/04/14</a:t>
+              <a:t>22/04/14</a:t>
             </a:fld>
             <a:endParaRPr lang="en-US"/>
           </a:p>
@@ -1035,6 +1039,10 @@
           <a:bodyPr/>
           <a:lstStyle/>
           <a:p>
+            <a:r>
+              <a:rPr lang="en-US" smtClean="0"/>
+              <a:t>Lean | Agile Dev. Proc. | Eric Knauss</a:t>
+            </a:r>
             <a:endParaRPr lang="en-US"/>
           </a:p>
         </p:txBody>
@@ -1075,7 +1083,7 @@
 </p:sldLayout>
 </file>
 
-<file path=ppt/slideLayouts/slideLayout12.xml><?xml version="1.0" encoding="utf-8"?>
+<file path=ppt/slideLayouts/slideLayout11.xml><?xml version="1.0" encoding="utf-8"?>
 <p:sldLayout xmlns:a="http://schemas.openxmlformats.org/drawingml/2006/main" xmlns:r="http://schemas.openxmlformats.org/officeDocument/2006/relationships" xmlns:p="http://schemas.openxmlformats.org/presentationml/2006/main" type="title" preserve="1">
   <p:cSld name="Titelfolie">
     <p:spTree>
@@ -1267,7 +1275,7 @@
             </a:lvl1pPr>
           </a:lstStyle>
           <a:p>
-            <a:fld id="{C699CB88-5E1A-4FAC-892A-60949ACB1F6F}" type="datetimeFigureOut">
+            <a:fld id="{7D3AB845-9AA3-BE42-BD11-39A7E5757158}" type="datetime1">
               <a:rPr lang="en-US" smtClean="0">
                 <a:solidFill>
                   <a:prstClr val="black">
@@ -1275,8 +1283,7 @@
                   </a:prstClr>
                 </a:solidFill>
               </a:rPr>
-              <a:pPr/>
-              <a:t>17/04/14</a:t>
+              <a:t>22/04/14</a:t>
             </a:fld>
             <a:endParaRPr lang="en-US" dirty="0">
               <a:solidFill>
@@ -1309,6 +1316,16 @@
             </a:lvl1pPr>
           </a:lstStyle>
           <a:p>
+            <a:r>
+              <a:rPr lang="en-US" smtClean="0">
+                <a:solidFill>
+                  <a:prstClr val="black">
+                    <a:tint val="75000"/>
+                  </a:prstClr>
+                </a:solidFill>
+              </a:rPr>
+              <a:t>Lean | Agile Dev. Proc. | Eric Knauss</a:t>
+            </a:r>
             <a:endParaRPr lang="en-US">
               <a:solidFill>
                 <a:prstClr val="black">
@@ -1384,7 +1401,7 @@
 </p:sldLayout>
 </file>
 
-<file path=ppt/slideLayouts/slideLayout13.xml><?xml version="1.0" encoding="utf-8"?>
+<file path=ppt/slideLayouts/slideLayout12.xml><?xml version="1.0" encoding="utf-8"?>
 <p:sldLayout xmlns:a="http://schemas.openxmlformats.org/drawingml/2006/main" xmlns:r="http://schemas.openxmlformats.org/officeDocument/2006/relationships" xmlns:p="http://schemas.openxmlformats.org/presentationml/2006/main" type="obj" preserve="1">
   <p:cSld name="Titel und Inhalt">
     <p:spTree>
@@ -1507,7 +1524,7 @@
           <a:bodyPr/>
           <a:lstStyle/>
           <a:p>
-            <a:fld id="{C699CB88-5E1A-4FAC-892A-60949ACB1F6F}" type="datetimeFigureOut">
+            <a:fld id="{5222CE08-57A5-804B-A73B-FD0010D9FE68}" type="datetime1">
               <a:rPr lang="en-US" smtClean="0">
                 <a:solidFill>
                   <a:prstClr val="black">
@@ -1515,8 +1532,7 @@
                   </a:prstClr>
                 </a:solidFill>
               </a:rPr>
-              <a:pPr/>
-              <a:t>17/04/14</a:t>
+              <a:t>22/04/14</a:t>
             </a:fld>
             <a:endParaRPr lang="en-US">
               <a:solidFill>
@@ -1543,6 +1559,16 @@
           <a:bodyPr/>
           <a:lstStyle/>
           <a:p>
+            <a:r>
+              <a:rPr lang="de-DE" smtClean="0">
+                <a:solidFill>
+                  <a:prstClr val="black">
+                    <a:tint val="75000"/>
+                  </a:prstClr>
+                </a:solidFill>
+              </a:rPr>
+              <a:t>Lean | Agile Dev. Proc. | Eric Knauss</a:t>
+            </a:r>
             <a:endParaRPr lang="de-DE">
               <a:solidFill>
                 <a:prstClr val="black">
@@ -1612,7 +1638,7 @@
 </p:sldLayout>
 </file>
 
-<file path=ppt/slideLayouts/slideLayout14.xml><?xml version="1.0" encoding="utf-8"?>
+<file path=ppt/slideLayouts/slideLayout13.xml><?xml version="1.0" encoding="utf-8"?>
 <p:sldLayout xmlns:a="http://schemas.openxmlformats.org/drawingml/2006/main" xmlns:r="http://schemas.openxmlformats.org/officeDocument/2006/relationships" xmlns:p="http://schemas.openxmlformats.org/presentationml/2006/main" type="twoObj" preserve="1">
   <p:cSld name="Zwei Inhalte">
     <p:spTree>
@@ -1841,7 +1867,7 @@
           <a:bodyPr/>
           <a:lstStyle/>
           <a:p>
-            <a:fld id="{C699CB88-5E1A-4FAC-892A-60949ACB1F6F}" type="datetimeFigureOut">
+            <a:fld id="{E08E5823-660E-0849-A8AB-5E5C2F99EFB6}" type="datetime1">
               <a:rPr lang="en-US" smtClean="0">
                 <a:solidFill>
                   <a:prstClr val="black">
@@ -1849,8 +1875,7 @@
                   </a:prstClr>
                 </a:solidFill>
               </a:rPr>
-              <a:pPr/>
-              <a:t>17/04/14</a:t>
+              <a:t>22/04/14</a:t>
             </a:fld>
             <a:endParaRPr lang="en-US">
               <a:solidFill>
@@ -1877,6 +1902,16 @@
           <a:bodyPr/>
           <a:lstStyle/>
           <a:p>
+            <a:r>
+              <a:rPr lang="de-DE" smtClean="0">
+                <a:solidFill>
+                  <a:prstClr val="black">
+                    <a:tint val="75000"/>
+                  </a:prstClr>
+                </a:solidFill>
+              </a:rPr>
+              <a:t>Lean | Agile Dev. Proc. | Eric Knauss</a:t>
+            </a:r>
             <a:endParaRPr lang="de-DE">
               <a:solidFill>
                 <a:prstClr val="black">
@@ -1943,7 +1978,7 @@
 </p:sldLayout>
 </file>
 
-<file path=ppt/slideLayouts/slideLayout15.xml><?xml version="1.0" encoding="utf-8"?>
+<file path=ppt/slideLayouts/slideLayout14.xml><?xml version="1.0" encoding="utf-8"?>
 <p:sldLayout xmlns:a="http://schemas.openxmlformats.org/drawingml/2006/main" xmlns:r="http://schemas.openxmlformats.org/officeDocument/2006/relationships" xmlns:p="http://schemas.openxmlformats.org/presentationml/2006/main" type="titleOnly" preserve="1">
   <p:cSld name="Nur Titel">
     <p:spTree>
@@ -1998,7 +2033,7 @@
           <a:bodyPr/>
           <a:lstStyle/>
           <a:p>
-            <a:fld id="{C699CB88-5E1A-4FAC-892A-60949ACB1F6F}" type="datetimeFigureOut">
+            <a:fld id="{EB36E727-4A69-024D-B29A-31B48511163C}" type="datetime1">
               <a:rPr lang="en-US" smtClean="0">
                 <a:solidFill>
                   <a:prstClr val="black">
@@ -2006,8 +2041,7 @@
                   </a:prstClr>
                 </a:solidFill>
               </a:rPr>
-              <a:pPr/>
-              <a:t>17/04/14</a:t>
+              <a:t>22/04/14</a:t>
             </a:fld>
             <a:endParaRPr lang="en-US">
               <a:solidFill>
@@ -2034,6 +2068,16 @@
           <a:bodyPr/>
           <a:lstStyle/>
           <a:p>
+            <a:r>
+              <a:rPr lang="de-DE" smtClean="0">
+                <a:solidFill>
+                  <a:prstClr val="black">
+                    <a:tint val="75000"/>
+                  </a:prstClr>
+                </a:solidFill>
+              </a:rPr>
+              <a:t>Lean | Agile Dev. Proc. | Eric Knauss</a:t>
+            </a:r>
             <a:endParaRPr lang="de-DE">
               <a:solidFill>
                 <a:prstClr val="black">
@@ -2100,7 +2144,7 @@
 </p:sldLayout>
 </file>
 
-<file path=ppt/slideLayouts/slideLayout16.xml><?xml version="1.0" encoding="utf-8"?>
+<file path=ppt/slideLayouts/slideLayout15.xml><?xml version="1.0" encoding="utf-8"?>
 <p:sldLayout xmlns:a="http://schemas.openxmlformats.org/drawingml/2006/main" xmlns:r="http://schemas.openxmlformats.org/officeDocument/2006/relationships" xmlns:p="http://schemas.openxmlformats.org/presentationml/2006/main" type="blank" preserve="1">
   <p:cSld name="Leer">
     <p:spTree>
@@ -2132,7 +2176,7 @@
           <a:bodyPr/>
           <a:lstStyle/>
           <a:p>
-            <a:fld id="{C699CB88-5E1A-4FAC-892A-60949ACB1F6F}" type="datetimeFigureOut">
+            <a:fld id="{F9F9D9E7-E7EA-D042-8EFE-7E38E7F95134}" type="datetime1">
               <a:rPr lang="en-US" smtClean="0">
                 <a:solidFill>
                   <a:prstClr val="black">
@@ -2140,8 +2184,7 @@
                   </a:prstClr>
                 </a:solidFill>
               </a:rPr>
-              <a:pPr/>
-              <a:t>17/04/14</a:t>
+              <a:t>22/04/14</a:t>
             </a:fld>
             <a:endParaRPr lang="en-US">
               <a:solidFill>
@@ -2168,6 +2211,16 @@
           <a:bodyPr/>
           <a:lstStyle/>
           <a:p>
+            <a:r>
+              <a:rPr lang="de-DE" smtClean="0">
+                <a:solidFill>
+                  <a:prstClr val="black">
+                    <a:tint val="75000"/>
+                  </a:prstClr>
+                </a:solidFill>
+              </a:rPr>
+              <a:t>Lean | Agile Dev. Proc. | Eric Knauss</a:t>
+            </a:r>
             <a:endParaRPr lang="de-DE">
               <a:solidFill>
                 <a:prstClr val="black">
@@ -2234,7 +2287,7 @@
 </p:sldLayout>
 </file>
 
-<file path=ppt/slideLayouts/slideLayout17.xml><?xml version="1.0" encoding="utf-8"?>
+<file path=ppt/slideLayouts/slideLayout16.xml><?xml version="1.0" encoding="utf-8"?>
 <p:sldLayout xmlns:a="http://schemas.openxmlformats.org/drawingml/2006/main" xmlns:r="http://schemas.openxmlformats.org/officeDocument/2006/relationships" xmlns:p="http://schemas.openxmlformats.org/presentationml/2006/main" type="objTx" preserve="1">
   <p:cSld name="Inhalt mit Überschrift">
     <p:spTree>
@@ -2450,7 +2503,7 @@
           <a:bodyPr/>
           <a:lstStyle/>
           <a:p>
-            <a:fld id="{C699CB88-5E1A-4FAC-892A-60949ACB1F6F}" type="datetimeFigureOut">
+            <a:fld id="{14602FDD-DFBB-B743-8088-C487FC1632EE}" type="datetime1">
               <a:rPr lang="en-US" smtClean="0">
                 <a:solidFill>
                   <a:prstClr val="black">
@@ -2458,8 +2511,7 @@
                   </a:prstClr>
                 </a:solidFill>
               </a:rPr>
-              <a:pPr/>
-              <a:t>17/04/14</a:t>
+              <a:t>22/04/14</a:t>
             </a:fld>
             <a:endParaRPr lang="en-US">
               <a:solidFill>
@@ -2486,6 +2538,16 @@
           <a:bodyPr/>
           <a:lstStyle/>
           <a:p>
+            <a:r>
+              <a:rPr lang="de-DE" smtClean="0">
+                <a:solidFill>
+                  <a:prstClr val="black">
+                    <a:tint val="75000"/>
+                  </a:prstClr>
+                </a:solidFill>
+              </a:rPr>
+              <a:t>Lean | Agile Dev. Proc. | Eric Knauss</a:t>
+            </a:r>
             <a:endParaRPr lang="de-DE">
               <a:solidFill>
                 <a:prstClr val="black">
@@ -2552,303 +2614,7 @@
 </p:sldLayout>
 </file>
 
-<file path=ppt/slideLayouts/slideLayout18.xml><?xml version="1.0" encoding="utf-8"?>
-<p:sldLayout xmlns:a="http://schemas.openxmlformats.org/drawingml/2006/main" xmlns:r="http://schemas.openxmlformats.org/officeDocument/2006/relationships" xmlns:p="http://schemas.openxmlformats.org/presentationml/2006/main" type="picTx" preserve="1">
-  <p:cSld name="Bild mit Überschrift">
-    <p:spTree>
-      <p:nvGrpSpPr>
-        <p:cNvPr id="1" name=""/>
-        <p:cNvGrpSpPr/>
-        <p:nvPr/>
-      </p:nvGrpSpPr>
-      <p:grpSpPr>
-        <a:xfrm>
-          <a:off x="0" y="0"/>
-          <a:ext cx="0" cy="0"/>
-          <a:chOff x="0" y="0"/>
-          <a:chExt cx="0" cy="0"/>
-        </a:xfrm>
-      </p:grpSpPr>
-      <p:sp>
-        <p:nvSpPr>
-          <p:cNvPr id="2" name="Titel 1"/>
-          <p:cNvSpPr>
-            <a:spLocks noGrp="1"/>
-          </p:cNvSpPr>
-          <p:nvPr>
-            <p:ph type="title"/>
-          </p:nvPr>
-        </p:nvSpPr>
-        <p:spPr>
-          <a:xfrm>
-            <a:off x="1792288" y="4800600"/>
-            <a:ext cx="5486400" cy="566738"/>
-          </a:xfrm>
-        </p:spPr>
-        <p:txBody>
-          <a:bodyPr anchor="b"/>
-          <a:lstStyle>
-            <a:lvl1pPr algn="l">
-              <a:defRPr sz="2000" b="1"/>
-            </a:lvl1pPr>
-          </a:lstStyle>
-          <a:p>
-            <a:r>
-              <a:rPr lang="en-US" smtClean="0"/>
-              <a:t>Click to edit Master title style</a:t>
-            </a:r>
-            <a:endParaRPr lang="de-DE"/>
-          </a:p>
-        </p:txBody>
-      </p:sp>
-      <p:sp>
-        <p:nvSpPr>
-          <p:cNvPr id="3" name="Bildplatzhalter 2"/>
-          <p:cNvSpPr>
-            <a:spLocks noGrp="1"/>
-          </p:cNvSpPr>
-          <p:nvPr>
-            <p:ph type="pic" idx="1"/>
-          </p:nvPr>
-        </p:nvSpPr>
-        <p:spPr>
-          <a:xfrm>
-            <a:off x="1792288" y="612775"/>
-            <a:ext cx="5486400" cy="4114800"/>
-          </a:xfrm>
-        </p:spPr>
-        <p:txBody>
-          <a:bodyPr/>
-          <a:lstStyle>
-            <a:lvl1pPr marL="0" indent="0">
-              <a:buNone/>
-              <a:defRPr sz="3200"/>
-            </a:lvl1pPr>
-            <a:lvl2pPr marL="457200" indent="0">
-              <a:buNone/>
-              <a:defRPr sz="2800"/>
-            </a:lvl2pPr>
-            <a:lvl3pPr marL="914400" indent="0">
-              <a:buNone/>
-              <a:defRPr sz="2400"/>
-            </a:lvl3pPr>
-            <a:lvl4pPr marL="1371600" indent="0">
-              <a:buNone/>
-              <a:defRPr sz="2000"/>
-            </a:lvl4pPr>
-            <a:lvl5pPr marL="1828800" indent="0">
-              <a:buNone/>
-              <a:defRPr sz="2000"/>
-            </a:lvl5pPr>
-            <a:lvl6pPr marL="2286000" indent="0">
-              <a:buNone/>
-              <a:defRPr sz="2000"/>
-            </a:lvl6pPr>
-            <a:lvl7pPr marL="2743200" indent="0">
-              <a:buNone/>
-              <a:defRPr sz="2000"/>
-            </a:lvl7pPr>
-            <a:lvl8pPr marL="3200400" indent="0">
-              <a:buNone/>
-              <a:defRPr sz="2000"/>
-            </a:lvl8pPr>
-            <a:lvl9pPr marL="3657600" indent="0">
-              <a:buNone/>
-              <a:defRPr sz="2000"/>
-            </a:lvl9pPr>
-          </a:lstStyle>
-          <a:p>
-            <a:r>
-              <a:rPr lang="en-US" smtClean="0"/>
-              <a:t>Drag picture to placeholder or click icon to add</a:t>
-            </a:r>
-            <a:endParaRPr lang="de-DE"/>
-          </a:p>
-        </p:txBody>
-      </p:sp>
-      <p:sp>
-        <p:nvSpPr>
-          <p:cNvPr id="4" name="Textplatzhalter 3"/>
-          <p:cNvSpPr>
-            <a:spLocks noGrp="1"/>
-          </p:cNvSpPr>
-          <p:nvPr>
-            <p:ph type="body" sz="half" idx="2"/>
-          </p:nvPr>
-        </p:nvSpPr>
-        <p:spPr>
-          <a:xfrm>
-            <a:off x="1792288" y="5367338"/>
-            <a:ext cx="5486400" cy="804862"/>
-          </a:xfrm>
-        </p:spPr>
-        <p:txBody>
-          <a:bodyPr/>
-          <a:lstStyle>
-            <a:lvl1pPr marL="0" indent="0">
-              <a:buNone/>
-              <a:defRPr sz="1400"/>
-            </a:lvl1pPr>
-            <a:lvl2pPr marL="457200" indent="0">
-              <a:buNone/>
-              <a:defRPr sz="1200"/>
-            </a:lvl2pPr>
-            <a:lvl3pPr marL="914400" indent="0">
-              <a:buNone/>
-              <a:defRPr sz="1000"/>
-            </a:lvl3pPr>
-            <a:lvl4pPr marL="1371600" indent="0">
-              <a:buNone/>
-              <a:defRPr sz="900"/>
-            </a:lvl4pPr>
-            <a:lvl5pPr marL="1828800" indent="0">
-              <a:buNone/>
-              <a:defRPr sz="900"/>
-            </a:lvl5pPr>
-            <a:lvl6pPr marL="2286000" indent="0">
-              <a:buNone/>
-              <a:defRPr sz="900"/>
-            </a:lvl6pPr>
-            <a:lvl7pPr marL="2743200" indent="0">
-              <a:buNone/>
-              <a:defRPr sz="900"/>
-            </a:lvl7pPr>
-            <a:lvl8pPr marL="3200400" indent="0">
-              <a:buNone/>
-              <a:defRPr sz="900"/>
-            </a:lvl8pPr>
-            <a:lvl9pPr marL="3657600" indent="0">
-              <a:buNone/>
-              <a:defRPr sz="900"/>
-            </a:lvl9pPr>
-          </a:lstStyle>
-          <a:p>
-            <a:pPr lvl="0"/>
-            <a:r>
-              <a:rPr lang="en-US" smtClean="0"/>
-              <a:t>Click to edit Master text styles</a:t>
-            </a:r>
-          </a:p>
-        </p:txBody>
-      </p:sp>
-      <p:sp>
-        <p:nvSpPr>
-          <p:cNvPr id="5" name="Datumsplatzhalter 4"/>
-          <p:cNvSpPr>
-            <a:spLocks noGrp="1"/>
-          </p:cNvSpPr>
-          <p:nvPr>
-            <p:ph type="dt" sz="half" idx="10"/>
-          </p:nvPr>
-        </p:nvSpPr>
-        <p:spPr/>
-        <p:txBody>
-          <a:bodyPr/>
-          <a:lstStyle/>
-          <a:p>
-            <a:fld id="{C699CB88-5E1A-4FAC-892A-60949ACB1F6F}" type="datetimeFigureOut">
-              <a:rPr lang="en-US" smtClean="0">
-                <a:solidFill>
-                  <a:prstClr val="black">
-                    <a:tint val="75000"/>
-                  </a:prstClr>
-                </a:solidFill>
-              </a:rPr>
-              <a:pPr/>
-              <a:t>17/04/14</a:t>
-            </a:fld>
-            <a:endParaRPr lang="en-US">
-              <a:solidFill>
-                <a:prstClr val="black">
-                  <a:tint val="75000"/>
-                </a:prstClr>
-              </a:solidFill>
-            </a:endParaRPr>
-          </a:p>
-        </p:txBody>
-      </p:sp>
-      <p:sp>
-        <p:nvSpPr>
-          <p:cNvPr id="6" name="Fußzeilenplatzhalter 5"/>
-          <p:cNvSpPr>
-            <a:spLocks noGrp="1"/>
-          </p:cNvSpPr>
-          <p:nvPr>
-            <p:ph type="ftr" sz="quarter" idx="11"/>
-          </p:nvPr>
-        </p:nvSpPr>
-        <p:spPr/>
-        <p:txBody>
-          <a:bodyPr/>
-          <a:lstStyle/>
-          <a:p>
-            <a:endParaRPr lang="de-DE">
-              <a:solidFill>
-                <a:prstClr val="black">
-                  <a:tint val="75000"/>
-                </a:prstClr>
-              </a:solidFill>
-            </a:endParaRPr>
-          </a:p>
-        </p:txBody>
-      </p:sp>
-      <p:sp>
-        <p:nvSpPr>
-          <p:cNvPr id="7" name="Foliennummernplatzhalter 6"/>
-          <p:cNvSpPr>
-            <a:spLocks noGrp="1"/>
-          </p:cNvSpPr>
-          <p:nvPr>
-            <p:ph type="sldNum" sz="quarter" idx="12"/>
-          </p:nvPr>
-        </p:nvSpPr>
-        <p:spPr/>
-        <p:txBody>
-          <a:bodyPr/>
-          <a:lstStyle/>
-          <a:p>
-            <a:fld id="{91974DF9-AD47-4691-BA21-BBFCE3637A9A}" type="slidenum">
-              <a:rPr lang="en-US" smtClean="0">
-                <a:solidFill>
-                  <a:prstClr val="black">
-                    <a:tint val="75000"/>
-                  </a:prstClr>
-                </a:solidFill>
-              </a:rPr>
-              <a:pPr/>
-              <a:t>‹#›</a:t>
-            </a:fld>
-            <a:endParaRPr lang="en-US">
-              <a:solidFill>
-                <a:prstClr val="black">
-                  <a:tint val="75000"/>
-                </a:prstClr>
-              </a:solidFill>
-            </a:endParaRPr>
-          </a:p>
-        </p:txBody>
-      </p:sp>
-    </p:spTree>
-    <p:extLst>
-      <p:ext uri="{BB962C8B-B14F-4D97-AF65-F5344CB8AC3E}">
-        <p14:creationId xmlns:p14="http://schemas.microsoft.com/office/powerpoint/2010/main" val="2206993261"/>
-      </p:ext>
-    </p:extLst>
-  </p:cSld>
-  <p:clrMapOvr>
-    <a:masterClrMapping/>
-  </p:clrMapOvr>
-  <p:timing>
-    <p:tnLst>
-      <p:par>
-        <p:cTn xmlns:p14="http://schemas.microsoft.com/office/powerpoint/2010/main" id="1" dur="indefinite" restart="never" nodeType="tmRoot"/>
-      </p:par>
-    </p:tnLst>
-  </p:timing>
-</p:sldLayout>
-</file>
-
-<file path=ppt/slideLayouts/slideLayout19.xml><?xml version="1.0" encoding="utf-8"?>
+<file path=ppt/slideLayouts/slideLayout17.xml><?xml version="1.0" encoding="utf-8"?>
 <p:sldLayout xmlns:a="http://schemas.openxmlformats.org/drawingml/2006/main" xmlns:r="http://schemas.openxmlformats.org/officeDocument/2006/relationships" xmlns:p="http://schemas.openxmlformats.org/presentationml/2006/main" type="vertTx" preserve="1">
   <p:cSld name="Titel und vertikaler Text">
     <p:spTree>
@@ -2955,7 +2721,7 @@
           <a:bodyPr/>
           <a:lstStyle/>
           <a:p>
-            <a:fld id="{C699CB88-5E1A-4FAC-892A-60949ACB1F6F}" type="datetimeFigureOut">
+            <a:fld id="{7F287539-9D59-0A40-90F6-8FB2A509B5CF}" type="datetime1">
               <a:rPr lang="en-US" smtClean="0">
                 <a:solidFill>
                   <a:prstClr val="black">
@@ -2963,8 +2729,7 @@
                   </a:prstClr>
                 </a:solidFill>
               </a:rPr>
-              <a:pPr/>
-              <a:t>17/04/14</a:t>
+              <a:t>22/04/14</a:t>
             </a:fld>
             <a:endParaRPr lang="en-US">
               <a:solidFill>
@@ -2991,6 +2756,16 @@
           <a:bodyPr/>
           <a:lstStyle/>
           <a:p>
+            <a:r>
+              <a:rPr lang="de-DE" smtClean="0">
+                <a:solidFill>
+                  <a:prstClr val="black">
+                    <a:tint val="75000"/>
+                  </a:prstClr>
+                </a:solidFill>
+              </a:rPr>
+              <a:t>Lean | Agile Dev. Proc. | Eric Knauss</a:t>
+            </a:r>
             <a:endParaRPr lang="de-DE">
               <a:solidFill>
                 <a:prstClr val="black">
@@ -3057,177 +2832,7 @@
 </p:sldLayout>
 </file>
 
-<file path=ppt/slideLayouts/slideLayout2.xml><?xml version="1.0" encoding="utf-8"?>
-<p:sldLayout xmlns:a="http://schemas.openxmlformats.org/drawingml/2006/main" xmlns:r="http://schemas.openxmlformats.org/officeDocument/2006/relationships" xmlns:p="http://schemas.openxmlformats.org/presentationml/2006/main" type="obj" preserve="1">
-  <p:cSld name="Title and Content">
-    <p:spTree>
-      <p:nvGrpSpPr>
-        <p:cNvPr id="1" name=""/>
-        <p:cNvGrpSpPr/>
-        <p:nvPr/>
-      </p:nvGrpSpPr>
-      <p:grpSpPr>
-        <a:xfrm>
-          <a:off x="0" y="0"/>
-          <a:ext cx="0" cy="0"/>
-          <a:chOff x="0" y="0"/>
-          <a:chExt cx="0" cy="0"/>
-        </a:xfrm>
-      </p:grpSpPr>
-      <p:sp>
-        <p:nvSpPr>
-          <p:cNvPr id="2" name="Title 1"/>
-          <p:cNvSpPr>
-            <a:spLocks noGrp="1"/>
-          </p:cNvSpPr>
-          <p:nvPr>
-            <p:ph type="title"/>
-          </p:nvPr>
-        </p:nvSpPr>
-        <p:spPr/>
-        <p:txBody>
-          <a:bodyPr/>
-          <a:lstStyle/>
-          <a:p>
-            <a:r>
-              <a:rPr lang="en-US" smtClean="0"/>
-              <a:t>Click to edit Master title style</a:t>
-            </a:r>
-            <a:endParaRPr lang="en-US"/>
-          </a:p>
-        </p:txBody>
-      </p:sp>
-      <p:sp>
-        <p:nvSpPr>
-          <p:cNvPr id="3" name="Content Placeholder 2"/>
-          <p:cNvSpPr>
-            <a:spLocks noGrp="1"/>
-          </p:cNvSpPr>
-          <p:nvPr>
-            <p:ph idx="1"/>
-          </p:nvPr>
-        </p:nvSpPr>
-        <p:spPr/>
-        <p:txBody>
-          <a:bodyPr/>
-          <a:lstStyle/>
-          <a:p>
-            <a:pPr lvl="0"/>
-            <a:r>
-              <a:rPr lang="en-US" smtClean="0"/>
-              <a:t>Click to edit Master text styles</a:t>
-            </a:r>
-          </a:p>
-          <a:p>
-            <a:pPr lvl="1"/>
-            <a:r>
-              <a:rPr lang="en-US" smtClean="0"/>
-              <a:t>Second level</a:t>
-            </a:r>
-          </a:p>
-          <a:p>
-            <a:pPr lvl="2"/>
-            <a:r>
-              <a:rPr lang="en-US" smtClean="0"/>
-              <a:t>Third level</a:t>
-            </a:r>
-          </a:p>
-          <a:p>
-            <a:pPr lvl="3"/>
-            <a:r>
-              <a:rPr lang="en-US" smtClean="0"/>
-              <a:t>Fourth level</a:t>
-            </a:r>
-          </a:p>
-          <a:p>
-            <a:pPr lvl="4"/>
-            <a:r>
-              <a:rPr lang="en-US" smtClean="0"/>
-              <a:t>Fifth level</a:t>
-            </a:r>
-            <a:endParaRPr lang="en-US"/>
-          </a:p>
-        </p:txBody>
-      </p:sp>
-      <p:sp>
-        <p:nvSpPr>
-          <p:cNvPr id="4" name="Date Placeholder 3"/>
-          <p:cNvSpPr>
-            <a:spLocks noGrp="1"/>
-          </p:cNvSpPr>
-          <p:nvPr>
-            <p:ph type="dt" sz="half" idx="10"/>
-          </p:nvPr>
-        </p:nvSpPr>
-        <p:spPr/>
-        <p:txBody>
-          <a:bodyPr/>
-          <a:lstStyle/>
-          <a:p>
-            <a:fld id="{DE9D31E7-7064-EF4F-93F0-966D653C7150}" type="datetimeFigureOut">
-              <a:rPr lang="en-US" smtClean="0"/>
-              <a:t>17/04/14</a:t>
-            </a:fld>
-            <a:endParaRPr lang="en-US"/>
-          </a:p>
-        </p:txBody>
-      </p:sp>
-      <p:sp>
-        <p:nvSpPr>
-          <p:cNvPr id="5" name="Footer Placeholder 4"/>
-          <p:cNvSpPr>
-            <a:spLocks noGrp="1"/>
-          </p:cNvSpPr>
-          <p:nvPr>
-            <p:ph type="ftr" sz="quarter" idx="11"/>
-          </p:nvPr>
-        </p:nvSpPr>
-        <p:spPr/>
-        <p:txBody>
-          <a:bodyPr/>
-          <a:lstStyle/>
-          <a:p>
-            <a:endParaRPr lang="en-US"/>
-          </a:p>
-        </p:txBody>
-      </p:sp>
-      <p:sp>
-        <p:nvSpPr>
-          <p:cNvPr id="6" name="Slide Number Placeholder 5"/>
-          <p:cNvSpPr>
-            <a:spLocks noGrp="1"/>
-          </p:cNvSpPr>
-          <p:nvPr>
-            <p:ph type="sldNum" sz="quarter" idx="12"/>
-          </p:nvPr>
-        </p:nvSpPr>
-        <p:spPr/>
-        <p:txBody>
-          <a:bodyPr/>
-          <a:lstStyle/>
-          <a:p>
-            <a:fld id="{7ED7E6F0-40BF-4E49-8032-45DA9A9F0718}" type="slidenum">
-              <a:rPr lang="en-US" smtClean="0"/>
-              <a:t>‹#›</a:t>
-            </a:fld>
-            <a:endParaRPr lang="en-US"/>
-          </a:p>
-        </p:txBody>
-      </p:sp>
-    </p:spTree>
-    <p:extLst>
-      <p:ext uri="{BB962C8B-B14F-4D97-AF65-F5344CB8AC3E}">
-        <p14:creationId xmlns:p14="http://schemas.microsoft.com/office/powerpoint/2010/main" val="3141760530"/>
-      </p:ext>
-    </p:extLst>
-  </p:cSld>
-  <p:clrMapOvr>
-    <a:masterClrMapping/>
-  </p:clrMapOvr>
-</p:sldLayout>
-</file>
-
-<file path=ppt/slideLayouts/slideLayout20.xml><?xml version="1.0" encoding="utf-8"?>
+<file path=ppt/slideLayouts/slideLayout18.xml><?xml version="1.0" encoding="utf-8"?>
 <p:sldLayout xmlns:a="http://schemas.openxmlformats.org/drawingml/2006/main" xmlns:r="http://schemas.openxmlformats.org/officeDocument/2006/relationships" xmlns:p="http://schemas.openxmlformats.org/presentationml/2006/main" type="vertTitleAndTx" preserve="1">
   <p:cSld name="Vertikaler Titel und Text">
     <p:spTree>
@@ -3344,7 +2949,7 @@
           <a:bodyPr/>
           <a:lstStyle/>
           <a:p>
-            <a:fld id="{C699CB88-5E1A-4FAC-892A-60949ACB1F6F}" type="datetimeFigureOut">
+            <a:fld id="{454E624D-B61A-2D4E-A0C8-E67D8532E3D7}" type="datetime1">
               <a:rPr lang="en-US" smtClean="0">
                 <a:solidFill>
                   <a:prstClr val="black">
@@ -3352,8 +2957,7 @@
                   </a:prstClr>
                 </a:solidFill>
               </a:rPr>
-              <a:pPr/>
-              <a:t>17/04/14</a:t>
+              <a:t>22/04/14</a:t>
             </a:fld>
             <a:endParaRPr lang="en-US">
               <a:solidFill>
@@ -3380,6 +2984,16 @@
           <a:bodyPr/>
           <a:lstStyle/>
           <a:p>
+            <a:r>
+              <a:rPr lang="de-DE" smtClean="0">
+                <a:solidFill>
+                  <a:prstClr val="black">
+                    <a:tint val="75000"/>
+                  </a:prstClr>
+                </a:solidFill>
+              </a:rPr>
+              <a:t>Lean | Agile Dev. Proc. | Eric Knauss</a:t>
+            </a:r>
             <a:endParaRPr lang="de-DE">
               <a:solidFill>
                 <a:prstClr val="black">
@@ -3446,7 +3060,7 @@
 </p:sldLayout>
 </file>
 
-<file path=ppt/slideLayouts/slideLayout21.xml><?xml version="1.0" encoding="utf-8"?>
+<file path=ppt/slideLayouts/slideLayout19.xml><?xml version="1.0" encoding="utf-8"?>
 <p:sldLayout xmlns:a="http://schemas.openxmlformats.org/drawingml/2006/main" xmlns:r="http://schemas.openxmlformats.org/officeDocument/2006/relationships" xmlns:p="http://schemas.openxmlformats.org/presentationml/2006/main" preserve="1" userDrawn="1">
   <p:cSld name="1_Två innehållsdelar">
     <p:spTree>
@@ -3726,7 +3340,181 @@
 </p:sldLayout>
 </file>
 
-<file path=ppt/slideLayouts/slideLayout22.xml><?xml version="1.0" encoding="utf-8"?>
+<file path=ppt/slideLayouts/slideLayout2.xml><?xml version="1.0" encoding="utf-8"?>
+<p:sldLayout xmlns:a="http://schemas.openxmlformats.org/drawingml/2006/main" xmlns:r="http://schemas.openxmlformats.org/officeDocument/2006/relationships" xmlns:p="http://schemas.openxmlformats.org/presentationml/2006/main" type="obj" preserve="1">
+  <p:cSld name="Title and Content">
+    <p:spTree>
+      <p:nvGrpSpPr>
+        <p:cNvPr id="1" name=""/>
+        <p:cNvGrpSpPr/>
+        <p:nvPr/>
+      </p:nvGrpSpPr>
+      <p:grpSpPr>
+        <a:xfrm>
+          <a:off x="0" y="0"/>
+          <a:ext cx="0" cy="0"/>
+          <a:chOff x="0" y="0"/>
+          <a:chExt cx="0" cy="0"/>
+        </a:xfrm>
+      </p:grpSpPr>
+      <p:sp>
+        <p:nvSpPr>
+          <p:cNvPr id="2" name="Title 1"/>
+          <p:cNvSpPr>
+            <a:spLocks noGrp="1"/>
+          </p:cNvSpPr>
+          <p:nvPr>
+            <p:ph type="title"/>
+          </p:nvPr>
+        </p:nvSpPr>
+        <p:spPr/>
+        <p:txBody>
+          <a:bodyPr/>
+          <a:lstStyle/>
+          <a:p>
+            <a:r>
+              <a:rPr lang="en-US" smtClean="0"/>
+              <a:t>Click to edit Master title style</a:t>
+            </a:r>
+            <a:endParaRPr lang="en-US"/>
+          </a:p>
+        </p:txBody>
+      </p:sp>
+      <p:sp>
+        <p:nvSpPr>
+          <p:cNvPr id="3" name="Content Placeholder 2"/>
+          <p:cNvSpPr>
+            <a:spLocks noGrp="1"/>
+          </p:cNvSpPr>
+          <p:nvPr>
+            <p:ph idx="1"/>
+          </p:nvPr>
+        </p:nvSpPr>
+        <p:spPr/>
+        <p:txBody>
+          <a:bodyPr/>
+          <a:lstStyle/>
+          <a:p>
+            <a:pPr lvl="0"/>
+            <a:r>
+              <a:rPr lang="en-US" smtClean="0"/>
+              <a:t>Click to edit Master text styles</a:t>
+            </a:r>
+          </a:p>
+          <a:p>
+            <a:pPr lvl="1"/>
+            <a:r>
+              <a:rPr lang="en-US" smtClean="0"/>
+              <a:t>Second level</a:t>
+            </a:r>
+          </a:p>
+          <a:p>
+            <a:pPr lvl="2"/>
+            <a:r>
+              <a:rPr lang="en-US" smtClean="0"/>
+              <a:t>Third level</a:t>
+            </a:r>
+          </a:p>
+          <a:p>
+            <a:pPr lvl="3"/>
+            <a:r>
+              <a:rPr lang="en-US" smtClean="0"/>
+              <a:t>Fourth level</a:t>
+            </a:r>
+          </a:p>
+          <a:p>
+            <a:pPr lvl="4"/>
+            <a:r>
+              <a:rPr lang="en-US" smtClean="0"/>
+              <a:t>Fifth level</a:t>
+            </a:r>
+            <a:endParaRPr lang="en-US"/>
+          </a:p>
+        </p:txBody>
+      </p:sp>
+      <p:sp>
+        <p:nvSpPr>
+          <p:cNvPr id="4" name="Date Placeholder 3"/>
+          <p:cNvSpPr>
+            <a:spLocks noGrp="1"/>
+          </p:cNvSpPr>
+          <p:nvPr>
+            <p:ph type="dt" sz="half" idx="10"/>
+          </p:nvPr>
+        </p:nvSpPr>
+        <p:spPr/>
+        <p:txBody>
+          <a:bodyPr/>
+          <a:lstStyle/>
+          <a:p>
+            <a:fld id="{EE86555D-CC70-EA41-88FF-723DBDE421F9}" type="datetime1">
+              <a:rPr lang="en-US" smtClean="0"/>
+              <a:t>22/04/14</a:t>
+            </a:fld>
+            <a:endParaRPr lang="en-US"/>
+          </a:p>
+        </p:txBody>
+      </p:sp>
+      <p:sp>
+        <p:nvSpPr>
+          <p:cNvPr id="5" name="Footer Placeholder 4"/>
+          <p:cNvSpPr>
+            <a:spLocks noGrp="1"/>
+          </p:cNvSpPr>
+          <p:nvPr>
+            <p:ph type="ftr" sz="quarter" idx="11"/>
+          </p:nvPr>
+        </p:nvSpPr>
+        <p:spPr/>
+        <p:txBody>
+          <a:bodyPr/>
+          <a:lstStyle/>
+          <a:p>
+            <a:r>
+              <a:rPr lang="en-US" smtClean="0"/>
+              <a:t>Lean | Agile Dev. Proc. | Eric Knauss</a:t>
+            </a:r>
+            <a:endParaRPr lang="en-US"/>
+          </a:p>
+        </p:txBody>
+      </p:sp>
+      <p:sp>
+        <p:nvSpPr>
+          <p:cNvPr id="6" name="Slide Number Placeholder 5"/>
+          <p:cNvSpPr>
+            <a:spLocks noGrp="1"/>
+          </p:cNvSpPr>
+          <p:nvPr>
+            <p:ph type="sldNum" sz="quarter" idx="12"/>
+          </p:nvPr>
+        </p:nvSpPr>
+        <p:spPr/>
+        <p:txBody>
+          <a:bodyPr/>
+          <a:lstStyle/>
+          <a:p>
+            <a:fld id="{7ED7E6F0-40BF-4E49-8032-45DA9A9F0718}" type="slidenum">
+              <a:rPr lang="en-US" smtClean="0"/>
+              <a:t>‹#›</a:t>
+            </a:fld>
+            <a:endParaRPr lang="en-US"/>
+          </a:p>
+        </p:txBody>
+      </p:sp>
+    </p:spTree>
+    <p:extLst>
+      <p:ext uri="{BB962C8B-B14F-4D97-AF65-F5344CB8AC3E}">
+        <p14:creationId xmlns:p14="http://schemas.microsoft.com/office/powerpoint/2010/main" val="3141760530"/>
+      </p:ext>
+    </p:extLst>
+  </p:cSld>
+  <p:clrMapOvr>
+    <a:masterClrMapping/>
+  </p:clrMapOvr>
+</p:sldLayout>
+</file>
+
+<file path=ppt/slideLayouts/slideLayout20.xml><?xml version="1.0" encoding="utf-8"?>
 <p:sldLayout xmlns:a="http://schemas.openxmlformats.org/drawingml/2006/main" xmlns:r="http://schemas.openxmlformats.org/officeDocument/2006/relationships" xmlns:p="http://schemas.openxmlformats.org/presentationml/2006/main" type="obj" preserve="1">
   <p:cSld name="Rubrik och innehåll">
     <p:spTree>
@@ -3815,6 +3603,75 @@
               <a:t>Fifth level</a:t>
             </a:r>
             <a:endParaRPr lang="sv-SE"/>
+          </a:p>
+        </p:txBody>
+      </p:sp>
+      <p:sp>
+        <p:nvSpPr>
+          <p:cNvPr id="4" name="Date Placeholder 3"/>
+          <p:cNvSpPr>
+            <a:spLocks noGrp="1"/>
+          </p:cNvSpPr>
+          <p:nvPr>
+            <p:ph type="dt" sz="half" idx="10"/>
+          </p:nvPr>
+        </p:nvSpPr>
+        <p:spPr/>
+        <p:txBody>
+          <a:bodyPr/>
+          <a:lstStyle/>
+          <a:p>
+            <a:fld id="{8B3EC01F-77DC-054C-8B51-33EE412CF208}" type="datetime1">
+              <a:rPr lang="en-US" smtClean="0"/>
+              <a:t>22/04/14</a:t>
+            </a:fld>
+            <a:endParaRPr lang="en-US"/>
+          </a:p>
+        </p:txBody>
+      </p:sp>
+      <p:sp>
+        <p:nvSpPr>
+          <p:cNvPr id="5" name="Footer Placeholder 4"/>
+          <p:cNvSpPr>
+            <a:spLocks noGrp="1"/>
+          </p:cNvSpPr>
+          <p:nvPr>
+            <p:ph type="ftr" sz="quarter" idx="11"/>
+          </p:nvPr>
+        </p:nvSpPr>
+        <p:spPr/>
+        <p:txBody>
+          <a:bodyPr/>
+          <a:lstStyle/>
+          <a:p>
+            <a:r>
+              <a:rPr lang="en-US" smtClean="0"/>
+              <a:t>Lean | Agile Dev. Proc. | Eric Knauss</a:t>
+            </a:r>
+            <a:endParaRPr lang="en-US"/>
+          </a:p>
+        </p:txBody>
+      </p:sp>
+      <p:sp>
+        <p:nvSpPr>
+          <p:cNvPr id="6" name="Slide Number Placeholder 5"/>
+          <p:cNvSpPr>
+            <a:spLocks noGrp="1"/>
+          </p:cNvSpPr>
+          <p:nvPr>
+            <p:ph type="sldNum" sz="quarter" idx="12"/>
+          </p:nvPr>
+        </p:nvSpPr>
+        <p:spPr/>
+        <p:txBody>
+          <a:bodyPr/>
+          <a:lstStyle/>
+          <a:p>
+            <a:fld id="{DDF30808-B377-9F44-9431-130233AE3DB7}" type="slidenum">
+              <a:rPr lang="en-US" smtClean="0"/>
+              <a:t>‹#›</a:t>
+            </a:fld>
+            <a:endParaRPr lang="en-US"/>
           </a:p>
         </p:txBody>
       </p:sp>
@@ -3838,7 +3695,7 @@
 </p:sldLayout>
 </file>
 
-<file path=ppt/slideLayouts/slideLayout23.xml><?xml version="1.0" encoding="utf-8"?>
+<file path=ppt/slideLayouts/slideLayout21.xml><?xml version="1.0" encoding="utf-8"?>
 <p:sldLayout xmlns:a="http://schemas.openxmlformats.org/drawingml/2006/main" xmlns:r="http://schemas.openxmlformats.org/officeDocument/2006/relationships" xmlns:p="http://schemas.openxmlformats.org/presentationml/2006/main" type="title">
   <p:cSld name="Titelfolie">
     <p:spTree>
@@ -4009,145 +3866,6 @@
           </a:p>
         </p:txBody>
       </p:sp>
-      <p:sp>
-        <p:nvSpPr>
-          <p:cNvPr id="4" name="Datumsplatzhalter 3"/>
-          <p:cNvSpPr>
-            <a:spLocks noGrp="1"/>
-          </p:cNvSpPr>
-          <p:nvPr>
-            <p:ph type="dt" sz="half" idx="10"/>
-          </p:nvPr>
-        </p:nvSpPr>
-        <p:spPr>
-          <a:xfrm>
-            <a:off x="4238247" y="6434242"/>
-            <a:ext cx="1008112" cy="365125"/>
-          </a:xfrm>
-          <a:prstGeom prst="rect">
-            <a:avLst/>
-          </a:prstGeom>
-        </p:spPr>
-        <p:txBody>
-          <a:bodyPr/>
-          <a:lstStyle>
-            <a:lvl1pPr>
-              <a:defRPr>
-                <a:latin typeface="Georgia" pitchFamily="18" charset="0"/>
-              </a:defRPr>
-            </a:lvl1pPr>
-          </a:lstStyle>
-          <a:p>
-            <a:fld id="{C699CB88-5E1A-4FAC-892A-60949ACB1F6F}" type="datetimeFigureOut">
-              <a:rPr lang="en-US" smtClean="0">
-                <a:solidFill>
-                  <a:prstClr val="black">
-                    <a:tint val="75000"/>
-                  </a:prstClr>
-                </a:solidFill>
-              </a:rPr>
-              <a:pPr/>
-              <a:t>17/04/14</a:t>
-            </a:fld>
-            <a:endParaRPr lang="en-US" dirty="0">
-              <a:solidFill>
-                <a:prstClr val="black">
-                  <a:tint val="75000"/>
-                </a:prstClr>
-              </a:solidFill>
-            </a:endParaRPr>
-          </a:p>
-        </p:txBody>
-      </p:sp>
-      <p:sp>
-        <p:nvSpPr>
-          <p:cNvPr id="5" name="Fußzeilenplatzhalter 4"/>
-          <p:cNvSpPr>
-            <a:spLocks noGrp="1"/>
-          </p:cNvSpPr>
-          <p:nvPr>
-            <p:ph type="ftr" sz="quarter" idx="11"/>
-          </p:nvPr>
-        </p:nvSpPr>
-        <p:spPr>
-          <a:xfrm>
-            <a:off x="5318367" y="6434242"/>
-            <a:ext cx="2895600" cy="365125"/>
-          </a:xfrm>
-          <a:prstGeom prst="rect">
-            <a:avLst/>
-          </a:prstGeom>
-        </p:spPr>
-        <p:txBody>
-          <a:bodyPr/>
-          <a:lstStyle>
-            <a:lvl1pPr>
-              <a:defRPr>
-                <a:latin typeface="Georgia" pitchFamily="18" charset="0"/>
-              </a:defRPr>
-            </a:lvl1pPr>
-          </a:lstStyle>
-          <a:p>
-            <a:endParaRPr lang="en-US">
-              <a:solidFill>
-                <a:prstClr val="black">
-                  <a:tint val="75000"/>
-                </a:prstClr>
-              </a:solidFill>
-            </a:endParaRPr>
-          </a:p>
-        </p:txBody>
-      </p:sp>
-      <p:sp>
-        <p:nvSpPr>
-          <p:cNvPr id="6" name="Foliennummernplatzhalter 5"/>
-          <p:cNvSpPr>
-            <a:spLocks noGrp="1"/>
-          </p:cNvSpPr>
-          <p:nvPr>
-            <p:ph type="sldNum" sz="quarter" idx="12"/>
-          </p:nvPr>
-        </p:nvSpPr>
-        <p:spPr>
-          <a:xfrm>
-            <a:off x="8291903" y="6433808"/>
-            <a:ext cx="842170" cy="365125"/>
-          </a:xfrm>
-          <a:prstGeom prst="rect">
-            <a:avLst/>
-          </a:prstGeom>
-        </p:spPr>
-        <p:txBody>
-          <a:bodyPr/>
-          <a:lstStyle>
-            <a:lvl1pPr>
-              <a:defRPr>
-                <a:latin typeface="Georgia" pitchFamily="18" charset="0"/>
-              </a:defRPr>
-            </a:lvl1pPr>
-          </a:lstStyle>
-          <a:p>
-            <a:fld id="{91974DF9-AD47-4691-BA21-BBFCE3637A9A}" type="slidenum">
-              <a:rPr lang="en-US" smtClean="0">
-                <a:solidFill>
-                  <a:prstClr val="black">
-                    <a:tint val="75000"/>
-                  </a:prstClr>
-                </a:solidFill>
-              </a:rPr>
-              <a:pPr/>
-              <a:t>‹#›</a:t>
-            </a:fld>
-            <a:endParaRPr lang="en-US">
-              <a:solidFill>
-                <a:prstClr val="black">
-                  <a:tint val="75000"/>
-                </a:prstClr>
-              </a:solidFill>
-            </a:endParaRPr>
-          </a:p>
-        </p:txBody>
-      </p:sp>
     </p:spTree>
     <p:extLst>
       <p:ext uri="{BB962C8B-B14F-4D97-AF65-F5344CB8AC3E}">
@@ -4171,7 +3889,7 @@
 </p:sldLayout>
 </file>
 
-<file path=ppt/slideLayouts/slideLayout24.xml><?xml version="1.0" encoding="utf-8"?>
+<file path=ppt/slideLayouts/slideLayout22.xml><?xml version="1.0" encoding="utf-8"?>
 <p:sldLayout xmlns:a="http://schemas.openxmlformats.org/drawingml/2006/main" xmlns:r="http://schemas.openxmlformats.org/officeDocument/2006/relationships" xmlns:p="http://schemas.openxmlformats.org/presentationml/2006/main" type="twoObj">
   <p:cSld name="Zwei Inhalte">
     <p:spTree>
@@ -4387,7 +4105,7 @@
       </p:sp>
       <p:sp>
         <p:nvSpPr>
-          <p:cNvPr id="5" name="Datumsplatzhalter 4"/>
+          <p:cNvPr id="8" name="Date Placeholder 7"/>
           <p:cNvSpPr>
             <a:spLocks noGrp="1"/>
           </p:cNvSpPr>
@@ -4395,43 +4113,22 @@
             <p:ph type="dt" sz="half" idx="10"/>
           </p:nvPr>
         </p:nvSpPr>
-        <p:spPr>
-          <a:xfrm>
-            <a:off x="4238247" y="6434242"/>
-            <a:ext cx="1008112" cy="365125"/>
-          </a:xfrm>
-          <a:prstGeom prst="rect">
-            <a:avLst/>
-          </a:prstGeom>
-        </p:spPr>
+        <p:spPr/>
         <p:txBody>
           <a:bodyPr/>
           <a:lstStyle/>
           <a:p>
-            <a:fld id="{C699CB88-5E1A-4FAC-892A-60949ACB1F6F}" type="datetimeFigureOut">
-              <a:rPr lang="en-US" smtClean="0">
-                <a:solidFill>
-                  <a:prstClr val="black">
-                    <a:tint val="75000"/>
-                  </a:prstClr>
-                </a:solidFill>
-              </a:rPr>
-              <a:pPr/>
-              <a:t>17/04/14</a:t>
+            <a:fld id="{065BA7A6-7E28-1242-9131-5E53189548DB}" type="datetime1">
+              <a:rPr lang="en-US" smtClean="0"/>
+              <a:t>22/04/14</a:t>
             </a:fld>
-            <a:endParaRPr lang="en-US">
-              <a:solidFill>
-                <a:prstClr val="black">
-                  <a:tint val="75000"/>
-                </a:prstClr>
-              </a:solidFill>
-            </a:endParaRPr>
-          </a:p>
-        </p:txBody>
-      </p:sp>
-      <p:sp>
-        <p:nvSpPr>
-          <p:cNvPr id="6" name="Fußzeilenplatzhalter 5"/>
+            <a:endParaRPr lang="en-US"/>
+          </a:p>
+        </p:txBody>
+      </p:sp>
+      <p:sp>
+        <p:nvSpPr>
+          <p:cNvPr id="9" name="Footer Placeholder 8"/>
           <p:cNvSpPr>
             <a:spLocks noGrp="1"/>
           </p:cNvSpPr>
@@ -4439,32 +4136,22 @@
             <p:ph type="ftr" sz="quarter" idx="11"/>
           </p:nvPr>
         </p:nvSpPr>
-        <p:spPr>
-          <a:xfrm>
-            <a:off x="5318367" y="6434242"/>
-            <a:ext cx="2895600" cy="365125"/>
-          </a:xfrm>
-          <a:prstGeom prst="rect">
-            <a:avLst/>
-          </a:prstGeom>
-        </p:spPr>
+        <p:spPr/>
         <p:txBody>
           <a:bodyPr/>
           <a:lstStyle/>
           <a:p>
-            <a:endParaRPr lang="de-DE">
-              <a:solidFill>
-                <a:prstClr val="black">
-                  <a:tint val="75000"/>
-                </a:prstClr>
-              </a:solidFill>
-            </a:endParaRPr>
-          </a:p>
-        </p:txBody>
-      </p:sp>
-      <p:sp>
-        <p:nvSpPr>
-          <p:cNvPr id="7" name="Foliennummernplatzhalter 6"/>
+            <a:r>
+              <a:rPr lang="en-US" smtClean="0"/>
+              <a:t>Lean | Agile Dev. Proc. | Eric Knauss</a:t>
+            </a:r>
+            <a:endParaRPr lang="en-US"/>
+          </a:p>
+        </p:txBody>
+      </p:sp>
+      <p:sp>
+        <p:nvSpPr>
+          <p:cNvPr id="10" name="Slide Number Placeholder 9"/>
           <p:cNvSpPr>
             <a:spLocks noGrp="1"/>
           </p:cNvSpPr>
@@ -4472,37 +4159,16 @@
             <p:ph type="sldNum" sz="quarter" idx="12"/>
           </p:nvPr>
         </p:nvSpPr>
-        <p:spPr>
-          <a:xfrm>
-            <a:off x="8291903" y="6433808"/>
-            <a:ext cx="842170" cy="365125"/>
-          </a:xfrm>
-          <a:prstGeom prst="rect">
-            <a:avLst/>
-          </a:prstGeom>
-        </p:spPr>
+        <p:spPr/>
         <p:txBody>
           <a:bodyPr/>
           <a:lstStyle/>
           <a:p>
-            <a:fld id="{91974DF9-AD47-4691-BA21-BBFCE3637A9A}" type="slidenum">
-              <a:rPr lang="en-US" smtClean="0">
-                <a:solidFill>
-                  <a:prstClr val="black">
-                    <a:tint val="75000"/>
-                  </a:prstClr>
-                </a:solidFill>
-              </a:rPr>
-              <a:pPr/>
+            <a:fld id="{DDF30808-B377-9F44-9431-130233AE3DB7}" type="slidenum">
+              <a:rPr lang="en-US" smtClean="0"/>
               <a:t>‹#›</a:t>
             </a:fld>
-            <a:endParaRPr lang="en-US">
-              <a:solidFill>
-                <a:prstClr val="black">
-                  <a:tint val="75000"/>
-                </a:prstClr>
-              </a:solidFill>
-            </a:endParaRPr>
+            <a:endParaRPr lang="en-US"/>
           </a:p>
         </p:txBody>
       </p:sp>
@@ -4526,7 +4192,275 @@
 </p:sldLayout>
 </file>
 
-<file path=ppt/slideLayouts/slideLayout3.xml><?xml version="1.0" encoding="utf-8"?>
+<file path=ppt/slideLayouts/slideLayout23.xml><?xml version="1.0" encoding="utf-8"?>
+<p:sldLayout xmlns:a="http://schemas.openxmlformats.org/drawingml/2006/main" xmlns:r="http://schemas.openxmlformats.org/officeDocument/2006/relationships" xmlns:p="http://schemas.openxmlformats.org/presentationml/2006/main" type="picTx" preserve="1">
+  <p:cSld name="Bild mit Überschrift">
+    <p:spTree>
+      <p:nvGrpSpPr>
+        <p:cNvPr id="1" name=""/>
+        <p:cNvGrpSpPr/>
+        <p:nvPr/>
+      </p:nvGrpSpPr>
+      <p:grpSpPr>
+        <a:xfrm>
+          <a:off x="0" y="0"/>
+          <a:ext cx="0" cy="0"/>
+          <a:chOff x="0" y="0"/>
+          <a:chExt cx="0" cy="0"/>
+        </a:xfrm>
+      </p:grpSpPr>
+      <p:sp>
+        <p:nvSpPr>
+          <p:cNvPr id="2" name="Titel 1"/>
+          <p:cNvSpPr>
+            <a:spLocks noGrp="1"/>
+          </p:cNvSpPr>
+          <p:nvPr>
+            <p:ph type="title"/>
+          </p:nvPr>
+        </p:nvSpPr>
+        <p:spPr>
+          <a:xfrm>
+            <a:off x="1792288" y="4800600"/>
+            <a:ext cx="5486400" cy="566738"/>
+          </a:xfrm>
+        </p:spPr>
+        <p:txBody>
+          <a:bodyPr anchor="b"/>
+          <a:lstStyle>
+            <a:lvl1pPr algn="l">
+              <a:defRPr sz="2000" b="1"/>
+            </a:lvl1pPr>
+          </a:lstStyle>
+          <a:p>
+            <a:r>
+              <a:rPr lang="en-US" smtClean="0"/>
+              <a:t>Click to edit Master title style</a:t>
+            </a:r>
+            <a:endParaRPr lang="de-DE"/>
+          </a:p>
+        </p:txBody>
+      </p:sp>
+      <p:sp>
+        <p:nvSpPr>
+          <p:cNvPr id="3" name="Bildplatzhalter 2"/>
+          <p:cNvSpPr>
+            <a:spLocks noGrp="1"/>
+          </p:cNvSpPr>
+          <p:nvPr>
+            <p:ph type="pic" idx="1"/>
+          </p:nvPr>
+        </p:nvSpPr>
+        <p:spPr>
+          <a:xfrm>
+            <a:off x="1792288" y="612775"/>
+            <a:ext cx="5486400" cy="4114800"/>
+          </a:xfrm>
+        </p:spPr>
+        <p:txBody>
+          <a:bodyPr/>
+          <a:lstStyle>
+            <a:lvl1pPr marL="0" indent="0">
+              <a:buNone/>
+              <a:defRPr sz="3200"/>
+            </a:lvl1pPr>
+            <a:lvl2pPr marL="457200" indent="0">
+              <a:buNone/>
+              <a:defRPr sz="2800"/>
+            </a:lvl2pPr>
+            <a:lvl3pPr marL="914400" indent="0">
+              <a:buNone/>
+              <a:defRPr sz="2400"/>
+            </a:lvl3pPr>
+            <a:lvl4pPr marL="1371600" indent="0">
+              <a:buNone/>
+              <a:defRPr sz="2000"/>
+            </a:lvl4pPr>
+            <a:lvl5pPr marL="1828800" indent="0">
+              <a:buNone/>
+              <a:defRPr sz="2000"/>
+            </a:lvl5pPr>
+            <a:lvl6pPr marL="2286000" indent="0">
+              <a:buNone/>
+              <a:defRPr sz="2000"/>
+            </a:lvl6pPr>
+            <a:lvl7pPr marL="2743200" indent="0">
+              <a:buNone/>
+              <a:defRPr sz="2000"/>
+            </a:lvl7pPr>
+            <a:lvl8pPr marL="3200400" indent="0">
+              <a:buNone/>
+              <a:defRPr sz="2000"/>
+            </a:lvl8pPr>
+            <a:lvl9pPr marL="3657600" indent="0">
+              <a:buNone/>
+              <a:defRPr sz="2000"/>
+            </a:lvl9pPr>
+          </a:lstStyle>
+          <a:p>
+            <a:r>
+              <a:rPr lang="en-US" smtClean="0"/>
+              <a:t>Drag picture to placeholder or click icon to add</a:t>
+            </a:r>
+            <a:endParaRPr lang="de-DE"/>
+          </a:p>
+        </p:txBody>
+      </p:sp>
+      <p:sp>
+        <p:nvSpPr>
+          <p:cNvPr id="4" name="Textplatzhalter 3"/>
+          <p:cNvSpPr>
+            <a:spLocks noGrp="1"/>
+          </p:cNvSpPr>
+          <p:nvPr>
+            <p:ph type="body" sz="half" idx="2"/>
+          </p:nvPr>
+        </p:nvSpPr>
+        <p:spPr>
+          <a:xfrm>
+            <a:off x="1792288" y="5367338"/>
+            <a:ext cx="5486400" cy="804862"/>
+          </a:xfrm>
+        </p:spPr>
+        <p:txBody>
+          <a:bodyPr/>
+          <a:lstStyle>
+            <a:lvl1pPr marL="0" indent="0">
+              <a:buNone/>
+              <a:defRPr sz="1400"/>
+            </a:lvl1pPr>
+            <a:lvl2pPr marL="457200" indent="0">
+              <a:buNone/>
+              <a:defRPr sz="1200"/>
+            </a:lvl2pPr>
+            <a:lvl3pPr marL="914400" indent="0">
+              <a:buNone/>
+              <a:defRPr sz="1000"/>
+            </a:lvl3pPr>
+            <a:lvl4pPr marL="1371600" indent="0">
+              <a:buNone/>
+              <a:defRPr sz="900"/>
+            </a:lvl4pPr>
+            <a:lvl5pPr marL="1828800" indent="0">
+              <a:buNone/>
+              <a:defRPr sz="900"/>
+            </a:lvl5pPr>
+            <a:lvl6pPr marL="2286000" indent="0">
+              <a:buNone/>
+              <a:defRPr sz="900"/>
+            </a:lvl6pPr>
+            <a:lvl7pPr marL="2743200" indent="0">
+              <a:buNone/>
+              <a:defRPr sz="900"/>
+            </a:lvl7pPr>
+            <a:lvl8pPr marL="3200400" indent="0">
+              <a:buNone/>
+              <a:defRPr sz="900"/>
+            </a:lvl8pPr>
+            <a:lvl9pPr marL="3657600" indent="0">
+              <a:buNone/>
+              <a:defRPr sz="900"/>
+            </a:lvl9pPr>
+          </a:lstStyle>
+          <a:p>
+            <a:pPr lvl="0"/>
+            <a:r>
+              <a:rPr lang="en-US" smtClean="0"/>
+              <a:t>Click to edit Master text styles</a:t>
+            </a:r>
+          </a:p>
+        </p:txBody>
+      </p:sp>
+      <p:sp>
+        <p:nvSpPr>
+          <p:cNvPr id="8" name="Date Placeholder 7"/>
+          <p:cNvSpPr>
+            <a:spLocks noGrp="1"/>
+          </p:cNvSpPr>
+          <p:nvPr>
+            <p:ph type="dt" sz="half" idx="10"/>
+          </p:nvPr>
+        </p:nvSpPr>
+        <p:spPr/>
+        <p:txBody>
+          <a:bodyPr/>
+          <a:lstStyle/>
+          <a:p>
+            <a:fld id="{8EA0FE0A-8587-EE42-AAB9-A02495438262}" type="datetime1">
+              <a:rPr lang="en-US" smtClean="0"/>
+              <a:t>22/04/14</a:t>
+            </a:fld>
+            <a:endParaRPr lang="en-US"/>
+          </a:p>
+        </p:txBody>
+      </p:sp>
+      <p:sp>
+        <p:nvSpPr>
+          <p:cNvPr id="9" name="Footer Placeholder 8"/>
+          <p:cNvSpPr>
+            <a:spLocks noGrp="1"/>
+          </p:cNvSpPr>
+          <p:nvPr>
+            <p:ph type="ftr" sz="quarter" idx="11"/>
+          </p:nvPr>
+        </p:nvSpPr>
+        <p:spPr/>
+        <p:txBody>
+          <a:bodyPr/>
+          <a:lstStyle/>
+          <a:p>
+            <a:r>
+              <a:rPr lang="en-US" smtClean="0"/>
+              <a:t>Lean | Agile Dev. Proc. | Eric Knauss</a:t>
+            </a:r>
+            <a:endParaRPr lang="en-US"/>
+          </a:p>
+        </p:txBody>
+      </p:sp>
+      <p:sp>
+        <p:nvSpPr>
+          <p:cNvPr id="10" name="Slide Number Placeholder 9"/>
+          <p:cNvSpPr>
+            <a:spLocks noGrp="1"/>
+          </p:cNvSpPr>
+          <p:nvPr>
+            <p:ph type="sldNum" sz="quarter" idx="12"/>
+          </p:nvPr>
+        </p:nvSpPr>
+        <p:spPr/>
+        <p:txBody>
+          <a:bodyPr/>
+          <a:lstStyle/>
+          <a:p>
+            <a:fld id="{DDF30808-B377-9F44-9431-130233AE3DB7}" type="slidenum">
+              <a:rPr lang="en-US" smtClean="0"/>
+              <a:t>‹#›</a:t>
+            </a:fld>
+            <a:endParaRPr lang="en-US"/>
+          </a:p>
+        </p:txBody>
+      </p:sp>
+    </p:spTree>
+    <p:extLst>
+      <p:ext uri="{BB962C8B-B14F-4D97-AF65-F5344CB8AC3E}">
+        <p14:creationId xmlns:p14="http://schemas.microsoft.com/office/powerpoint/2010/main" val="2206993261"/>
+      </p:ext>
+    </p:extLst>
+  </p:cSld>
+  <p:clrMapOvr>
+    <a:masterClrMapping/>
+  </p:clrMapOvr>
+  <p:timing>
+    <p:tnLst>
+      <p:par>
+        <p:cTn xmlns:p14="http://schemas.microsoft.com/office/powerpoint/2010/main" id="1" dur="indefinite" restart="never" nodeType="tmRoot"/>
+      </p:par>
+    </p:tnLst>
+  </p:timing>
+</p:sldLayout>
+</file>
+
+<file path=ppt/slideLayouts/slideLayout24.xml><?xml version="1.0" encoding="utf-8"?>
 <p:sldLayout xmlns:a="http://schemas.openxmlformats.org/drawingml/2006/main" xmlns:r="http://schemas.openxmlformats.org/officeDocument/2006/relationships" xmlns:p="http://schemas.openxmlformats.org/presentationml/2006/main" type="secHead" preserve="1">
   <p:cSld name="Section Header">
     <p:spTree>
@@ -4696,7 +4630,7 @@
       </p:sp>
       <p:sp>
         <p:nvSpPr>
-          <p:cNvPr id="4" name="Date Placeholder 3"/>
+          <p:cNvPr id="7" name="Date Placeholder 6"/>
           <p:cNvSpPr>
             <a:spLocks noGrp="1"/>
           </p:cNvSpPr>
@@ -4709,9 +4643,9 @@
           <a:bodyPr/>
           <a:lstStyle/>
           <a:p>
-            <a:fld id="{DE9D31E7-7064-EF4F-93F0-966D653C7150}" type="datetimeFigureOut">
+            <a:fld id="{F6D8B0D6-2C7B-2F4E-A1BB-B69072B005C3}" type="datetime1">
               <a:rPr lang="en-US" smtClean="0"/>
-              <a:t>17/04/14</a:t>
+              <a:t>22/04/14</a:t>
             </a:fld>
             <a:endParaRPr lang="en-US"/>
           </a:p>
@@ -4719,7 +4653,7 @@
       </p:sp>
       <p:sp>
         <p:nvSpPr>
-          <p:cNvPr id="5" name="Footer Placeholder 4"/>
+          <p:cNvPr id="8" name="Footer Placeholder 7"/>
           <p:cNvSpPr>
             <a:spLocks noGrp="1"/>
           </p:cNvSpPr>
@@ -4732,13 +4666,17 @@
           <a:bodyPr/>
           <a:lstStyle/>
           <a:p>
+            <a:r>
+              <a:rPr lang="en-US" smtClean="0"/>
+              <a:t>Lean | Agile Dev. Proc. | Eric Knauss</a:t>
+            </a:r>
             <a:endParaRPr lang="en-US"/>
           </a:p>
         </p:txBody>
       </p:sp>
       <p:sp>
         <p:nvSpPr>
-          <p:cNvPr id="6" name="Slide Number Placeholder 5"/>
+          <p:cNvPr id="9" name="Slide Number Placeholder 8"/>
           <p:cNvSpPr>
             <a:spLocks noGrp="1"/>
           </p:cNvSpPr>
@@ -4751,7 +4689,7 @@
           <a:bodyPr/>
           <a:lstStyle/>
           <a:p>
-            <a:fld id="{7ED7E6F0-40BF-4E49-8032-45DA9A9F0718}" type="slidenum">
+            <a:fld id="{DDF30808-B377-9F44-9431-130233AE3DB7}" type="slidenum">
               <a:rPr lang="en-US" smtClean="0"/>
               <a:t>‹#›</a:t>
             </a:fld>
@@ -4769,10 +4707,257 @@
   <p:clrMapOvr>
     <a:masterClrMapping/>
   </p:clrMapOvr>
+  <p:transition xmlns:p14="http://schemas.microsoft.com/office/powerpoint/2010/main">
+    <p:fade/>
+  </p:transition>
 </p:sldLayout>
 </file>
 
-<file path=ppt/slideLayouts/slideLayout4.xml><?xml version="1.0" encoding="utf-8"?>
+<file path=ppt/slideLayouts/slideLayout25.xml><?xml version="1.0" encoding="utf-8"?>
+<p:sldLayout xmlns:a="http://schemas.openxmlformats.org/drawingml/2006/main" xmlns:r="http://schemas.openxmlformats.org/officeDocument/2006/relationships" xmlns:p="http://schemas.openxmlformats.org/presentationml/2006/main" preserve="1" userDrawn="1">
+  <p:cSld name="Section Heading">
+    <p:spTree>
+      <p:nvGrpSpPr>
+        <p:cNvPr id="1" name=""/>
+        <p:cNvGrpSpPr/>
+        <p:nvPr/>
+      </p:nvGrpSpPr>
+      <p:grpSpPr>
+        <a:xfrm>
+          <a:off x="0" y="0"/>
+          <a:ext cx="0" cy="0"/>
+          <a:chOff x="0" y="0"/>
+          <a:chExt cx="0" cy="0"/>
+        </a:xfrm>
+      </p:grpSpPr>
+      <p:sp>
+        <p:nvSpPr>
+          <p:cNvPr id="2" name="Title 1"/>
+          <p:cNvSpPr>
+            <a:spLocks noGrp="1"/>
+          </p:cNvSpPr>
+          <p:nvPr>
+            <p:ph type="title"/>
+          </p:nvPr>
+        </p:nvSpPr>
+        <p:spPr>
+          <a:xfrm>
+            <a:off x="611188" y="5266392"/>
+            <a:ext cx="8532812" cy="762000"/>
+          </a:xfrm>
+        </p:spPr>
+        <p:txBody>
+          <a:bodyPr/>
+          <a:lstStyle/>
+          <a:p>
+            <a:r>
+              <a:rPr lang="en-US" smtClean="0"/>
+              <a:t>Click to edit Master title style</a:t>
+            </a:r>
+            <a:endParaRPr lang="en-US"/>
+          </a:p>
+        </p:txBody>
+      </p:sp>
+      <p:sp>
+        <p:nvSpPr>
+          <p:cNvPr id="3" name="Footer Placeholder 2"/>
+          <p:cNvSpPr>
+            <a:spLocks noGrp="1"/>
+          </p:cNvSpPr>
+          <p:nvPr>
+            <p:ph type="ftr" sz="quarter" idx="10"/>
+          </p:nvPr>
+        </p:nvSpPr>
+        <p:spPr/>
+        <p:txBody>
+          <a:bodyPr/>
+          <a:lstStyle/>
+          <a:p>
+            <a:r>
+              <a:rPr lang="en-US" smtClean="0"/>
+              <a:t>Lean | Agile Dev. Proc. | Eric Knauss</a:t>
+            </a:r>
+            <a:endParaRPr lang="en-US"/>
+          </a:p>
+        </p:txBody>
+      </p:sp>
+      <p:sp>
+        <p:nvSpPr>
+          <p:cNvPr id="4" name="Slide Number Placeholder 3"/>
+          <p:cNvSpPr>
+            <a:spLocks noGrp="1"/>
+          </p:cNvSpPr>
+          <p:nvPr>
+            <p:ph type="sldNum" sz="quarter" idx="11"/>
+          </p:nvPr>
+        </p:nvSpPr>
+        <p:spPr/>
+        <p:txBody>
+          <a:bodyPr/>
+          <a:lstStyle/>
+          <a:p>
+            <a:fld id="{7801ED56-5958-A04C-B14C-74A2118C132C}" type="slidenum">
+              <a:rPr lang="en-US" smtClean="0"/>
+              <a:t>‹#›</a:t>
+            </a:fld>
+            <a:endParaRPr lang="en-US"/>
+          </a:p>
+        </p:txBody>
+      </p:sp>
+      <p:sp>
+        <p:nvSpPr>
+          <p:cNvPr id="6" name="Text Placeholder 5"/>
+          <p:cNvSpPr>
+            <a:spLocks noGrp="1"/>
+          </p:cNvSpPr>
+          <p:nvPr>
+            <p:ph type="body" sz="quarter" idx="12"/>
+          </p:nvPr>
+        </p:nvSpPr>
+        <p:spPr>
+          <a:xfrm>
+            <a:off x="611188" y="4802634"/>
+            <a:ext cx="4810494" cy="463757"/>
+          </a:xfrm>
+        </p:spPr>
+        <p:txBody>
+          <a:bodyPr/>
+          <a:lstStyle>
+            <a:lvl1pPr marL="0" indent="0">
+              <a:buNone/>
+              <a:defRPr>
+                <a:solidFill>
+                  <a:schemeClr val="tx1">
+                    <a:lumMod val="50000"/>
+                    <a:lumOff val="50000"/>
+                  </a:schemeClr>
+                </a:solidFill>
+              </a:defRPr>
+            </a:lvl1pPr>
+            <a:lvl2pPr marL="457200" indent="0">
+              <a:buNone/>
+              <a:defRPr>
+                <a:solidFill>
+                  <a:schemeClr val="tx1">
+                    <a:lumMod val="50000"/>
+                    <a:lumOff val="50000"/>
+                  </a:schemeClr>
+                </a:solidFill>
+              </a:defRPr>
+            </a:lvl2pPr>
+            <a:lvl3pPr marL="914400" indent="0">
+              <a:buNone/>
+              <a:defRPr>
+                <a:solidFill>
+                  <a:schemeClr val="tx1">
+                    <a:lumMod val="50000"/>
+                    <a:lumOff val="50000"/>
+                  </a:schemeClr>
+                </a:solidFill>
+              </a:defRPr>
+            </a:lvl3pPr>
+            <a:lvl4pPr marL="1371600" indent="0">
+              <a:buNone/>
+              <a:defRPr>
+                <a:solidFill>
+                  <a:schemeClr val="tx1">
+                    <a:lumMod val="50000"/>
+                    <a:lumOff val="50000"/>
+                  </a:schemeClr>
+                </a:solidFill>
+              </a:defRPr>
+            </a:lvl4pPr>
+            <a:lvl5pPr marL="1828800" indent="0">
+              <a:buNone/>
+              <a:defRPr>
+                <a:solidFill>
+                  <a:schemeClr val="tx1">
+                    <a:lumMod val="50000"/>
+                    <a:lumOff val="50000"/>
+                  </a:schemeClr>
+                </a:solidFill>
+              </a:defRPr>
+            </a:lvl5pPr>
+          </a:lstStyle>
+          <a:p>
+            <a:pPr lvl="0"/>
+            <a:r>
+              <a:rPr lang="en-US" smtClean="0"/>
+              <a:t>Click to edit Master text styles</a:t>
+            </a:r>
+          </a:p>
+          <a:p>
+            <a:pPr lvl="1"/>
+            <a:r>
+              <a:rPr lang="en-US" smtClean="0"/>
+              <a:t>Second level</a:t>
+            </a:r>
+          </a:p>
+          <a:p>
+            <a:pPr lvl="2"/>
+            <a:r>
+              <a:rPr lang="en-US" smtClean="0"/>
+              <a:t>Third level</a:t>
+            </a:r>
+          </a:p>
+          <a:p>
+            <a:pPr lvl="3"/>
+            <a:r>
+              <a:rPr lang="en-US" smtClean="0"/>
+              <a:t>Fourth level</a:t>
+            </a:r>
+          </a:p>
+          <a:p>
+            <a:pPr lvl="4"/>
+            <a:r>
+              <a:rPr lang="en-US" smtClean="0"/>
+              <a:t>Fifth level</a:t>
+            </a:r>
+            <a:endParaRPr lang="en-US"/>
+          </a:p>
+        </p:txBody>
+      </p:sp>
+      <p:sp>
+        <p:nvSpPr>
+          <p:cNvPr id="8" name="Picture Placeholder 7"/>
+          <p:cNvSpPr>
+            <a:spLocks noGrp="1"/>
+          </p:cNvSpPr>
+          <p:nvPr>
+            <p:ph type="pic" sz="quarter" idx="13"/>
+          </p:nvPr>
+        </p:nvSpPr>
+        <p:spPr>
+          <a:xfrm>
+            <a:off x="1709539" y="944247"/>
+            <a:ext cx="5762824" cy="3516628"/>
+          </a:xfrm>
+        </p:spPr>
+        <p:txBody>
+          <a:bodyPr/>
+          <a:lstStyle/>
+          <a:p>
+            <a:endParaRPr lang="en-US"/>
+          </a:p>
+        </p:txBody>
+      </p:sp>
+    </p:spTree>
+    <p:extLst>
+      <p:ext uri="{BB962C8B-B14F-4D97-AF65-F5344CB8AC3E}">
+        <p14:creationId xmlns:p14="http://schemas.microsoft.com/office/powerpoint/2010/main" val="899203698"/>
+      </p:ext>
+    </p:extLst>
+  </p:cSld>
+  <p:clrMapOvr>
+    <a:masterClrMapping/>
+  </p:clrMapOvr>
+  <p:transition xmlns:p14="http://schemas.microsoft.com/office/powerpoint/2010/main">
+    <p:fade/>
+  </p:transition>
+</p:sldLayout>
+</file>
+
+<file path=ppt/slideLayouts/slideLayout3.xml><?xml version="1.0" encoding="utf-8"?>
 <p:sldLayout xmlns:a="http://schemas.openxmlformats.org/drawingml/2006/main" xmlns:r="http://schemas.openxmlformats.org/officeDocument/2006/relationships" xmlns:p="http://schemas.openxmlformats.org/presentationml/2006/main" type="twoObj" preserve="1">
   <p:cSld name="Two Content">
     <p:spTree>
@@ -4997,9 +5182,9 @@
           <a:bodyPr/>
           <a:lstStyle/>
           <a:p>
-            <a:fld id="{DE9D31E7-7064-EF4F-93F0-966D653C7150}" type="datetimeFigureOut">
+            <a:fld id="{C4AB8162-6F48-D14F-B84D-EC4A60A2048E}" type="datetime1">
               <a:rPr lang="en-US" smtClean="0"/>
-              <a:t>17/04/14</a:t>
+              <a:t>22/04/14</a:t>
             </a:fld>
             <a:endParaRPr lang="en-US"/>
           </a:p>
@@ -5020,6 +5205,10 @@
           <a:bodyPr/>
           <a:lstStyle/>
           <a:p>
+            <a:r>
+              <a:rPr lang="en-US" smtClean="0"/>
+              <a:t>Lean | Agile Dev. Proc. | Eric Knauss</a:t>
+            </a:r>
             <a:endParaRPr lang="en-US"/>
           </a:p>
         </p:txBody>
@@ -5060,7 +5249,7 @@
 </p:sldLayout>
 </file>
 
-<file path=ppt/slideLayouts/slideLayout5.xml><?xml version="1.0" encoding="utf-8"?>
+<file path=ppt/slideLayouts/slideLayout4.xml><?xml version="1.0" encoding="utf-8"?>
 <p:sldLayout xmlns:a="http://schemas.openxmlformats.org/drawingml/2006/main" xmlns:r="http://schemas.openxmlformats.org/officeDocument/2006/relationships" xmlns:p="http://schemas.openxmlformats.org/presentationml/2006/main" type="twoTxTwoObj" preserve="1">
   <p:cSld name="Comparison">
     <p:spTree>
@@ -5419,9 +5608,9 @@
           <a:bodyPr/>
           <a:lstStyle/>
           <a:p>
-            <a:fld id="{DE9D31E7-7064-EF4F-93F0-966D653C7150}" type="datetimeFigureOut">
+            <a:fld id="{D12D5753-0DB8-D641-8074-15E380F2FA8F}" type="datetime1">
               <a:rPr lang="en-US" smtClean="0"/>
-              <a:t>17/04/14</a:t>
+              <a:t>22/04/14</a:t>
             </a:fld>
             <a:endParaRPr lang="en-US"/>
           </a:p>
@@ -5442,6 +5631,10 @@
           <a:bodyPr/>
           <a:lstStyle/>
           <a:p>
+            <a:r>
+              <a:rPr lang="en-US" smtClean="0"/>
+              <a:t>Lean | Agile Dev. Proc. | Eric Knauss</a:t>
+            </a:r>
             <a:endParaRPr lang="en-US"/>
           </a:p>
         </p:txBody>
@@ -5482,7 +5675,7 @@
 </p:sldLayout>
 </file>
 
-<file path=ppt/slideLayouts/slideLayout6.xml><?xml version="1.0" encoding="utf-8"?>
+<file path=ppt/slideLayouts/slideLayout5.xml><?xml version="1.0" encoding="utf-8"?>
 <p:sldLayout xmlns:a="http://schemas.openxmlformats.org/drawingml/2006/main" xmlns:r="http://schemas.openxmlformats.org/officeDocument/2006/relationships" xmlns:p="http://schemas.openxmlformats.org/presentationml/2006/main" type="titleOnly" preserve="1">
   <p:cSld name="Title Only">
     <p:spTree>
@@ -5537,9 +5730,9 @@
           <a:bodyPr/>
           <a:lstStyle/>
           <a:p>
-            <a:fld id="{DE9D31E7-7064-EF4F-93F0-966D653C7150}" type="datetimeFigureOut">
+            <a:fld id="{6C46C48F-D95A-4642-86EE-6AE34D0ED7A7}" type="datetime1">
               <a:rPr lang="en-US" smtClean="0"/>
-              <a:t>17/04/14</a:t>
+              <a:t>22/04/14</a:t>
             </a:fld>
             <a:endParaRPr lang="en-US"/>
           </a:p>
@@ -5560,6 +5753,10 @@
           <a:bodyPr/>
           <a:lstStyle/>
           <a:p>
+            <a:r>
+              <a:rPr lang="en-US" smtClean="0"/>
+              <a:t>Lean | Agile Dev. Proc. | Eric Knauss</a:t>
+            </a:r>
             <a:endParaRPr lang="en-US"/>
           </a:p>
         </p:txBody>
@@ -5600,7 +5797,7 @@
 </p:sldLayout>
 </file>
 
-<file path=ppt/slideLayouts/slideLayout7.xml><?xml version="1.0" encoding="utf-8"?>
+<file path=ppt/slideLayouts/slideLayout6.xml><?xml version="1.0" encoding="utf-8"?>
 <p:sldLayout xmlns:a="http://schemas.openxmlformats.org/drawingml/2006/main" xmlns:r="http://schemas.openxmlformats.org/officeDocument/2006/relationships" xmlns:p="http://schemas.openxmlformats.org/presentationml/2006/main" type="blank" preserve="1">
   <p:cSld name="Blank">
     <p:spTree>
@@ -5632,9 +5829,9 @@
           <a:bodyPr/>
           <a:lstStyle/>
           <a:p>
-            <a:fld id="{DE9D31E7-7064-EF4F-93F0-966D653C7150}" type="datetimeFigureOut">
+            <a:fld id="{733A7F65-FD0F-7346-AFB1-9690195366AD}" type="datetime1">
               <a:rPr lang="en-US" smtClean="0"/>
-              <a:t>17/04/14</a:t>
+              <a:t>22/04/14</a:t>
             </a:fld>
             <a:endParaRPr lang="en-US"/>
           </a:p>
@@ -5655,6 +5852,10 @@
           <a:bodyPr/>
           <a:lstStyle/>
           <a:p>
+            <a:r>
+              <a:rPr lang="en-US" smtClean="0"/>
+              <a:t>Lean | Agile Dev. Proc. | Eric Knauss</a:t>
+            </a:r>
             <a:endParaRPr lang="en-US"/>
           </a:p>
         </p:txBody>
@@ -5695,7 +5896,7 @@
 </p:sldLayout>
 </file>
 
-<file path=ppt/slideLayouts/slideLayout8.xml><?xml version="1.0" encoding="utf-8"?>
+<file path=ppt/slideLayouts/slideLayout7.xml><?xml version="1.0" encoding="utf-8"?>
 <p:sldLayout xmlns:a="http://schemas.openxmlformats.org/drawingml/2006/main" xmlns:r="http://schemas.openxmlformats.org/officeDocument/2006/relationships" xmlns:p="http://schemas.openxmlformats.org/presentationml/2006/main" type="objTx" preserve="1">
   <p:cSld name="Content with Caption">
     <p:spTree>
@@ -5909,9 +6110,9 @@
           <a:bodyPr/>
           <a:lstStyle/>
           <a:p>
-            <a:fld id="{DE9D31E7-7064-EF4F-93F0-966D653C7150}" type="datetimeFigureOut">
+            <a:fld id="{6074B366-A864-CA47-8729-2930B7CAE3EF}" type="datetime1">
               <a:rPr lang="en-US" smtClean="0"/>
-              <a:t>17/04/14</a:t>
+              <a:t>22/04/14</a:t>
             </a:fld>
             <a:endParaRPr lang="en-US"/>
           </a:p>
@@ -5932,6 +6133,10 @@
           <a:bodyPr/>
           <a:lstStyle/>
           <a:p>
+            <a:r>
+              <a:rPr lang="en-US" smtClean="0"/>
+              <a:t>Lean | Agile Dev. Proc. | Eric Knauss</a:t>
+            </a:r>
             <a:endParaRPr lang="en-US"/>
           </a:p>
         </p:txBody>
@@ -5972,7 +6177,7 @@
 </p:sldLayout>
 </file>
 
-<file path=ppt/slideLayouts/slideLayout9.xml><?xml version="1.0" encoding="utf-8"?>
+<file path=ppt/slideLayouts/slideLayout8.xml><?xml version="1.0" encoding="utf-8"?>
 <p:sldLayout xmlns:a="http://schemas.openxmlformats.org/drawingml/2006/main" xmlns:r="http://schemas.openxmlformats.org/officeDocument/2006/relationships" xmlns:p="http://schemas.openxmlformats.org/presentationml/2006/main" type="picTx" preserve="1">
   <p:cSld name="Picture with Caption">
     <p:spTree>
@@ -6166,9 +6371,9 @@
           <a:bodyPr/>
           <a:lstStyle/>
           <a:p>
-            <a:fld id="{DE9D31E7-7064-EF4F-93F0-966D653C7150}" type="datetimeFigureOut">
+            <a:fld id="{131D4200-EA04-7D43-A15A-B81792BF6F54}" type="datetime1">
               <a:rPr lang="en-US" smtClean="0"/>
-              <a:t>17/04/14</a:t>
+              <a:t>22/04/14</a:t>
             </a:fld>
             <a:endParaRPr lang="en-US"/>
           </a:p>
@@ -6189,6 +6394,10 @@
           <a:bodyPr/>
           <a:lstStyle/>
           <a:p>
+            <a:r>
+              <a:rPr lang="en-US" smtClean="0"/>
+              <a:t>Lean | Agile Dev. Proc. | Eric Knauss</a:t>
+            </a:r>
             <a:endParaRPr lang="en-US"/>
           </a:p>
         </p:txBody>
@@ -6220,6 +6429,180 @@
     <p:extLst>
       <p:ext uri="{BB962C8B-B14F-4D97-AF65-F5344CB8AC3E}">
         <p14:creationId xmlns:p14="http://schemas.microsoft.com/office/powerpoint/2010/main" val="1036619543"/>
+      </p:ext>
+    </p:extLst>
+  </p:cSld>
+  <p:clrMapOvr>
+    <a:masterClrMapping/>
+  </p:clrMapOvr>
+</p:sldLayout>
+</file>
+
+<file path=ppt/slideLayouts/slideLayout9.xml><?xml version="1.0" encoding="utf-8"?>
+<p:sldLayout xmlns:a="http://schemas.openxmlformats.org/drawingml/2006/main" xmlns:r="http://schemas.openxmlformats.org/officeDocument/2006/relationships" xmlns:p="http://schemas.openxmlformats.org/presentationml/2006/main" type="vertTx" preserve="1">
+  <p:cSld name="Title and Vertical Text">
+    <p:spTree>
+      <p:nvGrpSpPr>
+        <p:cNvPr id="1" name=""/>
+        <p:cNvGrpSpPr/>
+        <p:nvPr/>
+      </p:nvGrpSpPr>
+      <p:grpSpPr>
+        <a:xfrm>
+          <a:off x="0" y="0"/>
+          <a:ext cx="0" cy="0"/>
+          <a:chOff x="0" y="0"/>
+          <a:chExt cx="0" cy="0"/>
+        </a:xfrm>
+      </p:grpSpPr>
+      <p:sp>
+        <p:nvSpPr>
+          <p:cNvPr id="2" name="Title 1"/>
+          <p:cNvSpPr>
+            <a:spLocks noGrp="1"/>
+          </p:cNvSpPr>
+          <p:nvPr>
+            <p:ph type="title"/>
+          </p:nvPr>
+        </p:nvSpPr>
+        <p:spPr/>
+        <p:txBody>
+          <a:bodyPr/>
+          <a:lstStyle/>
+          <a:p>
+            <a:r>
+              <a:rPr lang="en-US" smtClean="0"/>
+              <a:t>Click to edit Master title style</a:t>
+            </a:r>
+            <a:endParaRPr lang="en-US"/>
+          </a:p>
+        </p:txBody>
+      </p:sp>
+      <p:sp>
+        <p:nvSpPr>
+          <p:cNvPr id="3" name="Vertical Text Placeholder 2"/>
+          <p:cNvSpPr>
+            <a:spLocks noGrp="1"/>
+          </p:cNvSpPr>
+          <p:nvPr>
+            <p:ph type="body" orient="vert" idx="1"/>
+          </p:nvPr>
+        </p:nvSpPr>
+        <p:spPr/>
+        <p:txBody>
+          <a:bodyPr vert="eaVert"/>
+          <a:lstStyle/>
+          <a:p>
+            <a:pPr lvl="0"/>
+            <a:r>
+              <a:rPr lang="en-US" smtClean="0"/>
+              <a:t>Click to edit Master text styles</a:t>
+            </a:r>
+          </a:p>
+          <a:p>
+            <a:pPr lvl="1"/>
+            <a:r>
+              <a:rPr lang="en-US" smtClean="0"/>
+              <a:t>Second level</a:t>
+            </a:r>
+          </a:p>
+          <a:p>
+            <a:pPr lvl="2"/>
+            <a:r>
+              <a:rPr lang="en-US" smtClean="0"/>
+              <a:t>Third level</a:t>
+            </a:r>
+          </a:p>
+          <a:p>
+            <a:pPr lvl="3"/>
+            <a:r>
+              <a:rPr lang="en-US" smtClean="0"/>
+              <a:t>Fourth level</a:t>
+            </a:r>
+          </a:p>
+          <a:p>
+            <a:pPr lvl="4"/>
+            <a:r>
+              <a:rPr lang="en-US" smtClean="0"/>
+              <a:t>Fifth level</a:t>
+            </a:r>
+            <a:endParaRPr lang="en-US"/>
+          </a:p>
+        </p:txBody>
+      </p:sp>
+      <p:sp>
+        <p:nvSpPr>
+          <p:cNvPr id="4" name="Date Placeholder 3"/>
+          <p:cNvSpPr>
+            <a:spLocks noGrp="1"/>
+          </p:cNvSpPr>
+          <p:nvPr>
+            <p:ph type="dt" sz="half" idx="10"/>
+          </p:nvPr>
+        </p:nvSpPr>
+        <p:spPr/>
+        <p:txBody>
+          <a:bodyPr/>
+          <a:lstStyle/>
+          <a:p>
+            <a:fld id="{DCCB0500-2747-7B4D-93FA-28EFA815AD56}" type="datetime1">
+              <a:rPr lang="en-US" smtClean="0"/>
+              <a:t>22/04/14</a:t>
+            </a:fld>
+            <a:endParaRPr lang="en-US"/>
+          </a:p>
+        </p:txBody>
+      </p:sp>
+      <p:sp>
+        <p:nvSpPr>
+          <p:cNvPr id="5" name="Footer Placeholder 4"/>
+          <p:cNvSpPr>
+            <a:spLocks noGrp="1"/>
+          </p:cNvSpPr>
+          <p:nvPr>
+            <p:ph type="ftr" sz="quarter" idx="11"/>
+          </p:nvPr>
+        </p:nvSpPr>
+        <p:spPr/>
+        <p:txBody>
+          <a:bodyPr/>
+          <a:lstStyle/>
+          <a:p>
+            <a:r>
+              <a:rPr lang="en-US" smtClean="0"/>
+              <a:t>Lean | Agile Dev. Proc. | Eric Knauss</a:t>
+            </a:r>
+            <a:endParaRPr lang="en-US"/>
+          </a:p>
+        </p:txBody>
+      </p:sp>
+      <p:sp>
+        <p:nvSpPr>
+          <p:cNvPr id="6" name="Slide Number Placeholder 5"/>
+          <p:cNvSpPr>
+            <a:spLocks noGrp="1"/>
+          </p:cNvSpPr>
+          <p:nvPr>
+            <p:ph type="sldNum" sz="quarter" idx="12"/>
+          </p:nvPr>
+        </p:nvSpPr>
+        <p:spPr/>
+        <p:txBody>
+          <a:bodyPr/>
+          <a:lstStyle/>
+          <a:p>
+            <a:fld id="{7ED7E6F0-40BF-4E49-8032-45DA9A9F0718}" type="slidenum">
+              <a:rPr lang="en-US" smtClean="0"/>
+              <a:t>‹#›</a:t>
+            </a:fld>
+            <a:endParaRPr lang="en-US"/>
+          </a:p>
+        </p:txBody>
+      </p:sp>
+    </p:spTree>
+    <p:extLst>
+      <p:ext uri="{BB962C8B-B14F-4D97-AF65-F5344CB8AC3E}">
+        <p14:creationId xmlns:p14="http://schemas.microsoft.com/office/powerpoint/2010/main" val="3833214302"/>
       </p:ext>
     </p:extLst>
   </p:cSld>
@@ -6379,9 +6762,9 @@
             </a:lvl1pPr>
           </a:lstStyle>
           <a:p>
-            <a:fld id="{DE9D31E7-7064-EF4F-93F0-966D653C7150}" type="datetimeFigureOut">
+            <a:fld id="{3D532031-7D23-C543-A257-CA50B6609536}" type="datetime1">
               <a:rPr lang="en-US" smtClean="0"/>
-              <a:t>17/04/14</a:t>
+              <a:t>22/04/14</a:t>
             </a:fld>
             <a:endParaRPr lang="en-US"/>
           </a:p>
@@ -6420,6 +6803,10 @@
             </a:lvl1pPr>
           </a:lstStyle>
           <a:p>
+            <a:r>
+              <a:rPr lang="en-US" smtClean="0"/>
+              <a:t>Lean | Agile Dev. Proc. | Eric Knauss</a:t>
+            </a:r>
             <a:endParaRPr lang="en-US"/>
           </a:p>
         </p:txBody>
@@ -6476,16 +6863,16 @@
   <p:sldLayoutIdLst>
     <p:sldLayoutId id="2147483661" r:id="rId1"/>
     <p:sldLayoutId id="2147483662" r:id="rId2"/>
-    <p:sldLayoutId id="2147483663" r:id="rId3"/>
-    <p:sldLayoutId id="2147483664" r:id="rId4"/>
-    <p:sldLayoutId id="2147483665" r:id="rId5"/>
-    <p:sldLayoutId id="2147483666" r:id="rId6"/>
-    <p:sldLayoutId id="2147483667" r:id="rId7"/>
-    <p:sldLayoutId id="2147483668" r:id="rId8"/>
-    <p:sldLayoutId id="2147483669" r:id="rId9"/>
-    <p:sldLayoutId id="2147483670" r:id="rId10"/>
-    <p:sldLayoutId id="2147483671" r:id="rId11"/>
+    <p:sldLayoutId id="2147483664" r:id="rId3"/>
+    <p:sldLayoutId id="2147483665" r:id="rId4"/>
+    <p:sldLayoutId id="2147483666" r:id="rId5"/>
+    <p:sldLayoutId id="2147483667" r:id="rId6"/>
+    <p:sldLayoutId id="2147483668" r:id="rId7"/>
+    <p:sldLayoutId id="2147483669" r:id="rId8"/>
+    <p:sldLayoutId id="2147483670" r:id="rId9"/>
+    <p:sldLayoutId id="2147483671" r:id="rId10"/>
   </p:sldLayoutIdLst>
+  <p:hf hdr="0" dt="0"/>
   <p:txStyles>
     <p:titleStyle>
       <a:lvl1pPr algn="ctr" defTabSz="457200" rtl="0" eaLnBrk="1" latinLnBrk="0" hangingPunct="1">
@@ -6858,7 +7245,7 @@
           </a:lstStyle>
           <a:p>
             <a:pPr defTabSz="914400"/>
-            <a:fld id="{C699CB88-5E1A-4FAC-892A-60949ACB1F6F}" type="datetimeFigureOut">
+            <a:fld id="{FCBD443E-9818-0647-8766-19750ADCFF6C}" type="datetime1">
               <a:rPr lang="en-US" smtClean="0">
                 <a:solidFill>
                   <a:prstClr val="black">
@@ -6866,8 +7253,7 @@
                   </a:prstClr>
                 </a:solidFill>
               </a:rPr>
-              <a:pPr defTabSz="914400"/>
-              <a:t>17/04/14</a:t>
+              <a:t>22/04/14</a:t>
             </a:fld>
             <a:endParaRPr lang="en-US" dirty="0">
               <a:solidFill>
@@ -6914,6 +7300,16 @@
           </a:lstStyle>
           <a:p>
             <a:pPr defTabSz="914400"/>
+            <a:r>
+              <a:rPr lang="de-DE" smtClean="0">
+                <a:solidFill>
+                  <a:prstClr val="black">
+                    <a:tint val="75000"/>
+                  </a:prstClr>
+                </a:solidFill>
+              </a:rPr>
+              <a:t>Lean | Agile Dev. Proc. | Eric Knauss</a:t>
+            </a:r>
             <a:endParaRPr lang="de-DE" dirty="0">
               <a:solidFill>
                 <a:prstClr val="black">
@@ -7173,7 +7569,7 @@
           <p:nvPr/>
         </p:nvPicPr>
         <p:blipFill>
-          <a:blip r:embed="rId12">
+          <a:blip r:embed="rId11">
             <a:extLst>
               <a:ext uri="{28A0092B-C50C-407E-A947-70E740481C1C}">
                 <a14:useLocalDpi xmlns:a14="http://schemas.microsoft.com/office/drawing/2010/main" val="0"/>
@@ -7209,10 +7605,9 @@
     <p:sldLayoutId id="2147483676" r:id="rId4"/>
     <p:sldLayoutId id="2147483677" r:id="rId5"/>
     <p:sldLayoutId id="2147483678" r:id="rId6"/>
-    <p:sldLayoutId id="2147483679" r:id="rId7"/>
-    <p:sldLayoutId id="2147483680" r:id="rId8"/>
-    <p:sldLayoutId id="2147483681" r:id="rId9"/>
-    <p:sldLayoutId id="2147483682" r:id="rId10"/>
+    <p:sldLayoutId id="2147483680" r:id="rId7"/>
+    <p:sldLayoutId id="2147483681" r:id="rId8"/>
+    <p:sldLayoutId id="2147483682" r:id="rId9"/>
   </p:sldLayoutIdLst>
   <p:transition xmlns:p14="http://schemas.microsoft.com/office/powerpoint/2010/main">
     <p:fade/>
@@ -7224,6 +7619,7 @@
       </p:par>
     </p:tnLst>
   </p:timing>
+  <p:hf hdr="0" dt="0"/>
   <p:txStyles>
     <p:titleStyle>
       <a:lvl1pPr algn="ctr" defTabSz="914400" rtl="0" eaLnBrk="1" latinLnBrk="0" hangingPunct="1">
@@ -7707,7 +8103,7 @@
           <p:nvPr/>
         </p:nvPicPr>
         <p:blipFill>
-          <a:blip r:embed="rId5">
+          <a:blip r:embed="rId8">
             <a:extLst>
               <a:ext uri="{28A0092B-C50C-407E-A947-70E740481C1C}">
                 <a14:useLocalDpi xmlns:a14="http://schemas.microsoft.com/office/drawing/2010/main" val="0"/>
@@ -7728,6 +8124,129 @@
           </a:prstGeom>
         </p:spPr>
       </p:pic>
+      <p:sp>
+        <p:nvSpPr>
+          <p:cNvPr id="2" name="Date Placeholder 1"/>
+          <p:cNvSpPr>
+            <a:spLocks noGrp="1"/>
+          </p:cNvSpPr>
+          <p:nvPr>
+            <p:ph type="dt" sz="half" idx="2"/>
+          </p:nvPr>
+        </p:nvSpPr>
+        <p:spPr>
+          <a:xfrm>
+            <a:off x="457200" y="6356350"/>
+            <a:ext cx="2133600" cy="365125"/>
+          </a:xfrm>
+          <a:prstGeom prst="rect">
+            <a:avLst/>
+          </a:prstGeom>
+        </p:spPr>
+        <p:txBody>
+          <a:bodyPr vert="horz" lIns="91440" tIns="45720" rIns="91440" bIns="45720" rtlCol="0" anchor="ctr"/>
+          <a:lstStyle>
+            <a:lvl1pPr algn="l">
+              <a:defRPr sz="1200">
+                <a:solidFill>
+                  <a:schemeClr val="tx1">
+                    <a:tint val="75000"/>
+                  </a:schemeClr>
+                </a:solidFill>
+              </a:defRPr>
+            </a:lvl1pPr>
+          </a:lstStyle>
+          <a:p>
+            <a:fld id="{613F59FE-77ED-CA4B-AFF0-63A2B5610B43}" type="datetime1">
+              <a:rPr lang="en-US" smtClean="0"/>
+              <a:t>22/04/14</a:t>
+            </a:fld>
+            <a:endParaRPr lang="en-US"/>
+          </a:p>
+        </p:txBody>
+      </p:sp>
+      <p:sp>
+        <p:nvSpPr>
+          <p:cNvPr id="3" name="Footer Placeholder 2"/>
+          <p:cNvSpPr>
+            <a:spLocks noGrp="1"/>
+          </p:cNvSpPr>
+          <p:nvPr>
+            <p:ph type="ftr" sz="quarter" idx="3"/>
+          </p:nvPr>
+        </p:nvSpPr>
+        <p:spPr>
+          <a:xfrm>
+            <a:off x="2590800" y="6356350"/>
+            <a:ext cx="3962400" cy="365125"/>
+          </a:xfrm>
+          <a:prstGeom prst="rect">
+            <a:avLst/>
+          </a:prstGeom>
+        </p:spPr>
+        <p:txBody>
+          <a:bodyPr vert="horz" lIns="91440" tIns="45720" rIns="91440" bIns="45720" rtlCol="0" anchor="ctr"/>
+          <a:lstStyle>
+            <a:lvl1pPr algn="ctr">
+              <a:defRPr sz="1200">
+                <a:solidFill>
+                  <a:schemeClr val="tx1">
+                    <a:tint val="75000"/>
+                  </a:schemeClr>
+                </a:solidFill>
+              </a:defRPr>
+            </a:lvl1pPr>
+          </a:lstStyle>
+          <a:p>
+            <a:r>
+              <a:rPr lang="en-US" smtClean="0"/>
+              <a:t>Lean | Agile Dev. Proc. | Eric Knauss</a:t>
+            </a:r>
+            <a:endParaRPr lang="en-US"/>
+          </a:p>
+        </p:txBody>
+      </p:sp>
+      <p:sp>
+        <p:nvSpPr>
+          <p:cNvPr id="4" name="Slide Number Placeholder 3"/>
+          <p:cNvSpPr>
+            <a:spLocks noGrp="1"/>
+          </p:cNvSpPr>
+          <p:nvPr>
+            <p:ph type="sldNum" sz="quarter" idx="4"/>
+          </p:nvPr>
+        </p:nvSpPr>
+        <p:spPr>
+          <a:xfrm>
+            <a:off x="6553200" y="6356350"/>
+            <a:ext cx="2133600" cy="365125"/>
+          </a:xfrm>
+          <a:prstGeom prst="rect">
+            <a:avLst/>
+          </a:prstGeom>
+        </p:spPr>
+        <p:txBody>
+          <a:bodyPr vert="horz" lIns="91440" tIns="45720" rIns="91440" bIns="45720" rtlCol="0" anchor="ctr"/>
+          <a:lstStyle>
+            <a:lvl1pPr algn="r">
+              <a:defRPr sz="1200">
+                <a:solidFill>
+                  <a:schemeClr val="tx1">
+                    <a:tint val="75000"/>
+                  </a:schemeClr>
+                </a:solidFill>
+              </a:defRPr>
+            </a:lvl1pPr>
+          </a:lstStyle>
+          <a:p>
+            <a:fld id="{DDF30808-B377-9F44-9431-130233AE3DB7}" type="slidenum">
+              <a:rPr lang="en-US" smtClean="0"/>
+              <a:t>‹#›</a:t>
+            </a:fld>
+            <a:endParaRPr lang="en-US"/>
+          </a:p>
+        </p:txBody>
+      </p:sp>
     </p:spTree>
   </p:cSld>
   <p:clrMap bg1="lt1" tx1="dk1" bg2="lt2" tx2="dk2" accent1="accent1" accent2="accent2" accent3="accent3" accent4="accent4" accent5="accent5" accent6="accent6" hlink="hlink" folHlink="folHlink"/>
@@ -7735,6 +8254,9 @@
     <p:sldLayoutId id="2147483684" r:id="rId1"/>
     <p:sldLayoutId id="2147483685" r:id="rId2"/>
     <p:sldLayoutId id="2147483686" r:id="rId3"/>
+    <p:sldLayoutId id="2147483679" r:id="rId4"/>
+    <p:sldLayoutId id="2147483663" r:id="rId5"/>
+    <p:sldLayoutId id="2147483687" r:id="rId6"/>
   </p:sldLayoutIdLst>
   <p:transition xmlns:p14="http://schemas.microsoft.com/office/powerpoint/2010/main">
     <p:fade/>
@@ -7746,6 +8268,7 @@
       </p:par>
     </p:tnLst>
   </p:timing>
+  <p:hf hdr="0" dt="0"/>
   <p:txStyles>
     <p:titleStyle>
       <a:lvl1pPr algn="l" rtl="0" eaLnBrk="1" fontAlgn="base" hangingPunct="1">
@@ -8322,8 +8845,15 @@
           <a:p>
             <a:r>
               <a:rPr lang="en-US" dirty="0" smtClean="0"/>
-              <a:t>Imagine a company with SW development challenges</a:t>
-            </a:r>
+              <a:t>Imagine a company with SW development </a:t>
+            </a:r>
+            <a:r>
+              <a:rPr lang="en-US" dirty="0" smtClean="0"/>
+              <a:t>challenges</a:t>
+            </a:r>
+          </a:p>
+          <a:p>
+            <a:endParaRPr lang="en-US" dirty="0" smtClean="0"/>
           </a:p>
           <a:p>
             <a:r>
@@ -8367,11 +8897,137 @@
             </a:r>
           </a:p>
           <a:p>
+            <a:endParaRPr lang="en-US" dirty="0" smtClean="0"/>
+          </a:p>
+          <a:p>
             <a:r>
               <a:rPr lang="en-US" dirty="0" smtClean="0"/>
               <a:t>As control theory predicts, this generally makes a bad situation worse</a:t>
             </a:r>
             <a:endParaRPr lang="en-US" dirty="0"/>
+          </a:p>
+        </p:txBody>
+      </p:sp>
+      <p:sp>
+        <p:nvSpPr>
+          <p:cNvPr id="4" name="TextBox 3"/>
+          <p:cNvSpPr txBox="1"/>
+          <p:nvPr/>
+        </p:nvSpPr>
+        <p:spPr>
+          <a:xfrm>
+            <a:off x="683568" y="6333489"/>
+            <a:ext cx="3085887" cy="400110"/>
+          </a:xfrm>
+          <a:prstGeom prst="rect">
+            <a:avLst/>
+          </a:prstGeom>
+          <a:noFill/>
+        </p:spPr>
+        <p:txBody>
+          <a:bodyPr wrap="square" rtlCol="0">
+            <a:spAutoFit/>
+          </a:bodyPr>
+          <a:lstStyle/>
+          <a:p>
+            <a:r>
+              <a:rPr lang="en-US" sz="1000" dirty="0" err="1" smtClean="0"/>
+              <a:t>Cristoph</a:t>
+            </a:r>
+            <a:r>
+              <a:rPr lang="en-US" sz="1000" dirty="0" smtClean="0"/>
+              <a:t> </a:t>
+            </a:r>
+            <a:r>
+              <a:rPr lang="en-US" sz="1000" dirty="0" err="1" smtClean="0"/>
+              <a:t>Steindl</a:t>
+            </a:r>
+            <a:r>
+              <a:rPr lang="en-US" sz="1000" dirty="0" smtClean="0"/>
+              <a:t> (IBM), Lean Software Development, 2004 (Presentation)</a:t>
+            </a:r>
+            <a:endParaRPr lang="en-US" sz="1000" dirty="0"/>
+          </a:p>
+        </p:txBody>
+      </p:sp>
+      <p:sp>
+        <p:nvSpPr>
+          <p:cNvPr id="6" name="Footer Placeholder 4"/>
+          <p:cNvSpPr>
+            <a:spLocks noGrp="1"/>
+          </p:cNvSpPr>
+          <p:nvPr>
+            <p:ph type="ftr" sz="quarter" idx="11"/>
+          </p:nvPr>
+        </p:nvSpPr>
+        <p:spPr>
+          <a:xfrm>
+            <a:off x="5318367" y="6434242"/>
+            <a:ext cx="2895600" cy="365125"/>
+          </a:xfrm>
+        </p:spPr>
+        <p:txBody>
+          <a:bodyPr/>
+          <a:lstStyle/>
+          <a:p>
+            <a:r>
+              <a:rPr lang="de-DE" smtClean="0">
+                <a:solidFill>
+                  <a:prstClr val="black">
+                    <a:tint val="75000"/>
+                  </a:prstClr>
+                </a:solidFill>
+              </a:rPr>
+              <a:t>Lean | Agile Dev. Proc. | Eric Knauss</a:t>
+            </a:r>
+            <a:endParaRPr lang="de-DE">
+              <a:solidFill>
+                <a:prstClr val="black">
+                  <a:tint val="75000"/>
+                </a:prstClr>
+              </a:solidFill>
+            </a:endParaRPr>
+          </a:p>
+        </p:txBody>
+      </p:sp>
+      <p:sp>
+        <p:nvSpPr>
+          <p:cNvPr id="7" name="Slide Number Placeholder 5"/>
+          <p:cNvSpPr>
+            <a:spLocks noGrp="1"/>
+          </p:cNvSpPr>
+          <p:nvPr>
+            <p:ph type="sldNum" sz="quarter" idx="12"/>
+          </p:nvPr>
+        </p:nvSpPr>
+        <p:spPr>
+          <a:xfrm>
+            <a:off x="8291903" y="6433808"/>
+            <a:ext cx="842170" cy="365125"/>
+          </a:xfrm>
+        </p:spPr>
+        <p:txBody>
+          <a:bodyPr/>
+          <a:lstStyle/>
+          <a:p>
+            <a:fld id="{91974DF9-AD47-4691-BA21-BBFCE3637A9A}" type="slidenum">
+              <a:rPr lang="en-US" smtClean="0">
+                <a:solidFill>
+                  <a:prstClr val="black">
+                    <a:tint val="75000"/>
+                  </a:prstClr>
+                </a:solidFill>
+              </a:rPr>
+              <a:pPr/>
+              <a:t>10</a:t>
+            </a:fld>
+            <a:endParaRPr lang="en-US">
+              <a:solidFill>
+                <a:prstClr val="black">
+                  <a:tint val="75000"/>
+                </a:prstClr>
+              </a:solidFill>
+            </a:endParaRPr>
           </a:p>
         </p:txBody>
       </p:sp>
@@ -8391,7 +9047,367 @@
   <p:timing>
     <p:tnLst>
       <p:par>
-        <p:cTn xmlns:p14="http://schemas.microsoft.com/office/powerpoint/2010/main" id="1" dur="indefinite" restart="never" nodeType="tmRoot"/>
+        <p:cTn xmlns:p14="http://schemas.microsoft.com/office/powerpoint/2010/main" id="1" dur="indefinite" restart="never" nodeType="tmRoot">
+          <p:childTnLst>
+            <p:seq concurrent="1" nextAc="seek">
+              <p:cTn id="2" dur="indefinite" nodeType="mainSeq">
+                <p:childTnLst>
+                  <p:par>
+                    <p:cTn id="3" fill="hold">
+                      <p:stCondLst>
+                        <p:cond delay="indefinite"/>
+                      </p:stCondLst>
+                      <p:childTnLst>
+                        <p:par>
+                          <p:cTn id="4" fill="hold">
+                            <p:stCondLst>
+                              <p:cond delay="0"/>
+                            </p:stCondLst>
+                            <p:childTnLst>
+                              <p:par>
+                                <p:cTn id="5" presetID="10" presetClass="entr" presetSubtype="0" fill="hold" nodeType="clickEffect">
+                                  <p:stCondLst>
+                                    <p:cond delay="0"/>
+                                  </p:stCondLst>
+                                  <p:childTnLst>
+                                    <p:set>
+                                      <p:cBhvr>
+                                        <p:cTn id="6" dur="1" fill="hold">
+                                          <p:stCondLst>
+                                            <p:cond delay="0"/>
+                                          </p:stCondLst>
+                                        </p:cTn>
+                                        <p:tgtEl>
+                                          <p:spTgt spid="5">
+                                            <p:txEl>
+                                              <p:pRg st="2" end="2"/>
+                                            </p:txEl>
+                                          </p:spTgt>
+                                        </p:tgtEl>
+                                        <p:attrNameLst>
+                                          <p:attrName>style.visibility</p:attrName>
+                                        </p:attrNameLst>
+                                      </p:cBhvr>
+                                      <p:to>
+                                        <p:strVal val="visible"/>
+                                      </p:to>
+                                    </p:set>
+                                    <p:animEffect transition="in" filter="fade">
+                                      <p:cBhvr>
+                                        <p:cTn id="7" dur="500"/>
+                                        <p:tgtEl>
+                                          <p:spTgt spid="5">
+                                            <p:txEl>
+                                              <p:pRg st="2" end="2"/>
+                                            </p:txEl>
+                                          </p:spTgt>
+                                        </p:tgtEl>
+                                      </p:cBhvr>
+                                    </p:animEffect>
+                                  </p:childTnLst>
+                                </p:cTn>
+                              </p:par>
+                              <p:par>
+                                <p:cTn id="8" presetID="10" presetClass="entr" presetSubtype="0" fill="hold" nodeType="withEffect">
+                                  <p:stCondLst>
+                                    <p:cond delay="0"/>
+                                  </p:stCondLst>
+                                  <p:childTnLst>
+                                    <p:set>
+                                      <p:cBhvr>
+                                        <p:cTn id="9" dur="1" fill="hold">
+                                          <p:stCondLst>
+                                            <p:cond delay="0"/>
+                                          </p:stCondLst>
+                                        </p:cTn>
+                                        <p:tgtEl>
+                                          <p:spTgt spid="5">
+                                            <p:txEl>
+                                              <p:pRg st="3" end="3"/>
+                                            </p:txEl>
+                                          </p:spTgt>
+                                        </p:tgtEl>
+                                        <p:attrNameLst>
+                                          <p:attrName>style.visibility</p:attrName>
+                                        </p:attrNameLst>
+                                      </p:cBhvr>
+                                      <p:to>
+                                        <p:strVal val="visible"/>
+                                      </p:to>
+                                    </p:set>
+                                    <p:animEffect transition="in" filter="fade">
+                                      <p:cBhvr>
+                                        <p:cTn id="10" dur="500"/>
+                                        <p:tgtEl>
+                                          <p:spTgt spid="5">
+                                            <p:txEl>
+                                              <p:pRg st="3" end="3"/>
+                                            </p:txEl>
+                                          </p:spTgt>
+                                        </p:tgtEl>
+                                      </p:cBhvr>
+                                    </p:animEffect>
+                                  </p:childTnLst>
+                                </p:cTn>
+                              </p:par>
+                              <p:par>
+                                <p:cTn id="11" presetID="10" presetClass="entr" presetSubtype="0" fill="hold" nodeType="withEffect">
+                                  <p:stCondLst>
+                                    <p:cond delay="0"/>
+                                  </p:stCondLst>
+                                  <p:childTnLst>
+                                    <p:set>
+                                      <p:cBhvr>
+                                        <p:cTn id="12" dur="1" fill="hold">
+                                          <p:stCondLst>
+                                            <p:cond delay="0"/>
+                                          </p:stCondLst>
+                                        </p:cTn>
+                                        <p:tgtEl>
+                                          <p:spTgt spid="5">
+                                            <p:txEl>
+                                              <p:pRg st="4" end="4"/>
+                                            </p:txEl>
+                                          </p:spTgt>
+                                        </p:tgtEl>
+                                        <p:attrNameLst>
+                                          <p:attrName>style.visibility</p:attrName>
+                                        </p:attrNameLst>
+                                      </p:cBhvr>
+                                      <p:to>
+                                        <p:strVal val="visible"/>
+                                      </p:to>
+                                    </p:set>
+                                    <p:animEffect transition="in" filter="fade">
+                                      <p:cBhvr>
+                                        <p:cTn id="13" dur="500"/>
+                                        <p:tgtEl>
+                                          <p:spTgt spid="5">
+                                            <p:txEl>
+                                              <p:pRg st="4" end="4"/>
+                                            </p:txEl>
+                                          </p:spTgt>
+                                        </p:tgtEl>
+                                      </p:cBhvr>
+                                    </p:animEffect>
+                                  </p:childTnLst>
+                                </p:cTn>
+                              </p:par>
+                              <p:par>
+                                <p:cTn id="14" presetID="10" presetClass="entr" presetSubtype="0" fill="hold" nodeType="withEffect">
+                                  <p:stCondLst>
+                                    <p:cond delay="0"/>
+                                  </p:stCondLst>
+                                  <p:childTnLst>
+                                    <p:set>
+                                      <p:cBhvr>
+                                        <p:cTn id="15" dur="1" fill="hold">
+                                          <p:stCondLst>
+                                            <p:cond delay="0"/>
+                                          </p:stCondLst>
+                                        </p:cTn>
+                                        <p:tgtEl>
+                                          <p:spTgt spid="5">
+                                            <p:txEl>
+                                              <p:pRg st="5" end="5"/>
+                                            </p:txEl>
+                                          </p:spTgt>
+                                        </p:tgtEl>
+                                        <p:attrNameLst>
+                                          <p:attrName>style.visibility</p:attrName>
+                                        </p:attrNameLst>
+                                      </p:cBhvr>
+                                      <p:to>
+                                        <p:strVal val="visible"/>
+                                      </p:to>
+                                    </p:set>
+                                    <p:animEffect transition="in" filter="fade">
+                                      <p:cBhvr>
+                                        <p:cTn id="16" dur="500"/>
+                                        <p:tgtEl>
+                                          <p:spTgt spid="5">
+                                            <p:txEl>
+                                              <p:pRg st="5" end="5"/>
+                                            </p:txEl>
+                                          </p:spTgt>
+                                        </p:tgtEl>
+                                      </p:cBhvr>
+                                    </p:animEffect>
+                                  </p:childTnLst>
+                                </p:cTn>
+                              </p:par>
+                              <p:par>
+                                <p:cTn id="17" presetID="10" presetClass="entr" presetSubtype="0" fill="hold" nodeType="withEffect">
+                                  <p:stCondLst>
+                                    <p:cond delay="0"/>
+                                  </p:stCondLst>
+                                  <p:childTnLst>
+                                    <p:set>
+                                      <p:cBhvr>
+                                        <p:cTn id="18" dur="1" fill="hold">
+                                          <p:stCondLst>
+                                            <p:cond delay="0"/>
+                                          </p:stCondLst>
+                                        </p:cTn>
+                                        <p:tgtEl>
+                                          <p:spTgt spid="5">
+                                            <p:txEl>
+                                              <p:pRg st="6" end="6"/>
+                                            </p:txEl>
+                                          </p:spTgt>
+                                        </p:tgtEl>
+                                        <p:attrNameLst>
+                                          <p:attrName>style.visibility</p:attrName>
+                                        </p:attrNameLst>
+                                      </p:cBhvr>
+                                      <p:to>
+                                        <p:strVal val="visible"/>
+                                      </p:to>
+                                    </p:set>
+                                    <p:animEffect transition="in" filter="fade">
+                                      <p:cBhvr>
+                                        <p:cTn id="19" dur="500"/>
+                                        <p:tgtEl>
+                                          <p:spTgt spid="5">
+                                            <p:txEl>
+                                              <p:pRg st="6" end="6"/>
+                                            </p:txEl>
+                                          </p:spTgt>
+                                        </p:tgtEl>
+                                      </p:cBhvr>
+                                    </p:animEffect>
+                                  </p:childTnLst>
+                                </p:cTn>
+                              </p:par>
+                              <p:par>
+                                <p:cTn id="20" presetID="10" presetClass="entr" presetSubtype="0" fill="hold" nodeType="withEffect">
+                                  <p:stCondLst>
+                                    <p:cond delay="0"/>
+                                  </p:stCondLst>
+                                  <p:childTnLst>
+                                    <p:set>
+                                      <p:cBhvr>
+                                        <p:cTn id="21" dur="1" fill="hold">
+                                          <p:stCondLst>
+                                            <p:cond delay="0"/>
+                                          </p:stCondLst>
+                                        </p:cTn>
+                                        <p:tgtEl>
+                                          <p:spTgt spid="5">
+                                            <p:txEl>
+                                              <p:pRg st="7" end="7"/>
+                                            </p:txEl>
+                                          </p:spTgt>
+                                        </p:tgtEl>
+                                        <p:attrNameLst>
+                                          <p:attrName>style.visibility</p:attrName>
+                                        </p:attrNameLst>
+                                      </p:cBhvr>
+                                      <p:to>
+                                        <p:strVal val="visible"/>
+                                      </p:to>
+                                    </p:set>
+                                    <p:animEffect transition="in" filter="fade">
+                                      <p:cBhvr>
+                                        <p:cTn id="22" dur="500"/>
+                                        <p:tgtEl>
+                                          <p:spTgt spid="5">
+                                            <p:txEl>
+                                              <p:pRg st="7" end="7"/>
+                                            </p:txEl>
+                                          </p:spTgt>
+                                        </p:tgtEl>
+                                      </p:cBhvr>
+                                    </p:animEffect>
+                                  </p:childTnLst>
+                                </p:cTn>
+                              </p:par>
+                            </p:childTnLst>
+                          </p:cTn>
+                        </p:par>
+                      </p:childTnLst>
+                    </p:cTn>
+                  </p:par>
+                  <p:par>
+                    <p:cTn id="23" fill="hold">
+                      <p:stCondLst>
+                        <p:cond delay="indefinite"/>
+                      </p:stCondLst>
+                      <p:childTnLst>
+                        <p:par>
+                          <p:cTn id="24" fill="hold">
+                            <p:stCondLst>
+                              <p:cond delay="0"/>
+                            </p:stCondLst>
+                            <p:childTnLst>
+                              <p:par>
+                                <p:cTn id="25" presetID="10" presetClass="entr" presetSubtype="0" fill="hold" nodeType="clickEffect">
+                                  <p:stCondLst>
+                                    <p:cond delay="0"/>
+                                  </p:stCondLst>
+                                  <p:childTnLst>
+                                    <p:set>
+                                      <p:cBhvr>
+                                        <p:cTn id="26" dur="1" fill="hold">
+                                          <p:stCondLst>
+                                            <p:cond delay="0"/>
+                                          </p:stCondLst>
+                                        </p:cTn>
+                                        <p:tgtEl>
+                                          <p:spTgt spid="5">
+                                            <p:txEl>
+                                              <p:pRg st="9" end="9"/>
+                                            </p:txEl>
+                                          </p:spTgt>
+                                        </p:tgtEl>
+                                        <p:attrNameLst>
+                                          <p:attrName>style.visibility</p:attrName>
+                                        </p:attrNameLst>
+                                      </p:cBhvr>
+                                      <p:to>
+                                        <p:strVal val="visible"/>
+                                      </p:to>
+                                    </p:set>
+                                    <p:animEffect transition="in" filter="fade">
+                                      <p:cBhvr>
+                                        <p:cTn id="27" dur="500"/>
+                                        <p:tgtEl>
+                                          <p:spTgt spid="5">
+                                            <p:txEl>
+                                              <p:pRg st="9" end="9"/>
+                                            </p:txEl>
+                                          </p:spTgt>
+                                        </p:tgtEl>
+                                      </p:cBhvr>
+                                    </p:animEffect>
+                                  </p:childTnLst>
+                                </p:cTn>
+                              </p:par>
+                            </p:childTnLst>
+                          </p:cTn>
+                        </p:par>
+                      </p:childTnLst>
+                    </p:cTn>
+                  </p:par>
+                </p:childTnLst>
+              </p:cTn>
+              <p:prevCondLst>
+                <p:cond evt="onPrev" delay="0">
+                  <p:tgtEl>
+                    <p:sldTgt/>
+                  </p:tgtEl>
+                </p:cond>
+              </p:prevCondLst>
+              <p:nextCondLst>
+                <p:cond evt="onNext" delay="0">
+                  <p:tgtEl>
+                    <p:sldTgt/>
+                  </p:tgtEl>
+                </p:cond>
+              </p:nextCondLst>
+            </p:seq>
+          </p:childTnLst>
+        </p:cTn>
       </p:par>
     </p:tnLst>
   </p:timing>
@@ -8441,7 +9457,19 @@
             </a:br>
             <a:r>
               <a:rPr lang="en-US" dirty="0" smtClean="0"/>
-              <a:t>Tool #3: Feedback</a:t>
+              <a:t>				Tool </a:t>
+            </a:r>
+            <a:r>
+              <a:rPr lang="en-US" dirty="0" smtClean="0">
+                <a:solidFill>
+                  <a:srgbClr val="FF0000"/>
+                </a:solidFill>
+              </a:rPr>
+              <a:t>#3</a:t>
+            </a:r>
+            <a:r>
+              <a:rPr lang="en-US" dirty="0" smtClean="0"/>
+              <a:t>: Feedback</a:t>
             </a:r>
             <a:endParaRPr lang="en-US" dirty="0"/>
           </a:p>
@@ -8468,12 +9496,19 @@
               <a:buNone/>
             </a:pPr>
             <a:r>
-              <a:rPr lang="en-US" dirty="0" smtClean="0"/>
-              <a:t>If a problem develops</a:t>
-            </a:r>
-          </a:p>
-          <a:p>
-            <a:pPr marL="914400" lvl="1" indent="-514350">
+              <a:rPr lang="en-US" sz="2000" dirty="0" smtClean="0"/>
+              <a:t>If a problem develops:</a:t>
+            </a:r>
+            <a:endParaRPr lang="en-US" dirty="0" smtClean="0"/>
+          </a:p>
+          <a:p>
+            <a:pPr marL="0" indent="0">
+              <a:buNone/>
+            </a:pPr>
+            <a:endParaRPr lang="en-US" dirty="0" smtClean="0"/>
+          </a:p>
+          <a:p>
+            <a:pPr marL="514350" indent="-514350">
               <a:buFont typeface="+mj-lt"/>
               <a:buAutoNum type="arabicPeriod"/>
             </a:pPr>
@@ -8483,13 +9518,24 @@
             </a:r>
           </a:p>
           <a:p>
-            <a:pPr marL="914400" lvl="1" indent="-514350">
+            <a:pPr marL="514350" indent="-514350">
               <a:buFont typeface="+mj-lt"/>
               <a:buAutoNum type="arabicPeriod"/>
             </a:pPr>
-            <a:r>
-              <a:rPr lang="en-US" dirty="0" smtClean="0"/>
-              <a:t>Increase the frequency of feedback loops in problem areas</a:t>
+            <a:endParaRPr lang="en-US" dirty="0" smtClean="0"/>
+          </a:p>
+          <a:p>
+            <a:pPr marL="514350" indent="-514350">
+              <a:buFont typeface="+mj-lt"/>
+              <a:buAutoNum type="arabicPeriod"/>
+            </a:pPr>
+            <a:r>
+              <a:rPr lang="en-US" dirty="0" smtClean="0"/>
+              <a:t>Increase </a:t>
+            </a:r>
+            <a:r>
+              <a:rPr lang="en-US" dirty="0" smtClean="0"/>
+              <a:t>the frequency of feedback loops in problem areas</a:t>
             </a:r>
             <a:endParaRPr lang="en-US" dirty="0"/>
           </a:p>
@@ -8508,24 +9554,24 @@
             <p:ph sz="half" idx="2"/>
             <p:extLst>
               <p:ext uri="{D42A27DB-BD31-4B8C-83A1-F6EECF244321}">
-                <p14:modId xmlns:p14="http://schemas.microsoft.com/office/powerpoint/2010/main" val="3156232462"/>
+                <p14:modId xmlns:p14="http://schemas.microsoft.com/office/powerpoint/2010/main" val="4072913093"/>
               </p:ext>
             </p:extLst>
           </p:nvPr>
         </p:nvGraphicFramePr>
         <p:xfrm>
-          <a:off x="4648200" y="1600200"/>
-          <a:ext cx="4038600" cy="4028440"/>
+          <a:off x="4351392" y="2020455"/>
+          <a:ext cx="4510140" cy="3479799"/>
         </p:xfrm>
         <a:graphic>
           <a:graphicData uri="http://schemas.openxmlformats.org/drawingml/2006/table">
             <a:tbl>
               <a:tblPr firstRow="1" bandRow="1">
-                <a:tableStyleId>{5C22544A-7EE6-4342-B048-85BDC9FD1C3A}</a:tableStyleId>
+                <a:tableStyleId>{073A0DAA-6AF3-43AB-8588-CEC1D06C72B9}</a:tableStyleId>
               </a:tblPr>
               <a:tblGrid>
-                <a:gridCol w="2019300"/>
-                <a:gridCol w="2019300"/>
+                <a:gridCol w="2255070"/>
+                <a:gridCol w="2255070"/>
               </a:tblGrid>
               <a:tr h="370840">
                 <a:tc>
@@ -8697,6 +9743,584 @@
           </a:graphicData>
         </a:graphic>
       </p:graphicFrame>
+      <p:sp>
+        <p:nvSpPr>
+          <p:cNvPr id="7" name="Footer Placeholder 6"/>
+          <p:cNvSpPr>
+            <a:spLocks noGrp="1"/>
+          </p:cNvSpPr>
+          <p:nvPr>
+            <p:ph type="ftr" sz="quarter" idx="11"/>
+          </p:nvPr>
+        </p:nvSpPr>
+        <p:spPr>
+          <a:xfrm>
+            <a:off x="5318367" y="6434242"/>
+            <a:ext cx="2895600" cy="365125"/>
+          </a:xfrm>
+        </p:spPr>
+        <p:txBody>
+          <a:bodyPr/>
+          <a:lstStyle/>
+          <a:p>
+            <a:r>
+              <a:rPr lang="de-DE" smtClean="0">
+                <a:solidFill>
+                  <a:prstClr val="black">
+                    <a:tint val="75000"/>
+                  </a:prstClr>
+                </a:solidFill>
+              </a:rPr>
+              <a:t>Lean | Agile Dev. Proc. | Eric Knauss</a:t>
+            </a:r>
+            <a:endParaRPr lang="de-DE">
+              <a:solidFill>
+                <a:prstClr val="black">
+                  <a:tint val="75000"/>
+                </a:prstClr>
+              </a:solidFill>
+            </a:endParaRPr>
+          </a:p>
+        </p:txBody>
+      </p:sp>
+      <p:sp>
+        <p:nvSpPr>
+          <p:cNvPr id="8" name="Slide Number Placeholder 7"/>
+          <p:cNvSpPr>
+            <a:spLocks noGrp="1"/>
+          </p:cNvSpPr>
+          <p:nvPr>
+            <p:ph type="sldNum" sz="quarter" idx="12"/>
+          </p:nvPr>
+        </p:nvSpPr>
+        <p:spPr>
+          <a:xfrm>
+            <a:off x="8291903" y="6433808"/>
+            <a:ext cx="842170" cy="365125"/>
+          </a:xfrm>
+        </p:spPr>
+        <p:txBody>
+          <a:bodyPr/>
+          <a:lstStyle/>
+          <a:p>
+            <a:fld id="{91974DF9-AD47-4691-BA21-BBFCE3637A9A}" type="slidenum">
+              <a:rPr lang="en-US" smtClean="0">
+                <a:solidFill>
+                  <a:prstClr val="black">
+                    <a:tint val="75000"/>
+                  </a:prstClr>
+                </a:solidFill>
+              </a:rPr>
+              <a:pPr/>
+              <a:t>11</a:t>
+            </a:fld>
+            <a:endParaRPr lang="en-US">
+              <a:solidFill>
+                <a:prstClr val="black">
+                  <a:tint val="75000"/>
+                </a:prstClr>
+              </a:solidFill>
+            </a:endParaRPr>
+          </a:p>
+        </p:txBody>
+      </p:sp>
+      <p:sp>
+        <p:nvSpPr>
+          <p:cNvPr id="9" name="TextBox 8"/>
+          <p:cNvSpPr txBox="1"/>
+          <p:nvPr/>
+        </p:nvSpPr>
+        <p:spPr>
+          <a:xfrm>
+            <a:off x="683568" y="6333489"/>
+            <a:ext cx="3085887" cy="400110"/>
+          </a:xfrm>
+          <a:prstGeom prst="rect">
+            <a:avLst/>
+          </a:prstGeom>
+          <a:noFill/>
+        </p:spPr>
+        <p:txBody>
+          <a:bodyPr wrap="square" rtlCol="0">
+            <a:spAutoFit/>
+          </a:bodyPr>
+          <a:lstStyle/>
+          <a:p>
+            <a:r>
+              <a:rPr lang="en-US" sz="1000" dirty="0" err="1" smtClean="0"/>
+              <a:t>Cristoph</a:t>
+            </a:r>
+            <a:r>
+              <a:rPr lang="en-US" sz="1000" dirty="0" smtClean="0"/>
+              <a:t> </a:t>
+            </a:r>
+            <a:r>
+              <a:rPr lang="en-US" sz="1000" dirty="0" err="1" smtClean="0"/>
+              <a:t>Steindl</a:t>
+            </a:r>
+            <a:r>
+              <a:rPr lang="en-US" sz="1000" dirty="0" smtClean="0"/>
+              <a:t> (IBM), Lean Software Development, 2004 (Presentation)</a:t>
+            </a:r>
+            <a:endParaRPr lang="en-US" sz="1000" dirty="0"/>
+          </a:p>
+        </p:txBody>
+      </p:sp>
+      <p:sp>
+        <p:nvSpPr>
+          <p:cNvPr id="17" name="Rectangle 16"/>
+          <p:cNvSpPr/>
+          <p:nvPr/>
+        </p:nvSpPr>
+        <p:spPr bwMode="auto">
+          <a:xfrm>
+            <a:off x="6611133" y="2400010"/>
+            <a:ext cx="2250399" cy="625682"/>
+          </a:xfrm>
+          <a:prstGeom prst="rect">
+            <a:avLst/>
+          </a:prstGeom>
+          <a:solidFill>
+            <a:srgbClr val="FFFFFF"/>
+          </a:solidFill>
+          <a:ln w="9525" cap="flat" cmpd="sng" algn="ctr">
+            <a:solidFill>
+              <a:srgbClr val="FFFFFF"/>
+            </a:solidFill>
+            <a:prstDash val="solid"/>
+            <a:round/>
+            <a:headEnd type="none" w="med" len="med"/>
+            <a:tailEnd type="none" w="med" len="med"/>
+          </a:ln>
+          <a:effectLst/>
+        </p:spPr>
+        <p:txBody>
+          <a:bodyPr vert="horz" wrap="square" lIns="91440" tIns="45720" rIns="91440" bIns="45720" numCol="1" rtlCol="0" anchor="t" anchorCtr="0" compatLnSpc="1">
+            <a:prstTxWarp prst="textNoShape">
+              <a:avLst/>
+            </a:prstTxWarp>
+          </a:bodyPr>
+          <a:lstStyle/>
+          <a:p>
+            <a:pPr marL="0" marR="0" indent="0" algn="l" defTabSz="914400" rtl="0" eaLnBrk="0" fontAlgn="base" latinLnBrk="0" hangingPunct="0">
+              <a:lnSpc>
+                <a:spcPct val="100000"/>
+              </a:lnSpc>
+              <a:spcBef>
+                <a:spcPct val="0"/>
+              </a:spcBef>
+              <a:spcAft>
+                <a:spcPct val="0"/>
+              </a:spcAft>
+              <a:buClrTx/>
+              <a:buSzTx/>
+              <a:buFontTx/>
+              <a:buNone/>
+              <a:tabLst/>
+            </a:pPr>
+            <a:endParaRPr kumimoji="0" lang="en-US" sz="2400" b="0" i="0" u="none" strike="noStrike" cap="none" normalizeH="0" baseline="0">
+              <a:ln>
+                <a:noFill/>
+              </a:ln>
+              <a:solidFill>
+                <a:schemeClr val="tx1"/>
+              </a:solidFill>
+              <a:effectLst/>
+              <a:latin typeface="Times" pitchFamily="68" charset="0"/>
+            </a:endParaRPr>
+          </a:p>
+        </p:txBody>
+      </p:sp>
+      <p:sp>
+        <p:nvSpPr>
+          <p:cNvPr id="19" name="Rectangle 18"/>
+          <p:cNvSpPr/>
+          <p:nvPr/>
+        </p:nvSpPr>
+        <p:spPr bwMode="auto">
+          <a:xfrm>
+            <a:off x="4351392" y="3688574"/>
+            <a:ext cx="2250399" cy="896501"/>
+          </a:xfrm>
+          <a:prstGeom prst="rect">
+            <a:avLst/>
+          </a:prstGeom>
+          <a:solidFill>
+            <a:srgbClr val="FFFFFF"/>
+          </a:solidFill>
+          <a:ln w="9525" cap="flat" cmpd="sng" algn="ctr">
+            <a:solidFill>
+              <a:srgbClr val="FFFFFF"/>
+            </a:solidFill>
+            <a:prstDash val="solid"/>
+            <a:round/>
+            <a:headEnd type="none" w="med" len="med"/>
+            <a:tailEnd type="none" w="med" len="med"/>
+          </a:ln>
+          <a:effectLst/>
+        </p:spPr>
+        <p:txBody>
+          <a:bodyPr vert="horz" wrap="square" lIns="91440" tIns="45720" rIns="91440" bIns="45720" numCol="1" rtlCol="0" anchor="t" anchorCtr="0" compatLnSpc="1">
+            <a:prstTxWarp prst="textNoShape">
+              <a:avLst/>
+            </a:prstTxWarp>
+          </a:bodyPr>
+          <a:lstStyle/>
+          <a:p>
+            <a:pPr marL="0" marR="0" indent="0" algn="l" defTabSz="914400" rtl="0" eaLnBrk="0" fontAlgn="base" latinLnBrk="0" hangingPunct="0">
+              <a:lnSpc>
+                <a:spcPct val="100000"/>
+              </a:lnSpc>
+              <a:spcBef>
+                <a:spcPct val="0"/>
+              </a:spcBef>
+              <a:spcAft>
+                <a:spcPct val="0"/>
+              </a:spcAft>
+              <a:buClrTx/>
+              <a:buSzTx/>
+              <a:buFontTx/>
+              <a:buNone/>
+              <a:tabLst/>
+            </a:pPr>
+            <a:endParaRPr kumimoji="0" lang="en-US" sz="2400" b="0" i="0" u="none" strike="noStrike" cap="none" normalizeH="0" baseline="0">
+              <a:ln>
+                <a:noFill/>
+              </a:ln>
+              <a:solidFill>
+                <a:schemeClr val="tx1"/>
+              </a:solidFill>
+              <a:effectLst/>
+              <a:latin typeface="Times" pitchFamily="68" charset="0"/>
+            </a:endParaRPr>
+          </a:p>
+        </p:txBody>
+      </p:sp>
+      <p:sp>
+        <p:nvSpPr>
+          <p:cNvPr id="20" name="Rectangle 19"/>
+          <p:cNvSpPr/>
+          <p:nvPr/>
+        </p:nvSpPr>
+        <p:spPr bwMode="auto">
+          <a:xfrm>
+            <a:off x="6611133" y="3688574"/>
+            <a:ext cx="2250399" cy="896501"/>
+          </a:xfrm>
+          <a:prstGeom prst="rect">
+            <a:avLst/>
+          </a:prstGeom>
+          <a:solidFill>
+            <a:srgbClr val="FFFFFF"/>
+          </a:solidFill>
+          <a:ln w="9525" cap="flat" cmpd="sng" algn="ctr">
+            <a:solidFill>
+              <a:srgbClr val="FFFFFF"/>
+            </a:solidFill>
+            <a:prstDash val="solid"/>
+            <a:round/>
+            <a:headEnd type="none" w="med" len="med"/>
+            <a:tailEnd type="none" w="med" len="med"/>
+          </a:ln>
+          <a:effectLst/>
+        </p:spPr>
+        <p:txBody>
+          <a:bodyPr vert="horz" wrap="square" lIns="91440" tIns="45720" rIns="91440" bIns="45720" numCol="1" rtlCol="0" anchor="t" anchorCtr="0" compatLnSpc="1">
+            <a:prstTxWarp prst="textNoShape">
+              <a:avLst/>
+            </a:prstTxWarp>
+          </a:bodyPr>
+          <a:lstStyle/>
+          <a:p>
+            <a:pPr marL="0" marR="0" indent="0" algn="l" defTabSz="914400" rtl="0" eaLnBrk="0" fontAlgn="base" latinLnBrk="0" hangingPunct="0">
+              <a:lnSpc>
+                <a:spcPct val="100000"/>
+              </a:lnSpc>
+              <a:spcBef>
+                <a:spcPct val="0"/>
+              </a:spcBef>
+              <a:spcAft>
+                <a:spcPct val="0"/>
+              </a:spcAft>
+              <a:buClrTx/>
+              <a:buSzTx/>
+              <a:buFontTx/>
+              <a:buNone/>
+              <a:tabLst/>
+            </a:pPr>
+            <a:endParaRPr kumimoji="0" lang="en-US" sz="2400" b="0" i="0" u="none" strike="noStrike" cap="none" normalizeH="0" baseline="0">
+              <a:ln>
+                <a:noFill/>
+              </a:ln>
+              <a:solidFill>
+                <a:schemeClr val="tx1"/>
+              </a:solidFill>
+              <a:effectLst/>
+              <a:latin typeface="Times" pitchFamily="68" charset="0"/>
+            </a:endParaRPr>
+          </a:p>
+        </p:txBody>
+      </p:sp>
+      <p:sp>
+        <p:nvSpPr>
+          <p:cNvPr id="21" name="Rectangle 20"/>
+          <p:cNvSpPr/>
+          <p:nvPr/>
+        </p:nvSpPr>
+        <p:spPr bwMode="auto">
+          <a:xfrm>
+            <a:off x="4360734" y="3044369"/>
+            <a:ext cx="2250399" cy="625682"/>
+          </a:xfrm>
+          <a:prstGeom prst="rect">
+            <a:avLst/>
+          </a:prstGeom>
+          <a:solidFill>
+            <a:srgbClr val="FFFFFF"/>
+          </a:solidFill>
+          <a:ln w="9525" cap="flat" cmpd="sng" algn="ctr">
+            <a:solidFill>
+              <a:srgbClr val="FFFFFF"/>
+            </a:solidFill>
+            <a:prstDash val="solid"/>
+            <a:round/>
+            <a:headEnd type="none" w="med" len="med"/>
+            <a:tailEnd type="none" w="med" len="med"/>
+          </a:ln>
+          <a:effectLst/>
+        </p:spPr>
+        <p:txBody>
+          <a:bodyPr vert="horz" wrap="square" lIns="91440" tIns="45720" rIns="91440" bIns="45720" numCol="1" rtlCol="0" anchor="t" anchorCtr="0" compatLnSpc="1">
+            <a:prstTxWarp prst="textNoShape">
+              <a:avLst/>
+            </a:prstTxWarp>
+          </a:bodyPr>
+          <a:lstStyle/>
+          <a:p>
+            <a:pPr marL="0" marR="0" indent="0" algn="l" defTabSz="914400" rtl="0" eaLnBrk="0" fontAlgn="base" latinLnBrk="0" hangingPunct="0">
+              <a:lnSpc>
+                <a:spcPct val="100000"/>
+              </a:lnSpc>
+              <a:spcBef>
+                <a:spcPct val="0"/>
+              </a:spcBef>
+              <a:spcAft>
+                <a:spcPct val="0"/>
+              </a:spcAft>
+              <a:buClrTx/>
+              <a:buSzTx/>
+              <a:buFontTx/>
+              <a:buNone/>
+              <a:tabLst/>
+            </a:pPr>
+            <a:endParaRPr kumimoji="0" lang="en-US" sz="2400" b="0" i="0" u="none" strike="noStrike" cap="none" normalizeH="0" baseline="0">
+              <a:ln>
+                <a:noFill/>
+              </a:ln>
+              <a:solidFill>
+                <a:schemeClr val="tx1"/>
+              </a:solidFill>
+              <a:effectLst/>
+              <a:latin typeface="Times" pitchFamily="68" charset="0"/>
+            </a:endParaRPr>
+          </a:p>
+        </p:txBody>
+      </p:sp>
+      <p:sp>
+        <p:nvSpPr>
+          <p:cNvPr id="22" name="Rectangle 21"/>
+          <p:cNvSpPr/>
+          <p:nvPr/>
+        </p:nvSpPr>
+        <p:spPr bwMode="auto">
+          <a:xfrm>
+            <a:off x="6611133" y="3044369"/>
+            <a:ext cx="2250399" cy="625682"/>
+          </a:xfrm>
+          <a:prstGeom prst="rect">
+            <a:avLst/>
+          </a:prstGeom>
+          <a:solidFill>
+            <a:srgbClr val="FFFFFF"/>
+          </a:solidFill>
+          <a:ln w="9525" cap="flat" cmpd="sng" algn="ctr">
+            <a:solidFill>
+              <a:srgbClr val="FFFFFF"/>
+            </a:solidFill>
+            <a:prstDash val="solid"/>
+            <a:round/>
+            <a:headEnd type="none" w="med" len="med"/>
+            <a:tailEnd type="none" w="med" len="med"/>
+          </a:ln>
+          <a:effectLst/>
+        </p:spPr>
+        <p:txBody>
+          <a:bodyPr vert="horz" wrap="square" lIns="91440" tIns="45720" rIns="91440" bIns="45720" numCol="1" rtlCol="0" anchor="t" anchorCtr="0" compatLnSpc="1">
+            <a:prstTxWarp prst="textNoShape">
+              <a:avLst/>
+            </a:prstTxWarp>
+          </a:bodyPr>
+          <a:lstStyle/>
+          <a:p>
+            <a:pPr marL="0" marR="0" indent="0" algn="l" defTabSz="914400" rtl="0" eaLnBrk="0" fontAlgn="base" latinLnBrk="0" hangingPunct="0">
+              <a:lnSpc>
+                <a:spcPct val="100000"/>
+              </a:lnSpc>
+              <a:spcBef>
+                <a:spcPct val="0"/>
+              </a:spcBef>
+              <a:spcAft>
+                <a:spcPct val="0"/>
+              </a:spcAft>
+              <a:buClrTx/>
+              <a:buSzTx/>
+              <a:buFontTx/>
+              <a:buNone/>
+              <a:tabLst/>
+            </a:pPr>
+            <a:endParaRPr kumimoji="0" lang="en-US" sz="2400" b="0" i="0" u="none" strike="noStrike" cap="none" normalizeH="0" baseline="0">
+              <a:ln>
+                <a:noFill/>
+              </a:ln>
+              <a:solidFill>
+                <a:schemeClr val="tx1"/>
+              </a:solidFill>
+              <a:effectLst/>
+              <a:latin typeface="Times" pitchFamily="68" charset="0"/>
+            </a:endParaRPr>
+          </a:p>
+        </p:txBody>
+      </p:sp>
+      <p:sp>
+        <p:nvSpPr>
+          <p:cNvPr id="23" name="Rectangle 22"/>
+          <p:cNvSpPr/>
+          <p:nvPr/>
+        </p:nvSpPr>
+        <p:spPr bwMode="auto">
+          <a:xfrm>
+            <a:off x="4360734" y="4585075"/>
+            <a:ext cx="2250399" cy="896501"/>
+          </a:xfrm>
+          <a:prstGeom prst="rect">
+            <a:avLst/>
+          </a:prstGeom>
+          <a:solidFill>
+            <a:srgbClr val="FFFFFF"/>
+          </a:solidFill>
+          <a:ln w="9525" cap="flat" cmpd="sng" algn="ctr">
+            <a:solidFill>
+              <a:srgbClr val="FFFFFF"/>
+            </a:solidFill>
+            <a:prstDash val="solid"/>
+            <a:round/>
+            <a:headEnd type="none" w="med" len="med"/>
+            <a:tailEnd type="none" w="med" len="med"/>
+          </a:ln>
+          <a:effectLst/>
+        </p:spPr>
+        <p:txBody>
+          <a:bodyPr vert="horz" wrap="square" lIns="91440" tIns="45720" rIns="91440" bIns="45720" numCol="1" rtlCol="0" anchor="t" anchorCtr="0" compatLnSpc="1">
+            <a:prstTxWarp prst="textNoShape">
+              <a:avLst/>
+            </a:prstTxWarp>
+          </a:bodyPr>
+          <a:lstStyle/>
+          <a:p>
+            <a:pPr marL="0" marR="0" indent="0" algn="l" defTabSz="914400" rtl="0" eaLnBrk="0" fontAlgn="base" latinLnBrk="0" hangingPunct="0">
+              <a:lnSpc>
+                <a:spcPct val="100000"/>
+              </a:lnSpc>
+              <a:spcBef>
+                <a:spcPct val="0"/>
+              </a:spcBef>
+              <a:spcAft>
+                <a:spcPct val="0"/>
+              </a:spcAft>
+              <a:buClrTx/>
+              <a:buSzTx/>
+              <a:buFontTx/>
+              <a:buNone/>
+              <a:tabLst/>
+            </a:pPr>
+            <a:endParaRPr kumimoji="0" lang="en-US" sz="2400" b="0" i="0" u="none" strike="noStrike" cap="none" normalizeH="0" baseline="0">
+              <a:ln>
+                <a:noFill/>
+              </a:ln>
+              <a:solidFill>
+                <a:schemeClr val="tx1"/>
+              </a:solidFill>
+              <a:effectLst/>
+              <a:latin typeface="Times" pitchFamily="68" charset="0"/>
+            </a:endParaRPr>
+          </a:p>
+        </p:txBody>
+      </p:sp>
+      <p:sp>
+        <p:nvSpPr>
+          <p:cNvPr id="24" name="Rectangle 23"/>
+          <p:cNvSpPr/>
+          <p:nvPr/>
+        </p:nvSpPr>
+        <p:spPr bwMode="auto">
+          <a:xfrm>
+            <a:off x="6620475" y="4585075"/>
+            <a:ext cx="2250399" cy="896501"/>
+          </a:xfrm>
+          <a:prstGeom prst="rect">
+            <a:avLst/>
+          </a:prstGeom>
+          <a:solidFill>
+            <a:srgbClr val="FFFFFF"/>
+          </a:solidFill>
+          <a:ln w="9525" cap="flat" cmpd="sng" algn="ctr">
+            <a:solidFill>
+              <a:srgbClr val="FFFFFF"/>
+            </a:solidFill>
+            <a:prstDash val="solid"/>
+            <a:round/>
+            <a:headEnd type="none" w="med" len="med"/>
+            <a:tailEnd type="none" w="med" len="med"/>
+          </a:ln>
+          <a:effectLst/>
+        </p:spPr>
+        <p:txBody>
+          <a:bodyPr vert="horz" wrap="square" lIns="91440" tIns="45720" rIns="91440" bIns="45720" numCol="1" rtlCol="0" anchor="t" anchorCtr="0" compatLnSpc="1">
+            <a:prstTxWarp prst="textNoShape">
+              <a:avLst/>
+            </a:prstTxWarp>
+          </a:bodyPr>
+          <a:lstStyle/>
+          <a:p>
+            <a:pPr marL="0" marR="0" indent="0" algn="l" defTabSz="914400" rtl="0" eaLnBrk="0" fontAlgn="base" latinLnBrk="0" hangingPunct="0">
+              <a:lnSpc>
+                <a:spcPct val="100000"/>
+              </a:lnSpc>
+              <a:spcBef>
+                <a:spcPct val="0"/>
+              </a:spcBef>
+              <a:spcAft>
+                <a:spcPct val="0"/>
+              </a:spcAft>
+              <a:buClrTx/>
+              <a:buSzTx/>
+              <a:buFontTx/>
+              <a:buNone/>
+              <a:tabLst/>
+            </a:pPr>
+            <a:endParaRPr kumimoji="0" lang="en-US" sz="2400" b="0" i="0" u="none" strike="noStrike" cap="none" normalizeH="0" baseline="0">
+              <a:ln>
+                <a:noFill/>
+              </a:ln>
+              <a:solidFill>
+                <a:schemeClr val="tx1"/>
+              </a:solidFill>
+              <a:effectLst/>
+              <a:latin typeface="Times" pitchFamily="68" charset="0"/>
+            </a:endParaRPr>
+          </a:p>
+        </p:txBody>
+      </p:sp>
     </p:spTree>
     <p:extLst>
       <p:ext uri="{BB962C8B-B14F-4D97-AF65-F5344CB8AC3E}">
@@ -8710,9 +10334,412 @@
   <p:timing>
     <p:tnLst>
       <p:par>
-        <p:cTn xmlns:p14="http://schemas.microsoft.com/office/powerpoint/2010/main" id="1" dur="indefinite" restart="never" nodeType="tmRoot"/>
+        <p:cTn xmlns:p14="http://schemas.microsoft.com/office/powerpoint/2010/main" id="1" dur="indefinite" restart="never" nodeType="tmRoot">
+          <p:childTnLst>
+            <p:seq concurrent="1" nextAc="seek">
+              <p:cTn id="2" dur="indefinite" nodeType="mainSeq">
+                <p:childTnLst>
+                  <p:par>
+                    <p:cTn id="3" fill="hold">
+                      <p:stCondLst>
+                        <p:cond delay="indefinite"/>
+                      </p:stCondLst>
+                      <p:childTnLst>
+                        <p:par>
+                          <p:cTn id="4" fill="hold">
+                            <p:stCondLst>
+                              <p:cond delay="0"/>
+                            </p:stCondLst>
+                            <p:childTnLst>
+                              <p:par>
+                                <p:cTn id="5" presetID="10" presetClass="exit" presetSubtype="0" fill="hold" grpId="0" nodeType="clickEffect">
+                                  <p:stCondLst>
+                                    <p:cond delay="0"/>
+                                  </p:stCondLst>
+                                  <p:childTnLst>
+                                    <p:animEffect transition="out" filter="fade">
+                                      <p:cBhvr>
+                                        <p:cTn id="6" dur="500"/>
+                                        <p:tgtEl>
+                                          <p:spTgt spid="17"/>
+                                        </p:tgtEl>
+                                      </p:cBhvr>
+                                    </p:animEffect>
+                                    <p:set>
+                                      <p:cBhvr>
+                                        <p:cTn id="7" dur="1" fill="hold">
+                                          <p:stCondLst>
+                                            <p:cond delay="499"/>
+                                          </p:stCondLst>
+                                        </p:cTn>
+                                        <p:tgtEl>
+                                          <p:spTgt spid="17"/>
+                                        </p:tgtEl>
+                                        <p:attrNameLst>
+                                          <p:attrName>style.visibility</p:attrName>
+                                        </p:attrNameLst>
+                                      </p:cBhvr>
+                                      <p:to>
+                                        <p:strVal val="hidden"/>
+                                      </p:to>
+                                    </p:set>
+                                  </p:childTnLst>
+                                </p:cTn>
+                              </p:par>
+                            </p:childTnLst>
+                          </p:cTn>
+                        </p:par>
+                      </p:childTnLst>
+                    </p:cTn>
+                  </p:par>
+                  <p:par>
+                    <p:cTn id="8" fill="hold">
+                      <p:stCondLst>
+                        <p:cond delay="indefinite"/>
+                      </p:stCondLst>
+                      <p:childTnLst>
+                        <p:par>
+                          <p:cTn id="9" fill="hold">
+                            <p:stCondLst>
+                              <p:cond delay="0"/>
+                            </p:stCondLst>
+                            <p:childTnLst>
+                              <p:par>
+                                <p:cTn id="10" presetID="10" presetClass="exit" presetSubtype="0" fill="hold" grpId="0" nodeType="clickEffect">
+                                  <p:stCondLst>
+                                    <p:cond delay="0"/>
+                                  </p:stCondLst>
+                                  <p:childTnLst>
+                                    <p:animEffect transition="out" filter="fade">
+                                      <p:cBhvr>
+                                        <p:cTn id="11" dur="500"/>
+                                        <p:tgtEl>
+                                          <p:spTgt spid="21"/>
+                                        </p:tgtEl>
+                                      </p:cBhvr>
+                                    </p:animEffect>
+                                    <p:set>
+                                      <p:cBhvr>
+                                        <p:cTn id="12" dur="1" fill="hold">
+                                          <p:stCondLst>
+                                            <p:cond delay="499"/>
+                                          </p:stCondLst>
+                                        </p:cTn>
+                                        <p:tgtEl>
+                                          <p:spTgt spid="21"/>
+                                        </p:tgtEl>
+                                        <p:attrNameLst>
+                                          <p:attrName>style.visibility</p:attrName>
+                                        </p:attrNameLst>
+                                      </p:cBhvr>
+                                      <p:to>
+                                        <p:strVal val="hidden"/>
+                                      </p:to>
+                                    </p:set>
+                                  </p:childTnLst>
+                                </p:cTn>
+                              </p:par>
+                            </p:childTnLst>
+                          </p:cTn>
+                        </p:par>
+                      </p:childTnLst>
+                    </p:cTn>
+                  </p:par>
+                  <p:par>
+                    <p:cTn id="13" fill="hold">
+                      <p:stCondLst>
+                        <p:cond delay="indefinite"/>
+                      </p:stCondLst>
+                      <p:childTnLst>
+                        <p:par>
+                          <p:cTn id="14" fill="hold">
+                            <p:stCondLst>
+                              <p:cond delay="0"/>
+                            </p:stCondLst>
+                            <p:childTnLst>
+                              <p:par>
+                                <p:cTn id="15" presetID="10" presetClass="exit" presetSubtype="0" fill="hold" grpId="0" nodeType="clickEffect">
+                                  <p:stCondLst>
+                                    <p:cond delay="0"/>
+                                  </p:stCondLst>
+                                  <p:childTnLst>
+                                    <p:animEffect transition="out" filter="fade">
+                                      <p:cBhvr>
+                                        <p:cTn id="16" dur="500"/>
+                                        <p:tgtEl>
+                                          <p:spTgt spid="22"/>
+                                        </p:tgtEl>
+                                      </p:cBhvr>
+                                    </p:animEffect>
+                                    <p:set>
+                                      <p:cBhvr>
+                                        <p:cTn id="17" dur="1" fill="hold">
+                                          <p:stCondLst>
+                                            <p:cond delay="499"/>
+                                          </p:stCondLst>
+                                        </p:cTn>
+                                        <p:tgtEl>
+                                          <p:spTgt spid="22"/>
+                                        </p:tgtEl>
+                                        <p:attrNameLst>
+                                          <p:attrName>style.visibility</p:attrName>
+                                        </p:attrNameLst>
+                                      </p:cBhvr>
+                                      <p:to>
+                                        <p:strVal val="hidden"/>
+                                      </p:to>
+                                    </p:set>
+                                  </p:childTnLst>
+                                </p:cTn>
+                              </p:par>
+                            </p:childTnLst>
+                          </p:cTn>
+                        </p:par>
+                      </p:childTnLst>
+                    </p:cTn>
+                  </p:par>
+                  <p:par>
+                    <p:cTn id="18" fill="hold">
+                      <p:stCondLst>
+                        <p:cond delay="indefinite"/>
+                      </p:stCondLst>
+                      <p:childTnLst>
+                        <p:par>
+                          <p:cTn id="19" fill="hold">
+                            <p:stCondLst>
+                              <p:cond delay="0"/>
+                            </p:stCondLst>
+                            <p:childTnLst>
+                              <p:par>
+                                <p:cTn id="20" presetID="10" presetClass="exit" presetSubtype="0" fill="hold" grpId="0" nodeType="clickEffect">
+                                  <p:stCondLst>
+                                    <p:cond delay="0"/>
+                                  </p:stCondLst>
+                                  <p:childTnLst>
+                                    <p:animEffect transition="out" filter="fade">
+                                      <p:cBhvr>
+                                        <p:cTn id="21" dur="500"/>
+                                        <p:tgtEl>
+                                          <p:spTgt spid="19"/>
+                                        </p:tgtEl>
+                                      </p:cBhvr>
+                                    </p:animEffect>
+                                    <p:set>
+                                      <p:cBhvr>
+                                        <p:cTn id="22" dur="1" fill="hold">
+                                          <p:stCondLst>
+                                            <p:cond delay="499"/>
+                                          </p:stCondLst>
+                                        </p:cTn>
+                                        <p:tgtEl>
+                                          <p:spTgt spid="19"/>
+                                        </p:tgtEl>
+                                        <p:attrNameLst>
+                                          <p:attrName>style.visibility</p:attrName>
+                                        </p:attrNameLst>
+                                      </p:cBhvr>
+                                      <p:to>
+                                        <p:strVal val="hidden"/>
+                                      </p:to>
+                                    </p:set>
+                                  </p:childTnLst>
+                                </p:cTn>
+                              </p:par>
+                            </p:childTnLst>
+                          </p:cTn>
+                        </p:par>
+                      </p:childTnLst>
+                    </p:cTn>
+                  </p:par>
+                  <p:par>
+                    <p:cTn id="23" fill="hold">
+                      <p:stCondLst>
+                        <p:cond delay="indefinite"/>
+                      </p:stCondLst>
+                      <p:childTnLst>
+                        <p:par>
+                          <p:cTn id="24" fill="hold">
+                            <p:stCondLst>
+                              <p:cond delay="0"/>
+                            </p:stCondLst>
+                            <p:childTnLst>
+                              <p:par>
+                                <p:cTn id="25" presetID="10" presetClass="exit" presetSubtype="0" fill="hold" grpId="0" nodeType="clickEffect">
+                                  <p:stCondLst>
+                                    <p:cond delay="0"/>
+                                  </p:stCondLst>
+                                  <p:childTnLst>
+                                    <p:animEffect transition="out" filter="fade">
+                                      <p:cBhvr>
+                                        <p:cTn id="26" dur="500"/>
+                                        <p:tgtEl>
+                                          <p:spTgt spid="20"/>
+                                        </p:tgtEl>
+                                      </p:cBhvr>
+                                    </p:animEffect>
+                                    <p:set>
+                                      <p:cBhvr>
+                                        <p:cTn id="27" dur="1" fill="hold">
+                                          <p:stCondLst>
+                                            <p:cond delay="499"/>
+                                          </p:stCondLst>
+                                        </p:cTn>
+                                        <p:tgtEl>
+                                          <p:spTgt spid="20"/>
+                                        </p:tgtEl>
+                                        <p:attrNameLst>
+                                          <p:attrName>style.visibility</p:attrName>
+                                        </p:attrNameLst>
+                                      </p:cBhvr>
+                                      <p:to>
+                                        <p:strVal val="hidden"/>
+                                      </p:to>
+                                    </p:set>
+                                  </p:childTnLst>
+                                </p:cTn>
+                              </p:par>
+                            </p:childTnLst>
+                          </p:cTn>
+                        </p:par>
+                      </p:childTnLst>
+                    </p:cTn>
+                  </p:par>
+                  <p:par>
+                    <p:cTn id="28" fill="hold">
+                      <p:stCondLst>
+                        <p:cond delay="indefinite"/>
+                      </p:stCondLst>
+                      <p:childTnLst>
+                        <p:par>
+                          <p:cTn id="29" fill="hold">
+                            <p:stCondLst>
+                              <p:cond delay="0"/>
+                            </p:stCondLst>
+                            <p:childTnLst>
+                              <p:par>
+                                <p:cTn id="30" presetID="10" presetClass="exit" presetSubtype="0" fill="hold" grpId="0" nodeType="clickEffect">
+                                  <p:stCondLst>
+                                    <p:cond delay="0"/>
+                                  </p:stCondLst>
+                                  <p:childTnLst>
+                                    <p:animEffect transition="out" filter="fade">
+                                      <p:cBhvr>
+                                        <p:cTn id="31" dur="500"/>
+                                        <p:tgtEl>
+                                          <p:spTgt spid="23"/>
+                                        </p:tgtEl>
+                                      </p:cBhvr>
+                                    </p:animEffect>
+                                    <p:set>
+                                      <p:cBhvr>
+                                        <p:cTn id="32" dur="1" fill="hold">
+                                          <p:stCondLst>
+                                            <p:cond delay="499"/>
+                                          </p:stCondLst>
+                                        </p:cTn>
+                                        <p:tgtEl>
+                                          <p:spTgt spid="23"/>
+                                        </p:tgtEl>
+                                        <p:attrNameLst>
+                                          <p:attrName>style.visibility</p:attrName>
+                                        </p:attrNameLst>
+                                      </p:cBhvr>
+                                      <p:to>
+                                        <p:strVal val="hidden"/>
+                                      </p:to>
+                                    </p:set>
+                                  </p:childTnLst>
+                                </p:cTn>
+                              </p:par>
+                            </p:childTnLst>
+                          </p:cTn>
+                        </p:par>
+                      </p:childTnLst>
+                    </p:cTn>
+                  </p:par>
+                  <p:par>
+                    <p:cTn id="33" fill="hold">
+                      <p:stCondLst>
+                        <p:cond delay="indefinite"/>
+                      </p:stCondLst>
+                      <p:childTnLst>
+                        <p:par>
+                          <p:cTn id="34" fill="hold">
+                            <p:stCondLst>
+                              <p:cond delay="0"/>
+                            </p:stCondLst>
+                            <p:childTnLst>
+                              <p:par>
+                                <p:cTn id="35" presetID="10" presetClass="exit" presetSubtype="0" fill="hold" grpId="0" nodeType="clickEffect">
+                                  <p:stCondLst>
+                                    <p:cond delay="0"/>
+                                  </p:stCondLst>
+                                  <p:childTnLst>
+                                    <p:animEffect transition="out" filter="fade">
+                                      <p:cBhvr>
+                                        <p:cTn id="36" dur="500"/>
+                                        <p:tgtEl>
+                                          <p:spTgt spid="24"/>
+                                        </p:tgtEl>
+                                      </p:cBhvr>
+                                    </p:animEffect>
+                                    <p:set>
+                                      <p:cBhvr>
+                                        <p:cTn id="37" dur="1" fill="hold">
+                                          <p:stCondLst>
+                                            <p:cond delay="499"/>
+                                          </p:stCondLst>
+                                        </p:cTn>
+                                        <p:tgtEl>
+                                          <p:spTgt spid="24"/>
+                                        </p:tgtEl>
+                                        <p:attrNameLst>
+                                          <p:attrName>style.visibility</p:attrName>
+                                        </p:attrNameLst>
+                                      </p:cBhvr>
+                                      <p:to>
+                                        <p:strVal val="hidden"/>
+                                      </p:to>
+                                    </p:set>
+                                  </p:childTnLst>
+                                </p:cTn>
+                              </p:par>
+                            </p:childTnLst>
+                          </p:cTn>
+                        </p:par>
+                      </p:childTnLst>
+                    </p:cTn>
+                  </p:par>
+                </p:childTnLst>
+              </p:cTn>
+              <p:prevCondLst>
+                <p:cond evt="onPrev" delay="0">
+                  <p:tgtEl>
+                    <p:sldTgt/>
+                  </p:tgtEl>
+                </p:cond>
+              </p:prevCondLst>
+              <p:nextCondLst>
+                <p:cond evt="onNext" delay="0">
+                  <p:tgtEl>
+                    <p:sldTgt/>
+                  </p:tgtEl>
+                </p:cond>
+              </p:nextCondLst>
+            </p:seq>
+          </p:childTnLst>
+        </p:cTn>
       </p:par>
     </p:tnLst>
+    <p:bldLst>
+      <p:bldP spid="17" grpId="0" animBg="1"/>
+      <p:bldP spid="19" grpId="0" animBg="1"/>
+      <p:bldP spid="20" grpId="0" animBg="1"/>
+      <p:bldP spid="21" grpId="0" animBg="1"/>
+      <p:bldP spid="22" grpId="0" animBg="1"/>
+      <p:bldP spid="23" grpId="0" animBg="1"/>
+      <p:bldP spid="24" grpId="0" animBg="1"/>
+    </p:bldLst>
   </p:timing>
 </p:sld>
 </file>
@@ -8760,7 +10787,19 @@
             </a:br>
             <a:r>
               <a:rPr lang="en-US" dirty="0" smtClean="0"/>
-              <a:t>Tool #4: Short iterations</a:t>
+              <a:t>		Tool </a:t>
+            </a:r>
+            <a:r>
+              <a:rPr lang="en-US" dirty="0" smtClean="0">
+                <a:solidFill>
+                  <a:srgbClr val="FF0000"/>
+                </a:solidFill>
+              </a:rPr>
+              <a:t>#4</a:t>
+            </a:r>
+            <a:r>
+              <a:rPr lang="en-US" dirty="0" smtClean="0"/>
+              <a:t>: Short iterations</a:t>
             </a:r>
             <a:endParaRPr lang="en-US" dirty="0"/>
           </a:p>
@@ -8778,8 +10817,8 @@
         </p:nvSpPr>
         <p:spPr>
           <a:xfrm>
-            <a:off x="457200" y="1600201"/>
-            <a:ext cx="8229600" cy="2176788"/>
+            <a:off x="457200" y="1746309"/>
+            <a:ext cx="8229600" cy="2030680"/>
           </a:xfrm>
         </p:spPr>
         <p:txBody>
@@ -8798,14 +10837,26 @@
           </a:p>
           <a:p>
             <a:r>
+              <a:rPr lang="en-US" sz="2800" dirty="0"/>
+              <a:t>I</a:t>
+            </a:r>
+            <a:r>
               <a:rPr lang="en-US" sz="2800" dirty="0" smtClean="0"/>
-              <a:t>increase control, </a:t>
-            </a:r>
-          </a:p>
-          <a:p>
+              <a:t>ncrease </a:t>
+            </a:r>
             <a:r>
               <a:rPr lang="en-US" sz="2800" dirty="0" smtClean="0"/>
-              <a:t>help synchronizing developers and customer</a:t>
+              <a:t>control, </a:t>
+            </a:r>
+          </a:p>
+          <a:p>
+            <a:r>
+              <a:rPr lang="en-US" sz="2800" dirty="0" smtClean="0"/>
+              <a:t>Help </a:t>
+            </a:r>
+            <a:r>
+              <a:rPr lang="en-US" sz="2800" dirty="0" smtClean="0"/>
+              <a:t>synchronizing developers and customer</a:t>
             </a:r>
           </a:p>
           <a:p>
@@ -8828,8 +10879,8 @@
         </p:nvSpPr>
         <p:spPr>
           <a:xfrm>
-            <a:off x="586128" y="4151430"/>
-            <a:ext cx="814066" cy="2165256"/>
+            <a:off x="586128" y="4221038"/>
+            <a:ext cx="814066" cy="2338462"/>
           </a:xfrm>
           <a:prstGeom prst="foldedCorner">
             <a:avLst/>
@@ -8837,16 +10888,16 @@
         </p:spPr>
         <p:style>
           <a:lnRef idx="1">
-            <a:schemeClr val="accent1"/>
+            <a:schemeClr val="dk1"/>
           </a:lnRef>
-          <a:fillRef idx="3">
-            <a:schemeClr val="accent1"/>
+          <a:fillRef idx="2">
+            <a:schemeClr val="dk1"/>
           </a:fillRef>
-          <a:effectRef idx="2">
-            <a:schemeClr val="accent1"/>
+          <a:effectRef idx="1">
+            <a:schemeClr val="dk1"/>
           </a:effectRef>
           <a:fontRef idx="minor">
-            <a:schemeClr val="lt1"/>
+            <a:schemeClr val="dk1"/>
           </a:fontRef>
         </p:style>
         <p:txBody>
@@ -8870,8 +10921,8 @@
         </p:nvSpPr>
         <p:spPr>
           <a:xfrm>
-            <a:off x="2523606" y="4151430"/>
-            <a:ext cx="4965804" cy="504684"/>
+            <a:off x="2523605" y="4394244"/>
+            <a:ext cx="5534881" cy="504684"/>
           </a:xfrm>
           <a:prstGeom prst="rect">
             <a:avLst/>
@@ -8912,12 +10963,26 @@
         </p:nvSpPr>
         <p:spPr>
           <a:xfrm>
-            <a:off x="2523606" y="5063117"/>
+            <a:off x="2523606" y="5305931"/>
             <a:ext cx="1514163" cy="504684"/>
           </a:xfrm>
           <a:prstGeom prst="rect">
             <a:avLst/>
           </a:prstGeom>
+          <a:gradFill flip="none" rotWithShape="1">
+            <a:gsLst>
+              <a:gs pos="0">
+                <a:srgbClr val="006633"/>
+              </a:gs>
+              <a:gs pos="100000">
+                <a:srgbClr val="33CC00"/>
+              </a:gs>
+            </a:gsLst>
+            <a:path path="rect">
+              <a:fillToRect l="100000" t="100000"/>
+            </a:path>
+            <a:tileRect r="-100000" b="-100000"/>
+          </a:gradFill>
         </p:spPr>
         <p:style>
           <a:lnRef idx="1">
@@ -8954,12 +11019,26 @@
         </p:nvSpPr>
         <p:spPr>
           <a:xfrm>
-            <a:off x="4249427" y="5063117"/>
+            <a:off x="4533965" y="5305931"/>
             <a:ext cx="1514163" cy="504684"/>
           </a:xfrm>
           <a:prstGeom prst="rect">
             <a:avLst/>
           </a:prstGeom>
+          <a:gradFill flip="none" rotWithShape="1">
+            <a:gsLst>
+              <a:gs pos="0">
+                <a:srgbClr val="006633"/>
+              </a:gs>
+              <a:gs pos="100000">
+                <a:srgbClr val="33CC00"/>
+              </a:gs>
+            </a:gsLst>
+            <a:path path="rect">
+              <a:fillToRect l="100000" t="100000"/>
+            </a:path>
+            <a:tileRect r="-100000" b="-100000"/>
+          </a:gradFill>
         </p:spPr>
         <p:style>
           <a:lnRef idx="1">
@@ -8981,7 +11060,7 @@
           <a:p>
             <a:pPr algn="ctr"/>
             <a:r>
-              <a:rPr lang="en-US" dirty="0" smtClean="0"/>
+              <a:rPr lang="en-US" dirty="0"/>
               <a:t>Increment 2</a:t>
             </a:r>
             <a:endParaRPr lang="en-US" dirty="0"/>
@@ -8996,12 +11075,26 @@
         </p:nvSpPr>
         <p:spPr>
           <a:xfrm>
-            <a:off x="5975247" y="5063117"/>
+            <a:off x="6544323" y="5279537"/>
             <a:ext cx="1514163" cy="504684"/>
           </a:xfrm>
           <a:prstGeom prst="rect">
             <a:avLst/>
           </a:prstGeom>
+          <a:gradFill flip="none" rotWithShape="1">
+            <a:gsLst>
+              <a:gs pos="0">
+                <a:srgbClr val="006633"/>
+              </a:gs>
+              <a:gs pos="100000">
+                <a:srgbClr val="33CC00"/>
+              </a:gs>
+            </a:gsLst>
+            <a:path path="rect">
+              <a:fillToRect l="100000" t="100000"/>
+            </a:path>
+            <a:tileRect r="-100000" b="-100000"/>
+          </a:gradFill>
         </p:spPr>
         <p:style>
           <a:lnRef idx="1">
@@ -9023,7 +11116,7 @@
           <a:p>
             <a:pPr algn="ctr"/>
             <a:r>
-              <a:rPr lang="en-US" dirty="0" smtClean="0"/>
+              <a:rPr lang="en-US" dirty="0"/>
               <a:t>Increment 3</a:t>
             </a:r>
             <a:endParaRPr lang="en-US" dirty="0"/>
@@ -9038,12 +11131,17 @@
         </p:nvSpPr>
         <p:spPr>
           <a:xfrm>
-            <a:off x="1579289" y="4151431"/>
+            <a:off x="1579289" y="4394245"/>
             <a:ext cx="195376" cy="553525"/>
           </a:xfrm>
           <a:prstGeom prst="rightBrace">
             <a:avLst/>
           </a:prstGeom>
+          <a:ln>
+            <a:solidFill>
+              <a:srgbClr val="0000FF"/>
+            </a:solidFill>
+          </a:ln>
         </p:spPr>
         <p:style>
           <a:lnRef idx="2">
@@ -9076,12 +11174,17 @@
         </p:nvSpPr>
         <p:spPr>
           <a:xfrm>
-            <a:off x="1579289" y="4908455"/>
+            <a:off x="1579289" y="5151269"/>
             <a:ext cx="195376" cy="553525"/>
           </a:xfrm>
           <a:prstGeom prst="rightBrace">
             <a:avLst/>
           </a:prstGeom>
+          <a:ln>
+            <a:solidFill>
+              <a:srgbClr val="0000FF"/>
+            </a:solidFill>
+          </a:ln>
         </p:spPr>
         <p:style>
           <a:lnRef idx="2">
@@ -9114,12 +11217,17 @@
         </p:nvSpPr>
         <p:spPr>
           <a:xfrm>
-            <a:off x="1579289" y="5665480"/>
+            <a:off x="1579289" y="5908294"/>
             <a:ext cx="195376" cy="553525"/>
           </a:xfrm>
           <a:prstGeom prst="rightBrace">
             <a:avLst/>
           </a:prstGeom>
+          <a:ln>
+            <a:solidFill>
+              <a:srgbClr val="0000FF"/>
+            </a:solidFill>
+          </a:ln>
         </p:spPr>
         <p:style>
           <a:lnRef idx="2">
@@ -9155,17 +11263,15 @@
         </p:nvCxnSpPr>
         <p:spPr>
           <a:xfrm flipV="1">
-            <a:off x="1400194" y="4403772"/>
-            <a:ext cx="1123412" cy="830286"/>
+            <a:off x="1400194" y="4646586"/>
+            <a:ext cx="1123411" cy="743683"/>
           </a:xfrm>
           <a:prstGeom prst="straightConnector1">
             <a:avLst/>
           </a:prstGeom>
           <a:ln w="57150" cmpd="sng">
             <a:solidFill>
-              <a:schemeClr val="bg1">
-                <a:lumMod val="50000"/>
-              </a:schemeClr>
+              <a:schemeClr val="tx1"/>
             </a:solidFill>
             <a:tailEnd type="arrow"/>
           </a:ln>
@@ -9197,7 +11303,7 @@
         </p:nvCxnSpPr>
         <p:spPr>
           <a:xfrm>
-            <a:off x="1774665" y="4428194"/>
+            <a:off x="1774665" y="4671008"/>
             <a:ext cx="748941" cy="887265"/>
           </a:xfrm>
           <a:prstGeom prst="straightConnector1">
@@ -9205,9 +11311,7 @@
           </a:prstGeom>
           <a:ln w="57150" cmpd="sng">
             <a:solidFill>
-              <a:schemeClr val="accent3">
-                <a:lumMod val="75000"/>
-              </a:schemeClr>
+              <a:srgbClr val="0000FF"/>
             </a:solidFill>
             <a:tailEnd type="arrow"/>
           </a:ln>
@@ -9239,21 +11343,19 @@
         </p:nvCxnSpPr>
         <p:spPr>
           <a:xfrm flipH="1" flipV="1">
-            <a:off x="586128" y="5234058"/>
-            <a:ext cx="3451641" cy="81401"/>
+            <a:off x="586128" y="5390269"/>
+            <a:ext cx="3451641" cy="168004"/>
           </a:xfrm>
           <a:prstGeom prst="bentConnector5">
             <a:avLst>
-              <a:gd name="adj1" fmla="val -6623"/>
-              <a:gd name="adj2" fmla="val 1710825"/>
-              <a:gd name="adj3" fmla="val 110868"/>
+              <a:gd name="adj1" fmla="val -2836"/>
+              <a:gd name="adj2" fmla="val 932022"/>
+              <a:gd name="adj3" fmla="val 109869"/>
             </a:avLst>
           </a:prstGeom>
           <a:ln w="57150" cmpd="sng">
             <a:solidFill>
-              <a:schemeClr val="accent3">
-                <a:lumMod val="75000"/>
-              </a:schemeClr>
+              <a:srgbClr val="0000FF"/>
             </a:solidFill>
             <a:tailEnd type="arrow"/>
           </a:ln>
@@ -9282,7 +11384,7 @@
         </p:nvSpPr>
         <p:spPr>
           <a:xfrm>
-            <a:off x="634971" y="4941015"/>
+            <a:off x="634971" y="5006388"/>
             <a:ext cx="700097" cy="154662"/>
           </a:xfrm>
           <a:prstGeom prst="rect">
@@ -9320,7 +11422,7 @@
         </p:nvSpPr>
         <p:spPr>
           <a:xfrm>
-            <a:off x="797784" y="5028301"/>
+            <a:off x="797784" y="5093674"/>
             <a:ext cx="382436" cy="523220"/>
           </a:xfrm>
           <a:prstGeom prst="rect">
@@ -9352,29 +11454,145 @@
       </p:sp>
       <p:cxnSp>
         <p:nvCxnSpPr>
-          <p:cNvPr id="24" name="Elbow Connector 23"/>
+          <p:cNvPr id="44" name="Elbow Connector 43"/>
           <p:cNvCxnSpPr>
-            <a:stCxn id="12" idx="1"/>
-            <a:endCxn id="9" idx="2"/>
+            <a:stCxn id="9" idx="3"/>
+            <a:endCxn id="49" idx="1"/>
           </p:cNvCxnSpPr>
           <p:nvPr/>
         </p:nvCxnSpPr>
         <p:spPr>
-          <a:xfrm rot="10800000" flipH="1" flipV="1">
-            <a:off x="1774665" y="5185217"/>
-            <a:ext cx="3231844" cy="382583"/>
+          <a:xfrm flipH="1">
+            <a:off x="634971" y="5558273"/>
+            <a:ext cx="5413157" cy="648774"/>
           </a:xfrm>
-          <a:prstGeom prst="bentConnector4">
+          <a:prstGeom prst="bentConnector5">
             <a:avLst>
-              <a:gd name="adj1" fmla="val 7536"/>
-              <a:gd name="adj2" fmla="val 193795"/>
+              <a:gd name="adj1" fmla="val -1980"/>
+              <a:gd name="adj2" fmla="val -261820"/>
+              <a:gd name="adj3" fmla="val 109743"/>
             </a:avLst>
           </a:prstGeom>
           <a:ln w="57150" cmpd="sng">
             <a:solidFill>
-              <a:schemeClr val="accent3">
-                <a:lumMod val="75000"/>
-              </a:schemeClr>
+              <a:srgbClr val="0000FF"/>
+            </a:solidFill>
+            <a:tailEnd type="arrow"/>
+          </a:ln>
+          <a:effectLst/>
+        </p:spPr>
+        <p:style>
+          <a:lnRef idx="2">
+            <a:schemeClr val="accent1"/>
+          </a:lnRef>
+          <a:fillRef idx="0">
+            <a:schemeClr val="accent1"/>
+          </a:fillRef>
+          <a:effectRef idx="1">
+            <a:schemeClr val="accent1"/>
+          </a:effectRef>
+          <a:fontRef idx="minor">
+            <a:schemeClr val="tx1"/>
+          </a:fontRef>
+        </p:style>
+      </p:cxnSp>
+      <p:sp>
+        <p:nvSpPr>
+          <p:cNvPr id="48" name="TextBox 47"/>
+          <p:cNvSpPr txBox="1"/>
+          <p:nvPr/>
+        </p:nvSpPr>
+        <p:spPr>
+          <a:xfrm>
+            <a:off x="758966" y="5633174"/>
+            <a:ext cx="382436" cy="523220"/>
+          </a:xfrm>
+          <a:prstGeom prst="rect">
+            <a:avLst/>
+          </a:prstGeom>
+          <a:noFill/>
+        </p:spPr>
+        <p:txBody>
+          <a:bodyPr wrap="none" rtlCol="0">
+            <a:spAutoFit/>
+          </a:bodyPr>
+          <a:lstStyle/>
+          <a:p>
+            <a:r>
+              <a:rPr lang="en-US" sz="2800" b="1" dirty="0" smtClean="0">
+                <a:solidFill>
+                  <a:srgbClr val="FF0000"/>
+                </a:solidFill>
+              </a:rPr>
+              <a:t>X</a:t>
+            </a:r>
+            <a:endParaRPr lang="en-US" sz="2800" b="1" dirty="0">
+              <a:solidFill>
+                <a:srgbClr val="FF0000"/>
+              </a:solidFill>
+            </a:endParaRPr>
+          </a:p>
+        </p:txBody>
+      </p:sp>
+      <p:sp>
+        <p:nvSpPr>
+          <p:cNvPr id="49" name="Rectangle 48"/>
+          <p:cNvSpPr/>
+          <p:nvPr/>
+        </p:nvSpPr>
+        <p:spPr>
+          <a:xfrm>
+            <a:off x="634971" y="6129716"/>
+            <a:ext cx="700097" cy="154662"/>
+          </a:xfrm>
+          <a:prstGeom prst="rect">
+            <a:avLst/>
+          </a:prstGeom>
+        </p:spPr>
+        <p:style>
+          <a:lnRef idx="2">
+            <a:schemeClr val="dk1"/>
+          </a:lnRef>
+          <a:fillRef idx="1">
+            <a:schemeClr val="lt1"/>
+          </a:fillRef>
+          <a:effectRef idx="0">
+            <a:schemeClr val="dk1"/>
+          </a:effectRef>
+          <a:fontRef idx="minor">
+            <a:schemeClr val="dk1"/>
+          </a:fontRef>
+        </p:style>
+        <p:txBody>
+          <a:bodyPr rtlCol="0" anchor="ctr"/>
+          <a:lstStyle/>
+          <a:p>
+            <a:pPr algn="ctr"/>
+            <a:endParaRPr lang="en-US"/>
+          </a:p>
+        </p:txBody>
+      </p:sp>
+      <p:cxnSp>
+        <p:nvCxnSpPr>
+          <p:cNvPr id="41" name="Elbow Connector 40"/>
+          <p:cNvCxnSpPr/>
+          <p:nvPr/>
+        </p:nvCxnSpPr>
+        <p:spPr>
+          <a:xfrm rot="10800000" flipH="1" flipV="1">
+            <a:off x="1774665" y="5428031"/>
+            <a:ext cx="2759300" cy="130241"/>
+          </a:xfrm>
+          <a:prstGeom prst="bentConnector5">
+            <a:avLst>
+              <a:gd name="adj1" fmla="val 7282"/>
+              <a:gd name="adj2" fmla="val 436554"/>
+              <a:gd name="adj3" fmla="val 89230"/>
+            </a:avLst>
+          </a:prstGeom>
+          <a:ln w="57150" cmpd="sng">
+            <a:solidFill>
+              <a:srgbClr val="0000FF"/>
             </a:solidFill>
             <a:tailEnd type="arrow"/>
           </a:ln>
@@ -9397,29 +11615,26 @@
       </p:cxnSp>
       <p:cxnSp>
         <p:nvCxnSpPr>
-          <p:cNvPr id="39" name="Elbow Connector 38"/>
+          <p:cNvPr id="42" name="Elbow Connector 41"/>
           <p:cNvCxnSpPr>
             <a:stCxn id="13" idx="1"/>
-            <a:endCxn id="10" idx="2"/>
+            <a:endCxn id="10" idx="1"/>
           </p:cNvCxnSpPr>
           <p:nvPr/>
         </p:nvCxnSpPr>
         <p:spPr>
           <a:xfrm rot="10800000" flipH="1">
-            <a:off x="1774665" y="5567801"/>
-            <a:ext cx="4957664" cy="374442"/>
+            <a:off x="1774665" y="5531879"/>
+            <a:ext cx="4769658" cy="653178"/>
           </a:xfrm>
-          <a:prstGeom prst="bentConnector4">
+          <a:prstGeom prst="bentConnector3">
             <a:avLst>
-              <a:gd name="adj1" fmla="val 2942"/>
-              <a:gd name="adj2" fmla="val -39130"/>
+              <a:gd name="adj1" fmla="val 93697"/>
             </a:avLst>
           </a:prstGeom>
           <a:ln w="57150" cmpd="sng">
             <a:solidFill>
-              <a:schemeClr val="accent3">
-                <a:lumMod val="75000"/>
-              </a:schemeClr>
+              <a:srgbClr val="0000FF"/>
             </a:solidFill>
             <a:tailEnd type="arrow"/>
           </a:ln>
@@ -9440,62 +11655,97 @@
           </a:fontRef>
         </p:style>
       </p:cxnSp>
-      <p:cxnSp>
-        <p:nvCxnSpPr>
-          <p:cNvPr id="44" name="Elbow Connector 43"/>
-          <p:cNvCxnSpPr>
-            <a:stCxn id="9" idx="3"/>
-            <a:endCxn id="49" idx="1"/>
-          </p:cNvCxnSpPr>
-          <p:nvPr/>
-        </p:nvCxnSpPr>
+      <p:sp>
+        <p:nvSpPr>
+          <p:cNvPr id="53" name="Footer Placeholder 6"/>
+          <p:cNvSpPr>
+            <a:spLocks noGrp="1"/>
+          </p:cNvSpPr>
+          <p:nvPr>
+            <p:ph type="ftr" sz="quarter" idx="11"/>
+          </p:nvPr>
+        </p:nvSpPr>
         <p:spPr>
-          <a:xfrm flipH="1">
-            <a:off x="634971" y="5315459"/>
-            <a:ext cx="5128619" cy="826215"/>
+          <a:xfrm>
+            <a:off x="5318367" y="6434242"/>
+            <a:ext cx="2895600" cy="365125"/>
           </a:xfrm>
-          <a:prstGeom prst="bentConnector5">
-            <a:avLst>
-              <a:gd name="adj1" fmla="val -4457"/>
-              <a:gd name="adj2" fmla="val -167981"/>
-              <a:gd name="adj3" fmla="val 108267"/>
-            </a:avLst>
-          </a:prstGeom>
-          <a:ln w="57150" cmpd="sng">
-            <a:solidFill>
-              <a:schemeClr val="accent3">
-                <a:lumMod val="75000"/>
-              </a:schemeClr>
-            </a:solidFill>
-            <a:tailEnd type="arrow"/>
-          </a:ln>
-          <a:effectLst/>
         </p:spPr>
-        <p:style>
-          <a:lnRef idx="2">
-            <a:schemeClr val="accent1"/>
-          </a:lnRef>
-          <a:fillRef idx="0">
-            <a:schemeClr val="accent1"/>
-          </a:fillRef>
-          <a:effectRef idx="1">
-            <a:schemeClr val="accent1"/>
-          </a:effectRef>
-          <a:fontRef idx="minor">
-            <a:schemeClr val="tx1"/>
-          </a:fontRef>
-        </p:style>
-      </p:cxnSp>
-      <p:sp>
-        <p:nvSpPr>
-          <p:cNvPr id="48" name="TextBox 47"/>
+        <p:txBody>
+          <a:bodyPr/>
+          <a:lstStyle/>
+          <a:p>
+            <a:r>
+              <a:rPr lang="de-DE" smtClean="0">
+                <a:solidFill>
+                  <a:prstClr val="black">
+                    <a:tint val="75000"/>
+                  </a:prstClr>
+                </a:solidFill>
+              </a:rPr>
+              <a:t>Lean | Agile Dev. Proc. | Eric Knauss</a:t>
+            </a:r>
+            <a:endParaRPr lang="de-DE">
+              <a:solidFill>
+                <a:prstClr val="black">
+                  <a:tint val="75000"/>
+                </a:prstClr>
+              </a:solidFill>
+            </a:endParaRPr>
+          </a:p>
+        </p:txBody>
+      </p:sp>
+      <p:sp>
+        <p:nvSpPr>
+          <p:cNvPr id="54" name="Slide Number Placeholder 7"/>
+          <p:cNvSpPr>
+            <a:spLocks noGrp="1"/>
+          </p:cNvSpPr>
+          <p:nvPr>
+            <p:ph type="sldNum" sz="quarter" idx="12"/>
+          </p:nvPr>
+        </p:nvSpPr>
+        <p:spPr>
+          <a:xfrm>
+            <a:off x="8291903" y="6433808"/>
+            <a:ext cx="842170" cy="365125"/>
+          </a:xfrm>
+        </p:spPr>
+        <p:txBody>
+          <a:bodyPr/>
+          <a:lstStyle/>
+          <a:p>
+            <a:fld id="{91974DF9-AD47-4691-BA21-BBFCE3637A9A}" type="slidenum">
+              <a:rPr lang="en-US" smtClean="0">
+                <a:solidFill>
+                  <a:prstClr val="black">
+                    <a:tint val="75000"/>
+                  </a:prstClr>
+                </a:solidFill>
+              </a:rPr>
+              <a:pPr/>
+              <a:t>12</a:t>
+            </a:fld>
+            <a:endParaRPr lang="en-US">
+              <a:solidFill>
+                <a:prstClr val="black">
+                  <a:tint val="75000"/>
+                </a:prstClr>
+              </a:solidFill>
+            </a:endParaRPr>
+          </a:p>
+        </p:txBody>
+      </p:sp>
+      <p:sp>
+        <p:nvSpPr>
+          <p:cNvPr id="55" name="TextBox 54"/>
           <p:cNvSpPr txBox="1"/>
           <p:nvPr/>
         </p:nvSpPr>
         <p:spPr>
           <a:xfrm>
-            <a:off x="758966" y="5567801"/>
-            <a:ext cx="382436" cy="523220"/>
+            <a:off x="2037540" y="6333489"/>
+            <a:ext cx="3085887" cy="400110"/>
           </a:xfrm>
           <a:prstGeom prst="rect">
             <a:avLst/>
@@ -9503,62 +11753,28 @@
           <a:noFill/>
         </p:spPr>
         <p:txBody>
-          <a:bodyPr wrap="none" rtlCol="0">
+          <a:bodyPr wrap="square" rtlCol="0">
             <a:spAutoFit/>
           </a:bodyPr>
           <a:lstStyle/>
           <a:p>
             <a:r>
-              <a:rPr lang="en-US" sz="2800" b="1" dirty="0" smtClean="0">
-                <a:solidFill>
-                  <a:srgbClr val="FF0000"/>
-                </a:solidFill>
-              </a:rPr>
-              <a:t>X</a:t>
-            </a:r>
-            <a:endParaRPr lang="en-US" sz="2800" b="1" dirty="0">
-              <a:solidFill>
-                <a:srgbClr val="FF0000"/>
-              </a:solidFill>
-            </a:endParaRPr>
-          </a:p>
-        </p:txBody>
-      </p:sp>
-      <p:sp>
-        <p:nvSpPr>
-          <p:cNvPr id="49" name="Rectangle 48"/>
-          <p:cNvSpPr/>
-          <p:nvPr/>
-        </p:nvSpPr>
-        <p:spPr>
-          <a:xfrm>
-            <a:off x="634971" y="6064343"/>
-            <a:ext cx="700097" cy="154662"/>
-          </a:xfrm>
-          <a:prstGeom prst="rect">
-            <a:avLst/>
-          </a:prstGeom>
-        </p:spPr>
-        <p:style>
-          <a:lnRef idx="2">
-            <a:schemeClr val="dk1"/>
-          </a:lnRef>
-          <a:fillRef idx="1">
-            <a:schemeClr val="lt1"/>
-          </a:fillRef>
-          <a:effectRef idx="0">
-            <a:schemeClr val="dk1"/>
-          </a:effectRef>
-          <a:fontRef idx="minor">
-            <a:schemeClr val="dk1"/>
-          </a:fontRef>
-        </p:style>
-        <p:txBody>
-          <a:bodyPr rtlCol="0" anchor="ctr"/>
-          <a:lstStyle/>
-          <a:p>
-            <a:pPr algn="ctr"/>
-            <a:endParaRPr lang="en-US"/>
+              <a:rPr lang="en-US" sz="1000" dirty="0" err="1" smtClean="0"/>
+              <a:t>Cristoph</a:t>
+            </a:r>
+            <a:r>
+              <a:rPr lang="en-US" sz="1000" dirty="0" smtClean="0"/>
+              <a:t> </a:t>
+            </a:r>
+            <a:r>
+              <a:rPr lang="en-US" sz="1000" dirty="0" err="1" smtClean="0"/>
+              <a:t>Steindl</a:t>
+            </a:r>
+            <a:r>
+              <a:rPr lang="en-US" sz="1000" dirty="0" smtClean="0"/>
+              <a:t> (IBM), Lean Software Development, 2004 (Presentation)</a:t>
+            </a:r>
+            <a:endParaRPr lang="en-US" sz="1000" dirty="0"/>
           </a:p>
         </p:txBody>
       </p:sp>
@@ -9596,14 +11812,295 @@
                             </p:stCondLst>
                             <p:childTnLst>
                               <p:par>
-                                <p:cTn id="5" presetID="10" presetClass="exit" presetSubtype="0" fill="hold" nodeType="clickEffect">
+                                <p:cTn id="5" presetID="10" presetClass="entr" presetSubtype="0" fill="hold" grpId="0" nodeType="clickEffect">
+                                  <p:stCondLst>
+                                    <p:cond delay="0"/>
+                                  </p:stCondLst>
+                                  <p:childTnLst>
+                                    <p:set>
+                                      <p:cBhvr>
+                                        <p:cTn id="6" dur="1" fill="hold">
+                                          <p:stCondLst>
+                                            <p:cond delay="0"/>
+                                          </p:stCondLst>
+                                        </p:cTn>
+                                        <p:tgtEl>
+                                          <p:spTgt spid="8"/>
+                                        </p:tgtEl>
+                                        <p:attrNameLst>
+                                          <p:attrName>style.visibility</p:attrName>
+                                        </p:attrNameLst>
+                                      </p:cBhvr>
+                                      <p:to>
+                                        <p:strVal val="visible"/>
+                                      </p:to>
+                                    </p:set>
+                                    <p:animEffect transition="in" filter="fade">
+                                      <p:cBhvr>
+                                        <p:cTn id="7" dur="500"/>
+                                        <p:tgtEl>
+                                          <p:spTgt spid="8"/>
+                                        </p:tgtEl>
+                                      </p:cBhvr>
+                                    </p:animEffect>
+                                  </p:childTnLst>
+                                </p:cTn>
+                              </p:par>
+                              <p:par>
+                                <p:cTn id="8" presetID="10" presetClass="entr" presetSubtype="0" fill="hold" grpId="0" nodeType="withEffect">
+                                  <p:stCondLst>
+                                    <p:cond delay="0"/>
+                                  </p:stCondLst>
+                                  <p:childTnLst>
+                                    <p:set>
+                                      <p:cBhvr>
+                                        <p:cTn id="9" dur="1" fill="hold">
+                                          <p:stCondLst>
+                                            <p:cond delay="0"/>
+                                          </p:stCondLst>
+                                        </p:cTn>
+                                        <p:tgtEl>
+                                          <p:spTgt spid="9"/>
+                                        </p:tgtEl>
+                                        <p:attrNameLst>
+                                          <p:attrName>style.visibility</p:attrName>
+                                        </p:attrNameLst>
+                                      </p:cBhvr>
+                                      <p:to>
+                                        <p:strVal val="visible"/>
+                                      </p:to>
+                                    </p:set>
+                                    <p:animEffect transition="in" filter="fade">
+                                      <p:cBhvr>
+                                        <p:cTn id="10" dur="500"/>
+                                        <p:tgtEl>
+                                          <p:spTgt spid="9"/>
+                                        </p:tgtEl>
+                                      </p:cBhvr>
+                                    </p:animEffect>
+                                  </p:childTnLst>
+                                </p:cTn>
+                              </p:par>
+                              <p:par>
+                                <p:cTn id="11" presetID="10" presetClass="entr" presetSubtype="0" fill="hold" grpId="0" nodeType="withEffect">
+                                  <p:stCondLst>
+                                    <p:cond delay="0"/>
+                                  </p:stCondLst>
+                                  <p:childTnLst>
+                                    <p:set>
+                                      <p:cBhvr>
+                                        <p:cTn id="12" dur="1" fill="hold">
+                                          <p:stCondLst>
+                                            <p:cond delay="0"/>
+                                          </p:stCondLst>
+                                        </p:cTn>
+                                        <p:tgtEl>
+                                          <p:spTgt spid="10"/>
+                                        </p:tgtEl>
+                                        <p:attrNameLst>
+                                          <p:attrName>style.visibility</p:attrName>
+                                        </p:attrNameLst>
+                                      </p:cBhvr>
+                                      <p:to>
+                                        <p:strVal val="visible"/>
+                                      </p:to>
+                                    </p:set>
+                                    <p:animEffect transition="in" filter="fade">
+                                      <p:cBhvr>
+                                        <p:cTn id="13" dur="500"/>
+                                        <p:tgtEl>
+                                          <p:spTgt spid="10"/>
+                                        </p:tgtEl>
+                                      </p:cBhvr>
+                                    </p:animEffect>
+                                  </p:childTnLst>
+                                </p:cTn>
+                              </p:par>
+                            </p:childTnLst>
+                          </p:cTn>
+                        </p:par>
+                      </p:childTnLst>
+                    </p:cTn>
+                  </p:par>
+                  <p:par>
+                    <p:cTn id="14" fill="hold">
+                      <p:stCondLst>
+                        <p:cond delay="indefinite"/>
+                      </p:stCondLst>
+                      <p:childTnLst>
+                        <p:par>
+                          <p:cTn id="15" fill="hold">
+                            <p:stCondLst>
+                              <p:cond delay="0"/>
+                            </p:stCondLst>
+                            <p:childTnLst>
+                              <p:par>
+                                <p:cTn id="16" presetID="10" presetClass="entr" presetSubtype="0" fill="hold" nodeType="clickEffect">
+                                  <p:stCondLst>
+                                    <p:cond delay="0"/>
+                                  </p:stCondLst>
+                                  <p:childTnLst>
+                                    <p:set>
+                                      <p:cBhvr>
+                                        <p:cTn id="17" dur="1" fill="hold">
+                                          <p:stCondLst>
+                                            <p:cond delay="0"/>
+                                          </p:stCondLst>
+                                        </p:cTn>
+                                        <p:tgtEl>
+                                          <p:spTgt spid="16"/>
+                                        </p:tgtEl>
+                                        <p:attrNameLst>
+                                          <p:attrName>style.visibility</p:attrName>
+                                        </p:attrNameLst>
+                                      </p:cBhvr>
+                                      <p:to>
+                                        <p:strVal val="visible"/>
+                                      </p:to>
+                                    </p:set>
+                                    <p:animEffect transition="in" filter="fade">
+                                      <p:cBhvr>
+                                        <p:cTn id="18" dur="500"/>
+                                        <p:tgtEl>
+                                          <p:spTgt spid="16"/>
+                                        </p:tgtEl>
+                                      </p:cBhvr>
+                                    </p:animEffect>
+                                  </p:childTnLst>
+                                </p:cTn>
+                              </p:par>
+                              <p:par>
+                                <p:cTn id="19" presetID="10" presetClass="entr" presetSubtype="0" fill="hold" grpId="0" nodeType="withEffect">
+                                  <p:stCondLst>
+                                    <p:cond delay="0"/>
+                                  </p:stCondLst>
+                                  <p:childTnLst>
+                                    <p:set>
+                                      <p:cBhvr>
+                                        <p:cTn id="20" dur="1" fill="hold">
+                                          <p:stCondLst>
+                                            <p:cond delay="0"/>
+                                          </p:stCondLst>
+                                        </p:cTn>
+                                        <p:tgtEl>
+                                          <p:spTgt spid="11"/>
+                                        </p:tgtEl>
+                                        <p:attrNameLst>
+                                          <p:attrName>style.visibility</p:attrName>
+                                        </p:attrNameLst>
+                                      </p:cBhvr>
+                                      <p:to>
+                                        <p:strVal val="visible"/>
+                                      </p:to>
+                                    </p:set>
+                                    <p:animEffect transition="in" filter="fade">
+                                      <p:cBhvr>
+                                        <p:cTn id="21" dur="500"/>
+                                        <p:tgtEl>
+                                          <p:spTgt spid="11"/>
+                                        </p:tgtEl>
+                                      </p:cBhvr>
+                                    </p:animEffect>
+                                  </p:childTnLst>
+                                </p:cTn>
+                              </p:par>
+                              <p:par>
+                                <p:cTn id="22" presetID="10" presetClass="entr" presetSubtype="0" fill="hold" grpId="0" nodeType="withEffect">
+                                  <p:stCondLst>
+                                    <p:cond delay="0"/>
+                                  </p:stCondLst>
+                                  <p:childTnLst>
+                                    <p:set>
+                                      <p:cBhvr>
+                                        <p:cTn id="23" dur="1" fill="hold">
+                                          <p:stCondLst>
+                                            <p:cond delay="0"/>
+                                          </p:stCondLst>
+                                        </p:cTn>
+                                        <p:tgtEl>
+                                          <p:spTgt spid="12"/>
+                                        </p:tgtEl>
+                                        <p:attrNameLst>
+                                          <p:attrName>style.visibility</p:attrName>
+                                        </p:attrNameLst>
+                                      </p:cBhvr>
+                                      <p:to>
+                                        <p:strVal val="visible"/>
+                                      </p:to>
+                                    </p:set>
+                                    <p:animEffect transition="in" filter="fade">
+                                      <p:cBhvr>
+                                        <p:cTn id="24" dur="500"/>
+                                        <p:tgtEl>
+                                          <p:spTgt spid="12"/>
+                                        </p:tgtEl>
+                                      </p:cBhvr>
+                                    </p:animEffect>
+                                  </p:childTnLst>
+                                </p:cTn>
+                              </p:par>
+                              <p:par>
+                                <p:cTn id="25" presetID="10" presetClass="entr" presetSubtype="0" fill="hold" grpId="0" nodeType="withEffect">
+                                  <p:stCondLst>
+                                    <p:cond delay="0"/>
+                                  </p:stCondLst>
+                                  <p:childTnLst>
+                                    <p:set>
+                                      <p:cBhvr>
+                                        <p:cTn id="26" dur="1" fill="hold">
+                                          <p:stCondLst>
+                                            <p:cond delay="0"/>
+                                          </p:stCondLst>
+                                        </p:cTn>
+                                        <p:tgtEl>
+                                          <p:spTgt spid="13"/>
+                                        </p:tgtEl>
+                                        <p:attrNameLst>
+                                          <p:attrName>style.visibility</p:attrName>
+                                        </p:attrNameLst>
+                                      </p:cBhvr>
+                                      <p:to>
+                                        <p:strVal val="visible"/>
+                                      </p:to>
+                                    </p:set>
+                                    <p:animEffect transition="in" filter="fade">
+                                      <p:cBhvr>
+                                        <p:cTn id="27" dur="500"/>
+                                        <p:tgtEl>
+                                          <p:spTgt spid="13"/>
+                                        </p:tgtEl>
+                                      </p:cBhvr>
+                                    </p:animEffect>
+                                  </p:childTnLst>
+                                </p:cTn>
+                              </p:par>
+                            </p:childTnLst>
+                          </p:cTn>
+                        </p:par>
+                      </p:childTnLst>
+                    </p:cTn>
+                  </p:par>
+                  <p:par>
+                    <p:cTn id="28" fill="hold">
+                      <p:stCondLst>
+                        <p:cond delay="indefinite"/>
+                      </p:stCondLst>
+                      <p:childTnLst>
+                        <p:par>
+                          <p:cTn id="29" fill="hold">
+                            <p:stCondLst>
+                              <p:cond delay="0"/>
+                            </p:stCondLst>
+                            <p:childTnLst>
+                              <p:par>
+                                <p:cTn id="30" presetID="10" presetClass="exit" presetSubtype="0" fill="hold" nodeType="clickEffect">
                                   <p:stCondLst>
                                     <p:cond delay="0"/>
                                   </p:stCondLst>
                                   <p:childTnLst>
                                     <p:animEffect transition="out" filter="fade">
                                       <p:cBhvr>
-                                        <p:cTn id="6" dur="500"/>
+                                        <p:cTn id="31" dur="500"/>
                                         <p:tgtEl>
                                           <p:spTgt spid="15"/>
                                         </p:tgtEl>
@@ -9611,7 +12108,7 @@
                                     </p:animEffect>
                                     <p:set>
                                       <p:cBhvr>
-                                        <p:cTn id="7" dur="1" fill="hold">
+                                        <p:cTn id="32" dur="1" fill="hold">
                                           <p:stCondLst>
                                             <p:cond delay="499"/>
                                           </p:stCondLst>
@@ -9631,14 +12128,14 @@
                                 </p:cTn>
                               </p:par>
                               <p:par>
-                                <p:cTn id="8" presetID="10" presetClass="exit" presetSubtype="0" fill="hold" grpId="0" nodeType="withEffect">
+                                <p:cTn id="33" presetID="10" presetClass="exit" presetSubtype="0" fill="hold" grpId="0" nodeType="withEffect">
                                   <p:stCondLst>
                                     <p:cond delay="0"/>
                                   </p:stCondLst>
                                   <p:childTnLst>
                                     <p:animEffect transition="out" filter="fade">
                                       <p:cBhvr>
-                                        <p:cTn id="9" dur="500"/>
+                                        <p:cTn id="34" dur="500"/>
                                         <p:tgtEl>
                                           <p:spTgt spid="7"/>
                                         </p:tgtEl>
@@ -9646,7 +12143,7 @@
                                     </p:animEffect>
                                     <p:set>
                                       <p:cBhvr>
-                                        <p:cTn id="10" dur="1" fill="hold">
+                                        <p:cTn id="35" dur="1" fill="hold">
                                           <p:stCondLst>
                                             <p:cond delay="499"/>
                                           </p:stCondLst>
@@ -9672,377 +12169,26 @@
                     </p:cTn>
                   </p:par>
                   <p:par>
-                    <p:cTn id="11" fill="hold">
+                    <p:cTn id="36" fill="hold">
                       <p:stCondLst>
                         <p:cond delay="indefinite"/>
                       </p:stCondLst>
                       <p:childTnLst>
                         <p:par>
-                          <p:cTn id="12" fill="hold">
+                          <p:cTn id="37" fill="hold">
                             <p:stCondLst>
                               <p:cond delay="0"/>
                             </p:stCondLst>
                             <p:childTnLst>
                               <p:par>
-                                <p:cTn id="13" presetID="10" presetClass="entr" presetSubtype="0" fill="hold" grpId="0" nodeType="clickEffect">
+                                <p:cTn id="38" presetID="10" presetClass="entr" presetSubtype="0" fill="hold" nodeType="clickEffect">
                                   <p:stCondLst>
                                     <p:cond delay="0"/>
                                   </p:stCondLst>
                                   <p:childTnLst>
                                     <p:set>
                                       <p:cBhvr>
-                                        <p:cTn id="14" dur="1" fill="hold">
-                                          <p:stCondLst>
-                                            <p:cond delay="0"/>
-                                          </p:stCondLst>
-                                        </p:cTn>
-                                        <p:tgtEl>
-                                          <p:spTgt spid="8"/>
-                                        </p:tgtEl>
-                                        <p:attrNameLst>
-                                          <p:attrName>style.visibility</p:attrName>
-                                        </p:attrNameLst>
-                                      </p:cBhvr>
-                                      <p:to>
-                                        <p:strVal val="visible"/>
-                                      </p:to>
-                                    </p:set>
-                                    <p:animEffect transition="in" filter="fade">
-                                      <p:cBhvr>
-                                        <p:cTn id="15" dur="500"/>
-                                        <p:tgtEl>
-                                          <p:spTgt spid="8"/>
-                                        </p:tgtEl>
-                                      </p:cBhvr>
-                                    </p:animEffect>
-                                  </p:childTnLst>
-                                </p:cTn>
-                              </p:par>
-                              <p:par>
-                                <p:cTn id="16" presetID="10" presetClass="entr" presetSubtype="0" fill="hold" grpId="0" nodeType="withEffect">
-                                  <p:stCondLst>
-                                    <p:cond delay="0"/>
-                                  </p:stCondLst>
-                                  <p:childTnLst>
-                                    <p:set>
-                                      <p:cBhvr>
-                                        <p:cTn id="17" dur="1" fill="hold">
-                                          <p:stCondLst>
-                                            <p:cond delay="0"/>
-                                          </p:stCondLst>
-                                        </p:cTn>
-                                        <p:tgtEl>
-                                          <p:spTgt spid="9"/>
-                                        </p:tgtEl>
-                                        <p:attrNameLst>
-                                          <p:attrName>style.visibility</p:attrName>
-                                        </p:attrNameLst>
-                                      </p:cBhvr>
-                                      <p:to>
-                                        <p:strVal val="visible"/>
-                                      </p:to>
-                                    </p:set>
-                                    <p:animEffect transition="in" filter="fade">
-                                      <p:cBhvr>
-                                        <p:cTn id="18" dur="500"/>
-                                        <p:tgtEl>
-                                          <p:spTgt spid="9"/>
-                                        </p:tgtEl>
-                                      </p:cBhvr>
-                                    </p:animEffect>
-                                  </p:childTnLst>
-                                </p:cTn>
-                              </p:par>
-                              <p:par>
-                                <p:cTn id="19" presetID="10" presetClass="entr" presetSubtype="0" fill="hold" grpId="0" nodeType="withEffect">
-                                  <p:stCondLst>
-                                    <p:cond delay="0"/>
-                                  </p:stCondLst>
-                                  <p:childTnLst>
-                                    <p:set>
-                                      <p:cBhvr>
-                                        <p:cTn id="20" dur="1" fill="hold">
-                                          <p:stCondLst>
-                                            <p:cond delay="0"/>
-                                          </p:stCondLst>
-                                        </p:cTn>
-                                        <p:tgtEl>
-                                          <p:spTgt spid="10"/>
-                                        </p:tgtEl>
-                                        <p:attrNameLst>
-                                          <p:attrName>style.visibility</p:attrName>
-                                        </p:attrNameLst>
-                                      </p:cBhvr>
-                                      <p:to>
-                                        <p:strVal val="visible"/>
-                                      </p:to>
-                                    </p:set>
-                                    <p:animEffect transition="in" filter="fade">
-                                      <p:cBhvr>
-                                        <p:cTn id="21" dur="500"/>
-                                        <p:tgtEl>
-                                          <p:spTgt spid="10"/>
-                                        </p:tgtEl>
-                                      </p:cBhvr>
-                                    </p:animEffect>
-                                  </p:childTnLst>
-                                </p:cTn>
-                              </p:par>
-                            </p:childTnLst>
-                          </p:cTn>
-                        </p:par>
-                      </p:childTnLst>
-                    </p:cTn>
-                  </p:par>
-                  <p:par>
-                    <p:cTn id="22" fill="hold">
-                      <p:stCondLst>
-                        <p:cond delay="indefinite"/>
-                      </p:stCondLst>
-                      <p:childTnLst>
-                        <p:par>
-                          <p:cTn id="23" fill="hold">
-                            <p:stCondLst>
-                              <p:cond delay="0"/>
-                            </p:stCondLst>
-                            <p:childTnLst>
-                              <p:par>
-                                <p:cTn id="24" presetID="10" presetClass="entr" presetSubtype="0" fill="hold" nodeType="clickEffect">
-                                  <p:stCondLst>
-                                    <p:cond delay="0"/>
-                                  </p:stCondLst>
-                                  <p:childTnLst>
-                                    <p:set>
-                                      <p:cBhvr>
-                                        <p:cTn id="25" dur="1" fill="hold">
-                                          <p:stCondLst>
-                                            <p:cond delay="0"/>
-                                          </p:stCondLst>
-                                        </p:cTn>
-                                        <p:tgtEl>
-                                          <p:spTgt spid="16"/>
-                                        </p:tgtEl>
-                                        <p:attrNameLst>
-                                          <p:attrName>style.visibility</p:attrName>
-                                        </p:attrNameLst>
-                                      </p:cBhvr>
-                                      <p:to>
-                                        <p:strVal val="visible"/>
-                                      </p:to>
-                                    </p:set>
-                                    <p:animEffect transition="in" filter="fade">
-                                      <p:cBhvr>
-                                        <p:cTn id="26" dur="500"/>
-                                        <p:tgtEl>
-                                          <p:spTgt spid="16"/>
-                                        </p:tgtEl>
-                                      </p:cBhvr>
-                                    </p:animEffect>
-                                  </p:childTnLst>
-                                </p:cTn>
-                              </p:par>
-                              <p:par>
-                                <p:cTn id="27" presetID="10" presetClass="entr" presetSubtype="0" fill="hold" nodeType="withEffect">
-                                  <p:stCondLst>
-                                    <p:cond delay="0"/>
-                                  </p:stCondLst>
-                                  <p:childTnLst>
-                                    <p:set>
-                                      <p:cBhvr>
-                                        <p:cTn id="28" dur="1" fill="hold">
-                                          <p:stCondLst>
-                                            <p:cond delay="0"/>
-                                          </p:stCondLst>
-                                        </p:cTn>
-                                        <p:tgtEl>
-                                          <p:spTgt spid="24"/>
-                                        </p:tgtEl>
-                                        <p:attrNameLst>
-                                          <p:attrName>style.visibility</p:attrName>
-                                        </p:attrNameLst>
-                                      </p:cBhvr>
-                                      <p:to>
-                                        <p:strVal val="visible"/>
-                                      </p:to>
-                                    </p:set>
-                                    <p:animEffect transition="in" filter="fade">
-                                      <p:cBhvr>
-                                        <p:cTn id="29" dur="500"/>
-                                        <p:tgtEl>
-                                          <p:spTgt spid="24"/>
-                                        </p:tgtEl>
-                                      </p:cBhvr>
-                                    </p:animEffect>
-                                  </p:childTnLst>
-                                </p:cTn>
-                              </p:par>
-                              <p:par>
-                                <p:cTn id="30" presetID="10" presetClass="entr" presetSubtype="0" fill="hold" nodeType="withEffect">
-                                  <p:stCondLst>
-                                    <p:cond delay="0"/>
-                                  </p:stCondLst>
-                                  <p:childTnLst>
-                                    <p:set>
-                                      <p:cBhvr>
-                                        <p:cTn id="31" dur="1" fill="hold">
-                                          <p:stCondLst>
-                                            <p:cond delay="0"/>
-                                          </p:stCondLst>
-                                        </p:cTn>
-                                        <p:tgtEl>
-                                          <p:spTgt spid="39"/>
-                                        </p:tgtEl>
-                                        <p:attrNameLst>
-                                          <p:attrName>style.visibility</p:attrName>
-                                        </p:attrNameLst>
-                                      </p:cBhvr>
-                                      <p:to>
-                                        <p:strVal val="visible"/>
-                                      </p:to>
-                                    </p:set>
-                                    <p:animEffect transition="in" filter="fade">
-                                      <p:cBhvr>
-                                        <p:cTn id="32" dur="500"/>
-                                        <p:tgtEl>
-                                          <p:spTgt spid="39"/>
-                                        </p:tgtEl>
-                                      </p:cBhvr>
-                                    </p:animEffect>
-                                  </p:childTnLst>
-                                </p:cTn>
-                              </p:par>
-                              <p:par>
-                                <p:cTn id="33" presetID="10" presetClass="entr" presetSubtype="0" fill="hold" grpId="0" nodeType="withEffect">
-                                  <p:stCondLst>
-                                    <p:cond delay="0"/>
-                                  </p:stCondLst>
-                                  <p:childTnLst>
-                                    <p:set>
-                                      <p:cBhvr>
-                                        <p:cTn id="34" dur="1" fill="hold">
-                                          <p:stCondLst>
-                                            <p:cond delay="0"/>
-                                          </p:stCondLst>
-                                        </p:cTn>
-                                        <p:tgtEl>
-                                          <p:spTgt spid="11"/>
-                                        </p:tgtEl>
-                                        <p:attrNameLst>
-                                          <p:attrName>style.visibility</p:attrName>
-                                        </p:attrNameLst>
-                                      </p:cBhvr>
-                                      <p:to>
-                                        <p:strVal val="visible"/>
-                                      </p:to>
-                                    </p:set>
-                                    <p:animEffect transition="in" filter="fade">
-                                      <p:cBhvr>
-                                        <p:cTn id="35" dur="500"/>
-                                        <p:tgtEl>
-                                          <p:spTgt spid="11"/>
-                                        </p:tgtEl>
-                                      </p:cBhvr>
-                                    </p:animEffect>
-                                  </p:childTnLst>
-                                </p:cTn>
-                              </p:par>
-                              <p:par>
-                                <p:cTn id="36" presetID="10" presetClass="entr" presetSubtype="0" fill="hold" grpId="0" nodeType="withEffect">
-                                  <p:stCondLst>
-                                    <p:cond delay="0"/>
-                                  </p:stCondLst>
-                                  <p:childTnLst>
-                                    <p:set>
-                                      <p:cBhvr>
-                                        <p:cTn id="37" dur="1" fill="hold">
-                                          <p:stCondLst>
-                                            <p:cond delay="0"/>
-                                          </p:stCondLst>
-                                        </p:cTn>
-                                        <p:tgtEl>
-                                          <p:spTgt spid="12"/>
-                                        </p:tgtEl>
-                                        <p:attrNameLst>
-                                          <p:attrName>style.visibility</p:attrName>
-                                        </p:attrNameLst>
-                                      </p:cBhvr>
-                                      <p:to>
-                                        <p:strVal val="visible"/>
-                                      </p:to>
-                                    </p:set>
-                                    <p:animEffect transition="in" filter="fade">
-                                      <p:cBhvr>
-                                        <p:cTn id="38" dur="500"/>
-                                        <p:tgtEl>
-                                          <p:spTgt spid="12"/>
-                                        </p:tgtEl>
-                                      </p:cBhvr>
-                                    </p:animEffect>
-                                  </p:childTnLst>
-                                </p:cTn>
-                              </p:par>
-                              <p:par>
-                                <p:cTn id="39" presetID="10" presetClass="entr" presetSubtype="0" fill="hold" grpId="0" nodeType="withEffect">
-                                  <p:stCondLst>
-                                    <p:cond delay="0"/>
-                                  </p:stCondLst>
-                                  <p:childTnLst>
-                                    <p:set>
-                                      <p:cBhvr>
-                                        <p:cTn id="40" dur="1" fill="hold">
-                                          <p:stCondLst>
-                                            <p:cond delay="0"/>
-                                          </p:stCondLst>
-                                        </p:cTn>
-                                        <p:tgtEl>
-                                          <p:spTgt spid="13"/>
-                                        </p:tgtEl>
-                                        <p:attrNameLst>
-                                          <p:attrName>style.visibility</p:attrName>
-                                        </p:attrNameLst>
-                                      </p:cBhvr>
-                                      <p:to>
-                                        <p:strVal val="visible"/>
-                                      </p:to>
-                                    </p:set>
-                                    <p:animEffect transition="in" filter="fade">
-                                      <p:cBhvr>
-                                        <p:cTn id="41" dur="500"/>
-                                        <p:tgtEl>
-                                          <p:spTgt spid="13"/>
-                                        </p:tgtEl>
-                                      </p:cBhvr>
-                                    </p:animEffect>
-                                  </p:childTnLst>
-                                </p:cTn>
-                              </p:par>
-                            </p:childTnLst>
-                          </p:cTn>
-                        </p:par>
-                      </p:childTnLst>
-                    </p:cTn>
-                  </p:par>
-                  <p:par>
-                    <p:cTn id="42" fill="hold">
-                      <p:stCondLst>
-                        <p:cond delay="indefinite"/>
-                      </p:stCondLst>
-                      <p:childTnLst>
-                        <p:par>
-                          <p:cTn id="43" fill="hold">
-                            <p:stCondLst>
-                              <p:cond delay="0"/>
-                            </p:stCondLst>
-                            <p:childTnLst>
-                              <p:par>
-                                <p:cTn id="44" presetID="10" presetClass="entr" presetSubtype="0" fill="hold" nodeType="clickEffect">
-                                  <p:stCondLst>
-                                    <p:cond delay="0"/>
-                                  </p:stCondLst>
-                                  <p:childTnLst>
-                                    <p:set>
-                                      <p:cBhvr>
-                                        <p:cTn id="45" dur="1" fill="hold">
+                                        <p:cTn id="39" dur="1" fill="hold">
                                           <p:stCondLst>
                                             <p:cond delay="0"/>
                                           </p:stCondLst>
@@ -10060,7 +12206,7 @@
                                     </p:set>
                                     <p:animEffect transition="in" filter="fade">
                                       <p:cBhvr>
-                                        <p:cTn id="46" dur="500"/>
+                                        <p:cTn id="40" dur="500"/>
                                         <p:tgtEl>
                                           <p:spTgt spid="20"/>
                                         </p:tgtEl>
@@ -10076,26 +12222,167 @@
                     </p:cTn>
                   </p:par>
                   <p:par>
-                    <p:cTn id="47" fill="hold">
+                    <p:cTn id="41" fill="hold">
                       <p:stCondLst>
                         <p:cond delay="indefinite"/>
                       </p:stCondLst>
                       <p:childTnLst>
                         <p:par>
-                          <p:cTn id="48" fill="hold">
+                          <p:cTn id="42" fill="hold">
                             <p:stCondLst>
                               <p:cond delay="0"/>
                             </p:stCondLst>
                             <p:childTnLst>
                               <p:par>
-                                <p:cTn id="49" presetID="10" presetClass="entr" presetSubtype="0" fill="hold" nodeType="clickEffect">
+                                <p:cTn id="43" presetID="10" presetClass="entr" presetSubtype="0" fill="hold" grpId="0" nodeType="clickEffect">
                                   <p:stCondLst>
                                     <p:cond delay="0"/>
                                   </p:stCondLst>
                                   <p:childTnLst>
                                     <p:set>
                                       <p:cBhvr>
-                                        <p:cTn id="50" dur="1" fill="hold">
+                                        <p:cTn id="44" dur="1" fill="hold">
+                                          <p:stCondLst>
+                                            <p:cond delay="0"/>
+                                          </p:stCondLst>
+                                        </p:cTn>
+                                        <p:tgtEl>
+                                          <p:spTgt spid="22"/>
+                                        </p:tgtEl>
+                                        <p:attrNameLst>
+                                          <p:attrName>style.visibility</p:attrName>
+                                        </p:attrNameLst>
+                                      </p:cBhvr>
+                                      <p:to>
+                                        <p:strVal val="visible"/>
+                                      </p:to>
+                                    </p:set>
+                                    <p:animEffect transition="in" filter="fade">
+                                      <p:cBhvr>
+                                        <p:cTn id="45" dur="500"/>
+                                        <p:tgtEl>
+                                          <p:spTgt spid="22"/>
+                                        </p:tgtEl>
+                                      </p:cBhvr>
+                                    </p:animEffect>
+                                  </p:childTnLst>
+                                </p:cTn>
+                              </p:par>
+                              <p:par>
+                                <p:cTn id="46" presetID="10" presetClass="entr" presetSubtype="0" fill="hold" grpId="0" nodeType="withEffect">
+                                  <p:stCondLst>
+                                    <p:cond delay="0"/>
+                                  </p:stCondLst>
+                                  <p:childTnLst>
+                                    <p:set>
+                                      <p:cBhvr>
+                                        <p:cTn id="47" dur="1" fill="hold">
+                                          <p:stCondLst>
+                                            <p:cond delay="0"/>
+                                          </p:stCondLst>
+                                        </p:cTn>
+                                        <p:tgtEl>
+                                          <p:spTgt spid="23"/>
+                                        </p:tgtEl>
+                                        <p:attrNameLst>
+                                          <p:attrName>style.visibility</p:attrName>
+                                        </p:attrNameLst>
+                                      </p:cBhvr>
+                                      <p:to>
+                                        <p:strVal val="visible"/>
+                                      </p:to>
+                                    </p:set>
+                                    <p:animEffect transition="in" filter="fade">
+                                      <p:cBhvr>
+                                        <p:cTn id="48" dur="500"/>
+                                        <p:tgtEl>
+                                          <p:spTgt spid="23"/>
+                                        </p:tgtEl>
+                                      </p:cBhvr>
+                                    </p:animEffect>
+                                  </p:childTnLst>
+                                </p:cTn>
+                              </p:par>
+                            </p:childTnLst>
+                          </p:cTn>
+                        </p:par>
+                      </p:childTnLst>
+                    </p:cTn>
+                  </p:par>
+                  <p:par>
+                    <p:cTn id="49" fill="hold">
+                      <p:stCondLst>
+                        <p:cond delay="indefinite"/>
+                      </p:stCondLst>
+                      <p:childTnLst>
+                        <p:par>
+                          <p:cTn id="50" fill="hold">
+                            <p:stCondLst>
+                              <p:cond delay="0"/>
+                            </p:stCondLst>
+                            <p:childTnLst>
+                              <p:par>
+                                <p:cTn id="51" presetID="10" presetClass="entr" presetSubtype="0" fill="hold" nodeType="clickEffect">
+                                  <p:stCondLst>
+                                    <p:cond delay="0"/>
+                                  </p:stCondLst>
+                                  <p:childTnLst>
+                                    <p:set>
+                                      <p:cBhvr>
+                                        <p:cTn id="52" dur="1" fill="hold">
+                                          <p:stCondLst>
+                                            <p:cond delay="0"/>
+                                          </p:stCondLst>
+                                        </p:cTn>
+                                        <p:tgtEl>
+                                          <p:spTgt spid="41"/>
+                                        </p:tgtEl>
+                                        <p:attrNameLst>
+                                          <p:attrName>style.visibility</p:attrName>
+                                        </p:attrNameLst>
+                                      </p:cBhvr>
+                                      <p:to>
+                                        <p:strVal val="visible"/>
+                                      </p:to>
+                                    </p:set>
+                                    <p:animEffect transition="in" filter="fade">
+                                      <p:cBhvr>
+                                        <p:cTn id="53" dur="500"/>
+                                        <p:tgtEl>
+                                          <p:spTgt spid="41"/>
+                                        </p:tgtEl>
+                                      </p:cBhvr>
+                                    </p:animEffect>
+                                  </p:childTnLst>
+                                </p:cTn>
+                              </p:par>
+                            </p:childTnLst>
+                          </p:cTn>
+                        </p:par>
+                      </p:childTnLst>
+                    </p:cTn>
+                  </p:par>
+                  <p:par>
+                    <p:cTn id="54" fill="hold">
+                      <p:stCondLst>
+                        <p:cond delay="indefinite"/>
+                      </p:stCondLst>
+                      <p:childTnLst>
+                        <p:par>
+                          <p:cTn id="55" fill="hold">
+                            <p:stCondLst>
+                              <p:cond delay="0"/>
+                            </p:stCondLst>
+                            <p:childTnLst>
+                              <p:par>
+                                <p:cTn id="56" presetID="10" presetClass="entr" presetSubtype="0" fill="hold" nodeType="clickEffect">
+                                  <p:stCondLst>
+                                    <p:cond delay="0"/>
+                                  </p:stCondLst>
+                                  <p:childTnLst>
+                                    <p:set>
+                                      <p:cBhvr>
+                                        <p:cTn id="57" dur="1" fill="hold">
                                           <p:stCondLst>
                                             <p:cond delay="0"/>
                                           </p:stCondLst>
@@ -10113,7 +12400,7 @@
                                     </p:set>
                                     <p:animEffect transition="in" filter="fade">
                                       <p:cBhvr>
-                                        <p:cTn id="51" dur="500"/>
+                                        <p:cTn id="58" dur="500"/>
                                         <p:tgtEl>
                                           <p:spTgt spid="44"/>
                                         </p:tgtEl>
@@ -10129,114 +12416,26 @@
                     </p:cTn>
                   </p:par>
                   <p:par>
-                    <p:cTn id="52" fill="hold">
+                    <p:cTn id="59" fill="hold">
                       <p:stCondLst>
                         <p:cond delay="indefinite"/>
                       </p:stCondLst>
                       <p:childTnLst>
                         <p:par>
-                          <p:cTn id="53" fill="hold">
+                          <p:cTn id="60" fill="hold">
                             <p:stCondLst>
                               <p:cond delay="0"/>
                             </p:stCondLst>
                             <p:childTnLst>
                               <p:par>
-                                <p:cTn id="54" presetID="10" presetClass="entr" presetSubtype="0" fill="hold" grpId="0" nodeType="clickEffect">
+                                <p:cTn id="61" presetID="10" presetClass="entr" presetSubtype="0" fill="hold" grpId="0" nodeType="clickEffect">
                                   <p:stCondLst>
                                     <p:cond delay="0"/>
                                   </p:stCondLst>
                                   <p:childTnLst>
                                     <p:set>
                                       <p:cBhvr>
-                                        <p:cTn id="55" dur="1" fill="hold">
-                                          <p:stCondLst>
-                                            <p:cond delay="0"/>
-                                          </p:stCondLst>
-                                        </p:cTn>
-                                        <p:tgtEl>
-                                          <p:spTgt spid="22"/>
-                                        </p:tgtEl>
-                                        <p:attrNameLst>
-                                          <p:attrName>style.visibility</p:attrName>
-                                        </p:attrNameLst>
-                                      </p:cBhvr>
-                                      <p:to>
-                                        <p:strVal val="visible"/>
-                                      </p:to>
-                                    </p:set>
-                                    <p:animEffect transition="in" filter="fade">
-                                      <p:cBhvr>
-                                        <p:cTn id="56" dur="500"/>
-                                        <p:tgtEl>
-                                          <p:spTgt spid="22"/>
-                                        </p:tgtEl>
-                                      </p:cBhvr>
-                                    </p:animEffect>
-                                  </p:childTnLst>
-                                </p:cTn>
-                              </p:par>
-                              <p:par>
-                                <p:cTn id="57" presetID="10" presetClass="entr" presetSubtype="0" fill="hold" grpId="0" nodeType="withEffect">
-                                  <p:stCondLst>
-                                    <p:cond delay="0"/>
-                                  </p:stCondLst>
-                                  <p:childTnLst>
-                                    <p:set>
-                                      <p:cBhvr>
-                                        <p:cTn id="58" dur="1" fill="hold">
-                                          <p:stCondLst>
-                                            <p:cond delay="0"/>
-                                          </p:stCondLst>
-                                        </p:cTn>
-                                        <p:tgtEl>
-                                          <p:spTgt spid="23"/>
-                                        </p:tgtEl>
-                                        <p:attrNameLst>
-                                          <p:attrName>style.visibility</p:attrName>
-                                        </p:attrNameLst>
-                                      </p:cBhvr>
-                                      <p:to>
-                                        <p:strVal val="visible"/>
-                                      </p:to>
-                                    </p:set>
-                                    <p:animEffect transition="in" filter="fade">
-                                      <p:cBhvr>
-                                        <p:cTn id="59" dur="500"/>
-                                        <p:tgtEl>
-                                          <p:spTgt spid="23"/>
-                                        </p:tgtEl>
-                                      </p:cBhvr>
-                                    </p:animEffect>
-                                  </p:childTnLst>
-                                </p:cTn>
-                              </p:par>
-                            </p:childTnLst>
-                          </p:cTn>
-                        </p:par>
-                      </p:childTnLst>
-                    </p:cTn>
-                  </p:par>
-                  <p:par>
-                    <p:cTn id="60" fill="hold">
-                      <p:stCondLst>
-                        <p:cond delay="indefinite"/>
-                      </p:stCondLst>
-                      <p:childTnLst>
-                        <p:par>
-                          <p:cTn id="61" fill="hold">
-                            <p:stCondLst>
-                              <p:cond delay="0"/>
-                            </p:stCondLst>
-                            <p:childTnLst>
-                              <p:par>
-                                <p:cTn id="62" presetID="10" presetClass="entr" presetSubtype="0" fill="hold" grpId="0" nodeType="clickEffect">
-                                  <p:stCondLst>
-                                    <p:cond delay="0"/>
-                                  </p:stCondLst>
-                                  <p:childTnLst>
-                                    <p:set>
-                                      <p:cBhvr>
-                                        <p:cTn id="63" dur="1" fill="hold">
+                                        <p:cTn id="62" dur="1" fill="hold">
                                           <p:stCondLst>
                                             <p:cond delay="0"/>
                                           </p:stCondLst>
@@ -10254,7 +12453,7 @@
                                     </p:set>
                                     <p:animEffect transition="in" filter="fade">
                                       <p:cBhvr>
-                                        <p:cTn id="64" dur="500"/>
+                                        <p:cTn id="63" dur="500"/>
                                         <p:tgtEl>
                                           <p:spTgt spid="48"/>
                                         </p:tgtEl>
@@ -10264,14 +12463,14 @@
                                 </p:cTn>
                               </p:par>
                               <p:par>
-                                <p:cTn id="65" presetID="10" presetClass="entr" presetSubtype="0" fill="hold" grpId="0" nodeType="withEffect">
+                                <p:cTn id="64" presetID="10" presetClass="entr" presetSubtype="0" fill="hold" grpId="0" nodeType="withEffect">
                                   <p:stCondLst>
                                     <p:cond delay="0"/>
                                   </p:stCondLst>
                                   <p:childTnLst>
                                     <p:set>
                                       <p:cBhvr>
-                                        <p:cTn id="66" dur="1" fill="hold">
+                                        <p:cTn id="65" dur="1" fill="hold">
                                           <p:stCondLst>
                                             <p:cond delay="0"/>
                                           </p:stCondLst>
@@ -10289,9 +12488,44 @@
                                     </p:set>
                                     <p:animEffect transition="in" filter="fade">
                                       <p:cBhvr>
-                                        <p:cTn id="67" dur="500"/>
+                                        <p:cTn id="66" dur="500"/>
                                         <p:tgtEl>
                                           <p:spTgt spid="49"/>
+                                        </p:tgtEl>
+                                      </p:cBhvr>
+                                    </p:animEffect>
+                                  </p:childTnLst>
+                                </p:cTn>
+                              </p:par>
+                              <p:par>
+                                <p:cTn id="67" presetID="10" presetClass="entr" presetSubtype="0" fill="hold" nodeType="withEffect">
+                                  <p:stCondLst>
+                                    <p:cond delay="0"/>
+                                  </p:stCondLst>
+                                  <p:childTnLst>
+                                    <p:set>
+                                      <p:cBhvr>
+                                        <p:cTn id="68" dur="1" fill="hold">
+                                          <p:stCondLst>
+                                            <p:cond delay="0"/>
+                                          </p:stCondLst>
+                                        </p:cTn>
+                                        <p:tgtEl>
+                                          <p:spTgt spid="42"/>
+                                        </p:tgtEl>
+                                        <p:attrNameLst>
+                                          <p:attrName>style.visibility</p:attrName>
+                                        </p:attrNameLst>
+                                      </p:cBhvr>
+                                      <p:to>
+                                        <p:strVal val="visible"/>
+                                      </p:to>
+                                    </p:set>
+                                    <p:animEffect transition="in" filter="fade">
+                                      <p:cBhvr>
+                                        <p:cTn id="69" dur="500"/>
+                                        <p:tgtEl>
+                                          <p:spTgt spid="42"/>
                                         </p:tgtEl>
                                       </p:cBhvr>
                                     </p:animEffect>
@@ -10385,7 +12619,19 @@
             </a:br>
             <a:r>
               <a:rPr lang="en-US" dirty="0" smtClean="0"/>
-              <a:t>Tool #5: </a:t>
+              <a:t>		Tool </a:t>
+            </a:r>
+            <a:r>
+              <a:rPr lang="en-US" dirty="0" smtClean="0">
+                <a:solidFill>
+                  <a:srgbClr val="FF0000"/>
+                </a:solidFill>
+              </a:rPr>
+              <a:t>#5</a:t>
+            </a:r>
+            <a:r>
+              <a:rPr lang="en-US" dirty="0" smtClean="0"/>
+              <a:t>: </a:t>
             </a:r>
             <a:r>
               <a:rPr lang="en-US" dirty="0" err="1" smtClean="0"/>
@@ -10414,8 +12660,35 @@
           <a:p>
             <a:r>
               <a:rPr lang="en-US" dirty="0" smtClean="0"/>
-              <a:t>Fundamental for every complex development process: Sync individuals that work on the same thing</a:t>
-            </a:r>
+              <a:t>Sync </a:t>
+            </a:r>
+            <a:r>
+              <a:rPr lang="en-US" dirty="0" smtClean="0"/>
+              <a:t>individuals that work on the same </a:t>
+            </a:r>
+            <a:r>
+              <a:rPr lang="en-US" dirty="0" smtClean="0"/>
+              <a:t>thing</a:t>
+            </a:r>
+          </a:p>
+          <a:p>
+            <a:pPr lvl="1"/>
+            <a:r>
+              <a:rPr lang="en-US" dirty="0" smtClean="0"/>
+              <a:t>Fundamental </a:t>
+            </a:r>
+            <a:r>
+              <a:rPr lang="en-US" dirty="0"/>
+              <a:t>for every complex development </a:t>
+            </a:r>
+            <a:r>
+              <a:rPr lang="en-US" dirty="0" smtClean="0"/>
+              <a:t>process</a:t>
+            </a:r>
+          </a:p>
+          <a:p>
+            <a:pPr lvl="1"/>
+            <a:endParaRPr lang="en-US" dirty="0" smtClean="0"/>
           </a:p>
           <a:p>
             <a:r>
@@ -10427,7 +12700,11 @@
             <a:pPr lvl="1"/>
             <a:r>
               <a:rPr lang="en-US" dirty="0" smtClean="0"/>
-              <a:t>Daily Scrum</a:t>
+              <a:t>Daily </a:t>
+            </a:r>
+            <a:r>
+              <a:rPr lang="en-US" dirty="0" smtClean="0"/>
+              <a:t>Scrum</a:t>
             </a:r>
           </a:p>
           <a:p>
@@ -10441,8 +12718,16 @@
             <a:pPr lvl="1"/>
             <a:r>
               <a:rPr lang="en-US" dirty="0" smtClean="0"/>
-              <a:t>Daily System Test</a:t>
-            </a:r>
+              <a:t>Daily System </a:t>
+            </a:r>
+            <a:r>
+              <a:rPr lang="en-US" dirty="0" smtClean="0"/>
+              <a:t>Test</a:t>
+            </a:r>
+          </a:p>
+          <a:p>
+            <a:pPr lvl="1"/>
+            <a:endParaRPr lang="en-US" dirty="0" smtClean="0"/>
           </a:p>
           <a:p>
             <a:r>
@@ -10464,6 +12749,129 @@
               <a:t>Weekly meetings (e.g. Scrum-of-Scrum)</a:t>
             </a:r>
             <a:endParaRPr lang="en-US" dirty="0"/>
+          </a:p>
+        </p:txBody>
+      </p:sp>
+      <p:sp>
+        <p:nvSpPr>
+          <p:cNvPr id="4" name="Footer Placeholder 6"/>
+          <p:cNvSpPr>
+            <a:spLocks noGrp="1"/>
+          </p:cNvSpPr>
+          <p:nvPr>
+            <p:ph type="ftr" sz="quarter" idx="11"/>
+          </p:nvPr>
+        </p:nvSpPr>
+        <p:spPr>
+          <a:xfrm>
+            <a:off x="5318367" y="6434242"/>
+            <a:ext cx="2895600" cy="365125"/>
+          </a:xfrm>
+        </p:spPr>
+        <p:txBody>
+          <a:bodyPr/>
+          <a:lstStyle/>
+          <a:p>
+            <a:r>
+              <a:rPr lang="de-DE" smtClean="0">
+                <a:solidFill>
+                  <a:prstClr val="black">
+                    <a:tint val="75000"/>
+                  </a:prstClr>
+                </a:solidFill>
+              </a:rPr>
+              <a:t>Lean | Agile Dev. Proc. | Eric Knauss</a:t>
+            </a:r>
+            <a:endParaRPr lang="de-DE">
+              <a:solidFill>
+                <a:prstClr val="black">
+                  <a:tint val="75000"/>
+                </a:prstClr>
+              </a:solidFill>
+            </a:endParaRPr>
+          </a:p>
+        </p:txBody>
+      </p:sp>
+      <p:sp>
+        <p:nvSpPr>
+          <p:cNvPr id="5" name="Slide Number Placeholder 7"/>
+          <p:cNvSpPr>
+            <a:spLocks noGrp="1"/>
+          </p:cNvSpPr>
+          <p:nvPr>
+            <p:ph type="sldNum" sz="quarter" idx="12"/>
+          </p:nvPr>
+        </p:nvSpPr>
+        <p:spPr>
+          <a:xfrm>
+            <a:off x="8291903" y="6433808"/>
+            <a:ext cx="842170" cy="365125"/>
+          </a:xfrm>
+        </p:spPr>
+        <p:txBody>
+          <a:bodyPr/>
+          <a:lstStyle/>
+          <a:p>
+            <a:fld id="{91974DF9-AD47-4691-BA21-BBFCE3637A9A}" type="slidenum">
+              <a:rPr lang="en-US" smtClean="0">
+                <a:solidFill>
+                  <a:prstClr val="black">
+                    <a:tint val="75000"/>
+                  </a:prstClr>
+                </a:solidFill>
+              </a:rPr>
+              <a:pPr/>
+              <a:t>13</a:t>
+            </a:fld>
+            <a:endParaRPr lang="en-US">
+              <a:solidFill>
+                <a:prstClr val="black">
+                  <a:tint val="75000"/>
+                </a:prstClr>
+              </a:solidFill>
+            </a:endParaRPr>
+          </a:p>
+        </p:txBody>
+      </p:sp>
+      <p:sp>
+        <p:nvSpPr>
+          <p:cNvPr id="6" name="TextBox 5"/>
+          <p:cNvSpPr txBox="1"/>
+          <p:nvPr/>
+        </p:nvSpPr>
+        <p:spPr>
+          <a:xfrm>
+            <a:off x="2037540" y="6333489"/>
+            <a:ext cx="3085887" cy="400110"/>
+          </a:xfrm>
+          <a:prstGeom prst="rect">
+            <a:avLst/>
+          </a:prstGeom>
+          <a:noFill/>
+        </p:spPr>
+        <p:txBody>
+          <a:bodyPr wrap="square" rtlCol="0">
+            <a:spAutoFit/>
+          </a:bodyPr>
+          <a:lstStyle/>
+          <a:p>
+            <a:r>
+              <a:rPr lang="en-US" sz="1000" dirty="0" err="1" smtClean="0"/>
+              <a:t>Cristoph</a:t>
+            </a:r>
+            <a:r>
+              <a:rPr lang="en-US" sz="1000" dirty="0" smtClean="0"/>
+              <a:t> </a:t>
+            </a:r>
+            <a:r>
+              <a:rPr lang="en-US" sz="1000" dirty="0" err="1" smtClean="0"/>
+              <a:t>Steindl</a:t>
+            </a:r>
+            <a:r>
+              <a:rPr lang="en-US" sz="1000" dirty="0" smtClean="0"/>
+              <a:t> (IBM), Lean Software Development, 2004 (Presentation)</a:t>
+            </a:r>
+            <a:endParaRPr lang="en-US" sz="1000" dirty="0"/>
           </a:p>
         </p:txBody>
       </p:sp>
@@ -10533,7 +12941,19 @@
             </a:br>
             <a:r>
               <a:rPr lang="en-US" dirty="0" smtClean="0"/>
-              <a:t>Tool #5: Set based development</a:t>
+              <a:t>Tool </a:t>
+            </a:r>
+            <a:r>
+              <a:rPr lang="en-US" dirty="0" smtClean="0">
+                <a:solidFill>
+                  <a:srgbClr val="FF0000"/>
+                </a:solidFill>
+              </a:rPr>
+              <a:t>#5</a:t>
+            </a:r>
+            <a:r>
+              <a:rPr lang="en-US" dirty="0" smtClean="0"/>
+              <a:t>: Set based development</a:t>
             </a:r>
             <a:endParaRPr lang="en-US" dirty="0"/>
           </a:p>
@@ -10683,7 +13103,7 @@
         <p:spPr/>
         <p:txBody>
           <a:bodyPr>
-            <a:normAutofit/>
+            <a:normAutofit lnSpcReduction="10000"/>
           </a:bodyPr>
           <a:lstStyle/>
           <a:p>
@@ -10726,6 +13146,9 @@
               <a:rPr lang="en-US" dirty="0" smtClean="0"/>
               <a:t>longer</a:t>
             </a:r>
+          </a:p>
+          <a:p>
+            <a:pPr lvl="1"/>
             <a:endParaRPr lang="en-US" dirty="0"/>
           </a:p>
           <a:p>
@@ -10745,8 +13168,16 @@
             <a:pPr lvl="1"/>
             <a:r>
               <a:rPr lang="en-US" dirty="0" smtClean="0"/>
-              <a:t>In the presence of the risk to make big mistakes: survey the landscape and delay detailed decisions</a:t>
-            </a:r>
+              <a:t>In the presence of the risk to make big mistakes: survey the landscape and delay detailed </a:t>
+            </a:r>
+            <a:r>
+              <a:rPr lang="en-US" dirty="0" smtClean="0"/>
+              <a:t>decisions</a:t>
+            </a:r>
+          </a:p>
+          <a:p>
+            <a:pPr lvl="1"/>
+            <a:endParaRPr lang="en-US" dirty="0" smtClean="0"/>
           </a:p>
           <a:p>
             <a:r>
@@ -10823,7 +13254,7 @@
                                         <p:tgtEl>
                                           <p:spTgt spid="3">
                                             <p:txEl>
-                                              <p:pRg st="6" end="6"/>
+                                              <p:pRg st="8" end="8"/>
                                             </p:txEl>
                                           </p:spTgt>
                                         </p:tgtEl>
@@ -10841,7 +13272,7 @@
                                         <p:tgtEl>
                                           <p:spTgt spid="3">
                                             <p:txEl>
-                                              <p:pRg st="6" end="6"/>
+                                              <p:pRg st="8" end="8"/>
                                             </p:txEl>
                                           </p:spTgt>
                                         </p:tgtEl>
@@ -10884,7 +13315,7 @@
                                         <p:tgtEl>
                                           <p:spTgt spid="3">
                                             <p:txEl>
-                                              <p:pRg st="7" end="7"/>
+                                              <p:pRg st="9" end="9"/>
                                             </p:txEl>
                                           </p:spTgt>
                                         </p:tgtEl>
@@ -10902,7 +13333,7 @@
                                         <p:tgtEl>
                                           <p:spTgt spid="3">
                                             <p:txEl>
-                                              <p:pRg st="7" end="7"/>
+                                              <p:pRg st="9" end="9"/>
                                             </p:txEl>
                                           </p:spTgt>
                                         </p:tgtEl>
@@ -10927,7 +13358,7 @@
                                         <p:tgtEl>
                                           <p:spTgt spid="3">
                                             <p:txEl>
-                                              <p:pRg st="8" end="8"/>
+                                              <p:pRg st="10" end="10"/>
                                             </p:txEl>
                                           </p:spTgt>
                                         </p:tgtEl>
@@ -10945,7 +13376,7 @@
                                         <p:tgtEl>
                                           <p:spTgt spid="3">
                                             <p:txEl>
-                                              <p:pRg st="8" end="8"/>
+                                              <p:pRg st="10" end="10"/>
                                             </p:txEl>
                                           </p:spTgt>
                                         </p:tgtEl>
@@ -11056,6 +13487,87 @@
           <a:lstStyle/>
           <a:p>
             <a:endParaRPr lang="en-US"/>
+          </a:p>
+        </p:txBody>
+      </p:sp>
+      <p:sp>
+        <p:nvSpPr>
+          <p:cNvPr id="4" name="Footer Placeholder 3"/>
+          <p:cNvSpPr>
+            <a:spLocks noGrp="1"/>
+          </p:cNvSpPr>
+          <p:nvPr>
+            <p:ph type="ftr" sz="quarter" idx="11"/>
+          </p:nvPr>
+        </p:nvSpPr>
+        <p:spPr>
+          <a:xfrm>
+            <a:off x="5318367" y="6434242"/>
+            <a:ext cx="2895600" cy="365125"/>
+          </a:xfrm>
+        </p:spPr>
+        <p:txBody>
+          <a:bodyPr/>
+          <a:lstStyle/>
+          <a:p>
+            <a:r>
+              <a:rPr lang="de-DE" smtClean="0">
+                <a:solidFill>
+                  <a:prstClr val="black">
+                    <a:tint val="75000"/>
+                  </a:prstClr>
+                </a:solidFill>
+              </a:rPr>
+              <a:t>Lean | Agile Dev. Proc. | Eric Knauss</a:t>
+            </a:r>
+            <a:endParaRPr lang="de-DE">
+              <a:solidFill>
+                <a:prstClr val="black">
+                  <a:tint val="75000"/>
+                </a:prstClr>
+              </a:solidFill>
+            </a:endParaRPr>
+          </a:p>
+        </p:txBody>
+      </p:sp>
+      <p:sp>
+        <p:nvSpPr>
+          <p:cNvPr id="5" name="Slide Number Placeholder 4"/>
+          <p:cNvSpPr>
+            <a:spLocks noGrp="1"/>
+          </p:cNvSpPr>
+          <p:nvPr>
+            <p:ph type="sldNum" sz="quarter" idx="12"/>
+          </p:nvPr>
+        </p:nvSpPr>
+        <p:spPr>
+          <a:xfrm>
+            <a:off x="8291903" y="6433808"/>
+            <a:ext cx="842170" cy="365125"/>
+          </a:xfrm>
+        </p:spPr>
+        <p:txBody>
+          <a:bodyPr/>
+          <a:lstStyle/>
+          <a:p>
+            <a:fld id="{91974DF9-AD47-4691-BA21-BBFCE3637A9A}" type="slidenum">
+              <a:rPr lang="en-US" smtClean="0">
+                <a:solidFill>
+                  <a:prstClr val="black">
+                    <a:tint val="75000"/>
+                  </a:prstClr>
+                </a:solidFill>
+              </a:rPr>
+              <a:pPr/>
+              <a:t>16</a:t>
+            </a:fld>
+            <a:endParaRPr lang="en-US">
+              <a:solidFill>
+                <a:prstClr val="black">
+                  <a:tint val="75000"/>
+                </a:prstClr>
+              </a:solidFill>
+            </a:endParaRPr>
           </a:p>
         </p:txBody>
       </p:sp>
@@ -12141,11 +14653,56 @@
             </a:r>
             <a:r>
               <a:rPr lang="en-US" dirty="0"/>
-              <a:t>of "Lean Manufacturing</a:t>
+              <a:t>of "Lean </a:t>
+            </a:r>
+            <a:r>
+              <a:rPr lang="en-US" dirty="0" smtClean="0"/>
+              <a:t/>
+            </a:r>
+            <a:br>
+              <a:rPr lang="en-US" dirty="0" smtClean="0"/>
+            </a:br>
+            <a:r>
+              <a:rPr lang="en-US" dirty="0" smtClean="0"/>
+              <a:t>Manufacturing</a:t>
             </a:r>
             <a:r>
               <a:rPr lang="en-US" dirty="0" smtClean="0"/>
               <a:t>“, revolutionize </a:t>
+            </a:r>
+            <a:r>
+              <a:rPr lang="en-US" dirty="0" smtClean="0"/>
+              <a:t/>
+            </a:r>
+            <a:br>
+              <a:rPr lang="en-US" dirty="0" smtClean="0"/>
+            </a:br>
+            <a:r>
+              <a:rPr lang="en-US" dirty="0" smtClean="0"/>
+              <a:t>the </a:t>
+            </a:r>
+            <a:r>
+              <a:rPr lang="en-US" dirty="0" smtClean="0"/>
+              <a:t>automotive industry</a:t>
+            </a:r>
+          </a:p>
+          <a:p>
+            <a:pPr lvl="1"/>
+            <a:r>
+              <a:rPr lang="en-US" dirty="0" smtClean="0"/>
+              <a:t>eliminate </a:t>
+            </a:r>
+            <a:r>
+              <a:rPr lang="en-US" dirty="0"/>
+              <a:t>waste </a:t>
+            </a:r>
+            <a:endParaRPr lang="en-US" dirty="0" smtClean="0"/>
+          </a:p>
+          <a:p>
+            <a:pPr lvl="1"/>
+            <a:r>
+              <a:rPr lang="en-US" dirty="0" smtClean="0"/>
+              <a:t>streamline </a:t>
             </a:r>
             <a:r>
               <a:rPr lang="en-US" dirty="0"/>
@@ -12153,30 +14710,26 @@
             </a:r>
             <a:r>
               <a:rPr lang="en-US" dirty="0" smtClean="0"/>
-              <a:t>automotive industry</a:t>
-            </a:r>
-          </a:p>
-          <a:p>
-            <a:pPr lvl="1"/>
-            <a:r>
-              <a:rPr lang="en-US" dirty="0" smtClean="0"/>
-              <a:t>eliminate </a:t>
+              <a:t>value </a:t>
             </a:r>
             <a:r>
               <a:rPr lang="en-US" dirty="0"/>
-              <a:t>waste </a:t>
-            </a:r>
-            <a:endParaRPr lang="en-US" dirty="0" smtClean="0"/>
-          </a:p>
-          <a:p>
-            <a:pPr lvl="1"/>
-            <a:r>
-              <a:rPr lang="en-US" dirty="0" smtClean="0"/>
-              <a:t>streamline </a:t>
+              <a:t>chain </a:t>
+            </a:r>
+            <a:r>
+              <a:rPr lang="en-US" dirty="0" smtClean="0"/>
+              <a:t/>
+            </a:r>
+            <a:br>
+              <a:rPr lang="en-US" dirty="0" smtClean="0"/>
+            </a:br>
+            <a:r>
+              <a:rPr lang="en-US" dirty="0" smtClean="0"/>
+              <a:t>(</a:t>
             </a:r>
             <a:r>
               <a:rPr lang="en-US" dirty="0"/>
-              <a:t>the value chain (even across enterprises) </a:t>
+              <a:t>even across enterprises) </a:t>
             </a:r>
             <a:endParaRPr lang="en-US" dirty="0" smtClean="0"/>
           </a:p>
@@ -12244,6 +14797,251 @@
           </a:p>
           <a:p>
             <a:endParaRPr lang="en-US" dirty="0"/>
+          </a:p>
+        </p:txBody>
+      </p:sp>
+      <p:pic>
+        <p:nvPicPr>
+          <p:cNvPr id="6" name="Picture 5"/>
+          <p:cNvPicPr>
+            <a:picLocks noChangeAspect="1"/>
+          </p:cNvPicPr>
+          <p:nvPr/>
+        </p:nvPicPr>
+        <p:blipFill>
+          <a:blip r:embed="rId2"/>
+          <a:stretch>
+            <a:fillRect/>
+          </a:stretch>
+        </p:blipFill>
+        <p:spPr>
+          <a:xfrm>
+            <a:off x="5229036" y="838201"/>
+            <a:ext cx="3700860" cy="2368550"/>
+          </a:xfrm>
+          <a:prstGeom prst="rect">
+            <a:avLst/>
+          </a:prstGeom>
+          <a:ln>
+            <a:noFill/>
+          </a:ln>
+          <a:effectLst>
+            <a:outerShdw blurRad="292100" dist="139700" dir="2700000" algn="tl" rotWithShape="0">
+              <a:srgbClr val="333333">
+                <a:alpha val="65000"/>
+              </a:srgbClr>
+            </a:outerShdw>
+          </a:effectLst>
+        </p:spPr>
+      </p:pic>
+      <p:sp>
+        <p:nvSpPr>
+          <p:cNvPr id="7" name="Rectangle 6"/>
+          <p:cNvSpPr/>
+          <p:nvPr/>
+        </p:nvSpPr>
+        <p:spPr>
+          <a:xfrm>
+            <a:off x="6629266" y="2960530"/>
+            <a:ext cx="2300630" cy="246221"/>
+          </a:xfrm>
+          <a:prstGeom prst="rect">
+            <a:avLst/>
+          </a:prstGeom>
+        </p:spPr>
+        <p:txBody>
+          <a:bodyPr wrap="none">
+            <a:spAutoFit/>
+          </a:bodyPr>
+          <a:lstStyle/>
+          <a:p>
+            <a:pPr marL="171450" indent="-171450">
+              <a:buFontTx/>
+              <a:buChar char="-"/>
+            </a:pPr>
+            <a:r>
+              <a:rPr lang="en-US" sz="1000" dirty="0">
+                <a:solidFill>
+                  <a:schemeClr val="bg1"/>
+                </a:solidFill>
+              </a:rPr>
+              <a:t>http://</a:t>
+            </a:r>
+            <a:r>
+              <a:rPr lang="en-US" sz="1000" dirty="0" err="1">
+                <a:solidFill>
+                  <a:schemeClr val="bg1"/>
+                </a:solidFill>
+              </a:rPr>
+              <a:t>en.wikipedia.org</a:t>
+            </a:r>
+            <a:r>
+              <a:rPr lang="en-US" sz="1000" dirty="0">
+                <a:solidFill>
+                  <a:schemeClr val="bg1"/>
+                </a:solidFill>
+              </a:rPr>
+              <a:t>/wiki/Fordism</a:t>
+            </a:r>
+          </a:p>
+        </p:txBody>
+      </p:sp>
+      <p:sp>
+        <p:nvSpPr>
+          <p:cNvPr id="2" name="Rectangle 1"/>
+          <p:cNvSpPr/>
+          <p:nvPr/>
+        </p:nvSpPr>
+        <p:spPr bwMode="auto">
+          <a:xfrm>
+            <a:off x="8683625" y="4937125"/>
+            <a:ext cx="1873250" cy="914400"/>
+          </a:xfrm>
+          <a:prstGeom prst="rect">
+            <a:avLst/>
+          </a:prstGeom>
+          <a:solidFill>
+            <a:srgbClr val="FFFF00"/>
+          </a:solidFill>
+          <a:ln w="9525" cap="flat" cmpd="sng" algn="ctr">
+            <a:solidFill>
+              <a:schemeClr val="tx1"/>
+            </a:solidFill>
+            <a:prstDash val="solid"/>
+            <a:round/>
+            <a:headEnd type="none" w="med" len="med"/>
+            <a:tailEnd type="none" w="med" len="med"/>
+          </a:ln>
+          <a:effectLst/>
+        </p:spPr>
+        <p:txBody>
+          <a:bodyPr vert="horz" wrap="square" lIns="91440" tIns="45720" rIns="91440" bIns="45720" numCol="1" rtlCol="0" anchor="t" anchorCtr="0" compatLnSpc="1">
+            <a:prstTxWarp prst="textNoShape">
+              <a:avLst/>
+            </a:prstTxWarp>
+          </a:bodyPr>
+          <a:lstStyle/>
+          <a:p>
+            <a:pPr marL="0" marR="0" indent="0" algn="r" defTabSz="914400" rtl="0" eaLnBrk="0" fontAlgn="base" latinLnBrk="0" hangingPunct="0">
+              <a:lnSpc>
+                <a:spcPct val="100000"/>
+              </a:lnSpc>
+              <a:spcBef>
+                <a:spcPct val="0"/>
+              </a:spcBef>
+              <a:spcAft>
+                <a:spcPct val="0"/>
+              </a:spcAft>
+              <a:buClrTx/>
+              <a:buSzTx/>
+              <a:buFontTx/>
+              <a:buNone/>
+              <a:tabLst/>
+            </a:pPr>
+            <a:r>
+              <a:rPr kumimoji="0" lang="en-US" sz="2400" b="0" i="0" u="none" strike="noStrike" cap="none" normalizeH="0" baseline="0" dirty="0" smtClean="0">
+                <a:ln>
+                  <a:noFill/>
+                </a:ln>
+                <a:solidFill>
+                  <a:schemeClr val="tx1"/>
+                </a:solidFill>
+                <a:effectLst/>
+                <a:latin typeface="Times" pitchFamily="68" charset="0"/>
+              </a:rPr>
+              <a:t>Picture of their book</a:t>
+            </a:r>
+            <a:endParaRPr kumimoji="0" lang="en-US" sz="2400" b="0" i="0" u="none" strike="noStrike" cap="none" normalizeH="0" baseline="0" dirty="0">
+              <a:ln>
+                <a:noFill/>
+              </a:ln>
+              <a:solidFill>
+                <a:schemeClr val="tx1"/>
+              </a:solidFill>
+              <a:effectLst/>
+              <a:latin typeface="Times" pitchFamily="68" charset="0"/>
+            </a:endParaRPr>
+          </a:p>
+        </p:txBody>
+      </p:sp>
+      <p:sp>
+        <p:nvSpPr>
+          <p:cNvPr id="9" name="Footer Placeholder 6"/>
+          <p:cNvSpPr>
+            <a:spLocks noGrp="1"/>
+          </p:cNvSpPr>
+          <p:nvPr>
+            <p:ph type="ftr" sz="quarter" idx="11"/>
+          </p:nvPr>
+        </p:nvSpPr>
+        <p:spPr>
+          <a:xfrm>
+            <a:off x="5318367" y="6434242"/>
+            <a:ext cx="2895600" cy="365125"/>
+          </a:xfrm>
+        </p:spPr>
+        <p:txBody>
+          <a:bodyPr/>
+          <a:lstStyle/>
+          <a:p>
+            <a:r>
+              <a:rPr lang="de-DE" smtClean="0">
+                <a:solidFill>
+                  <a:prstClr val="black">
+                    <a:tint val="75000"/>
+                  </a:prstClr>
+                </a:solidFill>
+              </a:rPr>
+              <a:t>Lean | Agile Dev. Proc. | Eric Knauss</a:t>
+            </a:r>
+            <a:endParaRPr lang="de-DE">
+              <a:solidFill>
+                <a:prstClr val="black">
+                  <a:tint val="75000"/>
+                </a:prstClr>
+              </a:solidFill>
+            </a:endParaRPr>
+          </a:p>
+        </p:txBody>
+      </p:sp>
+      <p:sp>
+        <p:nvSpPr>
+          <p:cNvPr id="10" name="Slide Number Placeholder 7"/>
+          <p:cNvSpPr>
+            <a:spLocks noGrp="1"/>
+          </p:cNvSpPr>
+          <p:nvPr>
+            <p:ph type="sldNum" sz="quarter" idx="12"/>
+          </p:nvPr>
+        </p:nvSpPr>
+        <p:spPr>
+          <a:xfrm>
+            <a:off x="8291903" y="6433808"/>
+            <a:ext cx="842170" cy="365125"/>
+          </a:xfrm>
+        </p:spPr>
+        <p:txBody>
+          <a:bodyPr/>
+          <a:lstStyle/>
+          <a:p>
+            <a:fld id="{91974DF9-AD47-4691-BA21-BBFCE3637A9A}" type="slidenum">
+              <a:rPr lang="en-US" smtClean="0">
+                <a:solidFill>
+                  <a:prstClr val="black">
+                    <a:tint val="75000"/>
+                  </a:prstClr>
+                </a:solidFill>
+              </a:rPr>
+              <a:pPr/>
+              <a:t>2</a:t>
+            </a:fld>
+            <a:endParaRPr lang="en-US">
+              <a:solidFill>
+                <a:prstClr val="black">
+                  <a:tint val="75000"/>
+                </a:prstClr>
+              </a:solidFill>
+            </a:endParaRPr>
           </a:p>
         </p:txBody>
       </p:sp>
@@ -12633,11 +15431,24 @@
           <a:p>
             <a:r>
               <a:rPr lang="en-US" dirty="0"/>
-              <a:t>Most errors are of a systemic nature and therefore your </a:t>
-            </a:r>
-            <a:r>
-              <a:rPr lang="en-US" dirty="0" smtClean="0"/>
-              <a:t>development </a:t>
+              <a:t>Most errors are of a systemic </a:t>
+            </a:r>
+            <a:r>
+              <a:rPr lang="en-US" dirty="0" smtClean="0"/>
+              <a:t>nature</a:t>
+            </a:r>
+            <a:br>
+              <a:rPr lang="en-US" dirty="0" smtClean="0"/>
+            </a:br>
+            <a:r>
+              <a:rPr lang="en-US" dirty="0" smtClean="0">
+                <a:sym typeface="Wingdings"/>
+              </a:rPr>
+              <a:t> D</a:t>
+            </a:r>
+            <a:r>
+              <a:rPr lang="en-US" dirty="0" smtClean="0"/>
+              <a:t>evelopment </a:t>
             </a:r>
             <a:r>
               <a:rPr lang="en-US" dirty="0"/>
@@ -12730,7 +15541,7 @@
         </p:nvSpPr>
         <p:spPr>
           <a:xfrm>
-            <a:off x="4114800" y="6092393"/>
+            <a:off x="611188" y="6284585"/>
             <a:ext cx="4572000" cy="400110"/>
           </a:xfrm>
           <a:prstGeom prst="rect">
@@ -12772,6 +15583,87 @@
               <a:t>Chapter 1.</a:t>
             </a:r>
             <a:endParaRPr lang="en-US" sz="1000" dirty="0"/>
+          </a:p>
+        </p:txBody>
+      </p:sp>
+      <p:sp>
+        <p:nvSpPr>
+          <p:cNvPr id="5" name="Footer Placeholder 6"/>
+          <p:cNvSpPr>
+            <a:spLocks noGrp="1"/>
+          </p:cNvSpPr>
+          <p:nvPr>
+            <p:ph type="ftr" sz="quarter" idx="11"/>
+          </p:nvPr>
+        </p:nvSpPr>
+        <p:spPr>
+          <a:xfrm>
+            <a:off x="5318367" y="6434242"/>
+            <a:ext cx="2895600" cy="365125"/>
+          </a:xfrm>
+        </p:spPr>
+        <p:txBody>
+          <a:bodyPr/>
+          <a:lstStyle/>
+          <a:p>
+            <a:r>
+              <a:rPr lang="de-DE" smtClean="0">
+                <a:solidFill>
+                  <a:prstClr val="black">
+                    <a:tint val="75000"/>
+                  </a:prstClr>
+                </a:solidFill>
+              </a:rPr>
+              <a:t>Lean | Agile Dev. Proc. | Eric Knauss</a:t>
+            </a:r>
+            <a:endParaRPr lang="de-DE">
+              <a:solidFill>
+                <a:prstClr val="black">
+                  <a:tint val="75000"/>
+                </a:prstClr>
+              </a:solidFill>
+            </a:endParaRPr>
+          </a:p>
+        </p:txBody>
+      </p:sp>
+      <p:sp>
+        <p:nvSpPr>
+          <p:cNvPr id="6" name="Slide Number Placeholder 7"/>
+          <p:cNvSpPr>
+            <a:spLocks noGrp="1"/>
+          </p:cNvSpPr>
+          <p:nvPr>
+            <p:ph type="sldNum" sz="quarter" idx="12"/>
+          </p:nvPr>
+        </p:nvSpPr>
+        <p:spPr>
+          <a:xfrm>
+            <a:off x="8291903" y="6433808"/>
+            <a:ext cx="842170" cy="365125"/>
+          </a:xfrm>
+        </p:spPr>
+        <p:txBody>
+          <a:bodyPr/>
+          <a:lstStyle/>
+          <a:p>
+            <a:fld id="{91974DF9-AD47-4691-BA21-BBFCE3637A9A}" type="slidenum">
+              <a:rPr lang="en-US" smtClean="0">
+                <a:solidFill>
+                  <a:prstClr val="black">
+                    <a:tint val="75000"/>
+                  </a:prstClr>
+                </a:solidFill>
+              </a:rPr>
+              <a:pPr/>
+              <a:t>3</a:t>
+            </a:fld>
+            <a:endParaRPr lang="en-US">
+              <a:solidFill>
+                <a:prstClr val="black">
+                  <a:tint val="75000"/>
+                </a:prstClr>
+              </a:solidFill>
+            </a:endParaRPr>
           </a:p>
         </p:txBody>
       </p:sp>
@@ -12955,7 +15847,7 @@
         </p:nvSpPr>
         <p:spPr>
           <a:xfrm>
-            <a:off x="5600913" y="6327845"/>
+            <a:off x="683568" y="6333489"/>
             <a:ext cx="3085887" cy="400110"/>
           </a:xfrm>
           <a:prstGeom prst="rect">
@@ -12986,6 +15878,87 @@
               <a:t> (IBM), Lean Software Development, 2004 (Presentation)</a:t>
             </a:r>
             <a:endParaRPr lang="en-US" sz="1000" dirty="0"/>
+          </a:p>
+        </p:txBody>
+      </p:sp>
+      <p:sp>
+        <p:nvSpPr>
+          <p:cNvPr id="5" name="Footer Placeholder 6"/>
+          <p:cNvSpPr>
+            <a:spLocks noGrp="1"/>
+          </p:cNvSpPr>
+          <p:nvPr>
+            <p:ph type="ftr" sz="quarter" idx="11"/>
+          </p:nvPr>
+        </p:nvSpPr>
+        <p:spPr>
+          <a:xfrm>
+            <a:off x="5318367" y="6434242"/>
+            <a:ext cx="2895600" cy="365125"/>
+          </a:xfrm>
+        </p:spPr>
+        <p:txBody>
+          <a:bodyPr/>
+          <a:lstStyle/>
+          <a:p>
+            <a:r>
+              <a:rPr lang="de-DE" smtClean="0">
+                <a:solidFill>
+                  <a:prstClr val="black">
+                    <a:tint val="75000"/>
+                  </a:prstClr>
+                </a:solidFill>
+              </a:rPr>
+              <a:t>Lean | Agile Dev. Proc. | Eric Knauss</a:t>
+            </a:r>
+            <a:endParaRPr lang="de-DE">
+              <a:solidFill>
+                <a:prstClr val="black">
+                  <a:tint val="75000"/>
+                </a:prstClr>
+              </a:solidFill>
+            </a:endParaRPr>
+          </a:p>
+        </p:txBody>
+      </p:sp>
+      <p:sp>
+        <p:nvSpPr>
+          <p:cNvPr id="6" name="Slide Number Placeholder 7"/>
+          <p:cNvSpPr>
+            <a:spLocks noGrp="1"/>
+          </p:cNvSpPr>
+          <p:nvPr>
+            <p:ph type="sldNum" sz="quarter" idx="12"/>
+          </p:nvPr>
+        </p:nvSpPr>
+        <p:spPr>
+          <a:xfrm>
+            <a:off x="8291903" y="6433808"/>
+            <a:ext cx="842170" cy="365125"/>
+          </a:xfrm>
+        </p:spPr>
+        <p:txBody>
+          <a:bodyPr/>
+          <a:lstStyle/>
+          <a:p>
+            <a:fld id="{91974DF9-AD47-4691-BA21-BBFCE3637A9A}" type="slidenum">
+              <a:rPr lang="en-US" smtClean="0">
+                <a:solidFill>
+                  <a:prstClr val="black">
+                    <a:tint val="75000"/>
+                  </a:prstClr>
+                </a:solidFill>
+              </a:rPr>
+              <a:pPr/>
+              <a:t>4</a:t>
+            </a:fld>
+            <a:endParaRPr lang="en-US">
+              <a:solidFill>
+                <a:prstClr val="black">
+                  <a:tint val="75000"/>
+                </a:prstClr>
+              </a:solidFill>
+            </a:endParaRPr>
           </a:p>
         </p:txBody>
       </p:sp>
@@ -13336,6 +16309,129 @@
           </a:p>
         </p:txBody>
       </p:sp>
+      <p:sp>
+        <p:nvSpPr>
+          <p:cNvPr id="8" name="Footer Placeholder 6"/>
+          <p:cNvSpPr>
+            <a:spLocks noGrp="1"/>
+          </p:cNvSpPr>
+          <p:nvPr>
+            <p:ph type="ftr" sz="quarter" idx="11"/>
+          </p:nvPr>
+        </p:nvSpPr>
+        <p:spPr>
+          <a:xfrm>
+            <a:off x="5318367" y="6434242"/>
+            <a:ext cx="2895600" cy="365125"/>
+          </a:xfrm>
+        </p:spPr>
+        <p:txBody>
+          <a:bodyPr/>
+          <a:lstStyle/>
+          <a:p>
+            <a:r>
+              <a:rPr lang="de-DE" smtClean="0">
+                <a:solidFill>
+                  <a:prstClr val="black">
+                    <a:tint val="75000"/>
+                  </a:prstClr>
+                </a:solidFill>
+              </a:rPr>
+              <a:t>Lean | Agile Dev. Proc. | Eric Knauss</a:t>
+            </a:r>
+            <a:endParaRPr lang="de-DE">
+              <a:solidFill>
+                <a:prstClr val="black">
+                  <a:tint val="75000"/>
+                </a:prstClr>
+              </a:solidFill>
+            </a:endParaRPr>
+          </a:p>
+        </p:txBody>
+      </p:sp>
+      <p:sp>
+        <p:nvSpPr>
+          <p:cNvPr id="9" name="Slide Number Placeholder 7"/>
+          <p:cNvSpPr>
+            <a:spLocks noGrp="1"/>
+          </p:cNvSpPr>
+          <p:nvPr>
+            <p:ph type="sldNum" sz="quarter" idx="12"/>
+          </p:nvPr>
+        </p:nvSpPr>
+        <p:spPr>
+          <a:xfrm>
+            <a:off x="8291903" y="6433808"/>
+            <a:ext cx="842170" cy="365125"/>
+          </a:xfrm>
+        </p:spPr>
+        <p:txBody>
+          <a:bodyPr/>
+          <a:lstStyle/>
+          <a:p>
+            <a:fld id="{91974DF9-AD47-4691-BA21-BBFCE3637A9A}" type="slidenum">
+              <a:rPr lang="en-US" smtClean="0">
+                <a:solidFill>
+                  <a:prstClr val="black">
+                    <a:tint val="75000"/>
+                  </a:prstClr>
+                </a:solidFill>
+              </a:rPr>
+              <a:pPr/>
+              <a:t>5</a:t>
+            </a:fld>
+            <a:endParaRPr lang="en-US">
+              <a:solidFill>
+                <a:prstClr val="black">
+                  <a:tint val="75000"/>
+                </a:prstClr>
+              </a:solidFill>
+            </a:endParaRPr>
+          </a:p>
+        </p:txBody>
+      </p:sp>
+      <p:sp>
+        <p:nvSpPr>
+          <p:cNvPr id="10" name="TextBox 9"/>
+          <p:cNvSpPr txBox="1"/>
+          <p:nvPr/>
+        </p:nvSpPr>
+        <p:spPr>
+          <a:xfrm>
+            <a:off x="683568" y="6333489"/>
+            <a:ext cx="3085887" cy="400110"/>
+          </a:xfrm>
+          <a:prstGeom prst="rect">
+            <a:avLst/>
+          </a:prstGeom>
+          <a:noFill/>
+        </p:spPr>
+        <p:txBody>
+          <a:bodyPr wrap="square" rtlCol="0">
+            <a:spAutoFit/>
+          </a:bodyPr>
+          <a:lstStyle/>
+          <a:p>
+            <a:r>
+              <a:rPr lang="en-US" sz="1000" dirty="0" err="1" smtClean="0"/>
+              <a:t>Cristoph</a:t>
+            </a:r>
+            <a:r>
+              <a:rPr lang="en-US" sz="1000" dirty="0" smtClean="0"/>
+              <a:t> </a:t>
+            </a:r>
+            <a:r>
+              <a:rPr lang="en-US" sz="1000" dirty="0" err="1" smtClean="0"/>
+              <a:t>Steindl</a:t>
+            </a:r>
+            <a:r>
+              <a:rPr lang="en-US" sz="1000" dirty="0" smtClean="0"/>
+              <a:t> (IBM), Lean Software Development, 2004 (Presentation)</a:t>
+            </a:r>
+            <a:endParaRPr lang="en-US" sz="1000" dirty="0"/>
+          </a:p>
+        </p:txBody>
+      </p:sp>
     </p:spTree>
     <p:extLst>
       <p:ext uri="{BB962C8B-B14F-4D97-AF65-F5344CB8AC3E}">
@@ -13423,6 +16519,87 @@
           </a:xfrm>
         </p:spPr>
       </p:pic>
+      <p:sp>
+        <p:nvSpPr>
+          <p:cNvPr id="5" name="Footer Placeholder 6"/>
+          <p:cNvSpPr>
+            <a:spLocks noGrp="1"/>
+          </p:cNvSpPr>
+          <p:nvPr>
+            <p:ph type="ftr" sz="quarter" idx="11"/>
+          </p:nvPr>
+        </p:nvSpPr>
+        <p:spPr>
+          <a:xfrm>
+            <a:off x="5318367" y="6434242"/>
+            <a:ext cx="2895600" cy="365125"/>
+          </a:xfrm>
+        </p:spPr>
+        <p:txBody>
+          <a:bodyPr/>
+          <a:lstStyle/>
+          <a:p>
+            <a:r>
+              <a:rPr lang="de-DE" smtClean="0">
+                <a:solidFill>
+                  <a:prstClr val="black">
+                    <a:tint val="75000"/>
+                  </a:prstClr>
+                </a:solidFill>
+              </a:rPr>
+              <a:t>Lean | Agile Dev. Proc. | Eric Knauss</a:t>
+            </a:r>
+            <a:endParaRPr lang="de-DE">
+              <a:solidFill>
+                <a:prstClr val="black">
+                  <a:tint val="75000"/>
+                </a:prstClr>
+              </a:solidFill>
+            </a:endParaRPr>
+          </a:p>
+        </p:txBody>
+      </p:sp>
+      <p:sp>
+        <p:nvSpPr>
+          <p:cNvPr id="6" name="Slide Number Placeholder 7"/>
+          <p:cNvSpPr>
+            <a:spLocks noGrp="1"/>
+          </p:cNvSpPr>
+          <p:nvPr>
+            <p:ph type="sldNum" sz="quarter" idx="12"/>
+          </p:nvPr>
+        </p:nvSpPr>
+        <p:spPr>
+          <a:xfrm>
+            <a:off x="8291903" y="6433808"/>
+            <a:ext cx="842170" cy="365125"/>
+          </a:xfrm>
+        </p:spPr>
+        <p:txBody>
+          <a:bodyPr/>
+          <a:lstStyle/>
+          <a:p>
+            <a:fld id="{91974DF9-AD47-4691-BA21-BBFCE3637A9A}" type="slidenum">
+              <a:rPr lang="en-US" smtClean="0">
+                <a:solidFill>
+                  <a:prstClr val="black">
+                    <a:tint val="75000"/>
+                  </a:prstClr>
+                </a:solidFill>
+              </a:rPr>
+              <a:pPr/>
+              <a:t>6</a:t>
+            </a:fld>
+            <a:endParaRPr lang="en-US">
+              <a:solidFill>
+                <a:prstClr val="black">
+                  <a:tint val="75000"/>
+                </a:prstClr>
+              </a:solidFill>
+            </a:endParaRPr>
+          </a:p>
+        </p:txBody>
+      </p:sp>
     </p:spTree>
     <p:extLst>
       <p:ext uri="{BB962C8B-B14F-4D97-AF65-F5344CB8AC3E}">
@@ -13489,7 +16666,19 @@
             </a:br>
             <a:r>
               <a:rPr lang="en-US" dirty="0" smtClean="0"/>
-              <a:t>Tool #1: Seeing Waste</a:t>
+              <a:t>			Tool </a:t>
+            </a:r>
+            <a:r>
+              <a:rPr lang="en-US" dirty="0" smtClean="0">
+                <a:solidFill>
+                  <a:srgbClr val="FF0000"/>
+                </a:solidFill>
+              </a:rPr>
+              <a:t>#1</a:t>
+            </a:r>
+            <a:r>
+              <a:rPr lang="en-US" dirty="0" smtClean="0"/>
+              <a:t>: Seeing Waste</a:t>
             </a:r>
             <a:endParaRPr lang="en-US" dirty="0"/>
           </a:p>
@@ -13513,7 +16702,7 @@
         </p:spPr>
         <p:txBody>
           <a:bodyPr>
-            <a:normAutofit/>
+            <a:normAutofit fontScale="92500" lnSpcReduction="20000"/>
           </a:bodyPr>
           <a:lstStyle/>
           <a:p>
@@ -13530,8 +16719,16 @@
             <a:pPr lvl="1"/>
             <a:r>
               <a:rPr lang="en-US" dirty="0" smtClean="0"/>
-              <a:t>Partially done work</a:t>
-            </a:r>
+              <a:t>Partially done </a:t>
+            </a:r>
+            <a:r>
+              <a:rPr lang="en-US" dirty="0" smtClean="0"/>
+              <a:t>work</a:t>
+            </a:r>
+            <a:br>
+              <a:rPr lang="en-US" dirty="0" smtClean="0"/>
+            </a:br>
+            <a:endParaRPr lang="en-US" dirty="0" smtClean="0"/>
           </a:p>
           <a:p>
             <a:pPr marL="514350" indent="-514350">
@@ -13549,6 +16746,10 @@
               <a:rPr lang="en-US" dirty="0" smtClean="0"/>
               <a:t>Paperwork</a:t>
             </a:r>
+            <a:br>
+              <a:rPr lang="en-US" dirty="0" smtClean="0"/>
+            </a:br>
+            <a:endParaRPr lang="en-US" dirty="0" smtClean="0"/>
           </a:p>
           <a:p>
             <a:pPr marL="514350" indent="-514350">
@@ -13564,8 +16765,16 @@
             <a:pPr lvl="1"/>
             <a:r>
               <a:rPr lang="en-US" dirty="0" smtClean="0"/>
-              <a:t>Unused features</a:t>
-            </a:r>
+              <a:t>Unused </a:t>
+            </a:r>
+            <a:r>
+              <a:rPr lang="en-US" dirty="0" smtClean="0"/>
+              <a:t>features</a:t>
+            </a:r>
+            <a:br>
+              <a:rPr lang="en-US" dirty="0" smtClean="0"/>
+            </a:br>
+            <a:endParaRPr lang="en-US" dirty="0" smtClean="0"/>
           </a:p>
           <a:p>
             <a:pPr marL="514350" indent="-514350">
@@ -13608,7 +16817,7 @@
         </p:spPr>
         <p:txBody>
           <a:bodyPr>
-            <a:normAutofit/>
+            <a:normAutofit fontScale="92500" lnSpcReduction="20000"/>
           </a:bodyPr>
           <a:lstStyle/>
           <a:p>
@@ -13620,21 +16829,105 @@
               <a:rPr lang="en-US" dirty="0" smtClean="0"/>
               <a:t>Waiting</a:t>
             </a:r>
+            <a:endParaRPr lang="en-US" dirty="0"/>
+          </a:p>
+          <a:p>
+            <a:pPr marL="914400" lvl="1" indent="-514350"/>
+            <a:r>
+              <a:rPr lang="en-US" dirty="0"/>
+              <a:t>F</a:t>
+            </a:r>
+            <a:r>
+              <a:rPr lang="en-US" sz="2000" dirty="0" smtClean="0"/>
+              <a:t>or </a:t>
+            </a:r>
+            <a:r>
+              <a:rPr lang="en-US" sz="2000" dirty="0" smtClean="0"/>
+              <a:t>staffing, </a:t>
+            </a:r>
+            <a:endParaRPr lang="en-US" sz="2000" dirty="0" smtClean="0"/>
+          </a:p>
+          <a:p>
+            <a:pPr marL="914400" lvl="1" indent="-514350"/>
+            <a:r>
+              <a:rPr lang="en-US" dirty="0" smtClean="0"/>
+              <a:t>For </a:t>
+            </a:r>
+            <a:r>
+              <a:rPr lang="en-US" sz="2000" dirty="0" smtClean="0"/>
+              <a:t>approval</a:t>
+            </a:r>
+            <a:r>
+              <a:rPr lang="en-US" sz="2000" dirty="0" smtClean="0"/>
+              <a:t>, </a:t>
+            </a:r>
+            <a:endParaRPr lang="en-US" sz="2000" dirty="0" smtClean="0"/>
+          </a:p>
+          <a:p>
+            <a:pPr marL="914400" lvl="1" indent="-514350"/>
+            <a:r>
+              <a:rPr lang="en-US" dirty="0" smtClean="0"/>
+              <a:t>For </a:t>
+            </a:r>
+            <a:r>
+              <a:rPr lang="en-US" sz="2000" dirty="0" smtClean="0"/>
+              <a:t>review</a:t>
+            </a:r>
+            <a:r>
+              <a:rPr lang="en-US" sz="2000" dirty="0" smtClean="0"/>
+              <a:t>, </a:t>
+            </a:r>
+            <a:endParaRPr lang="en-US" sz="2000" dirty="0" smtClean="0"/>
+          </a:p>
+          <a:p>
+            <a:pPr marL="914400" lvl="1" indent="-514350"/>
+            <a:r>
+              <a:rPr lang="en-US" dirty="0" smtClean="0"/>
+              <a:t>For </a:t>
+            </a:r>
+            <a:r>
+              <a:rPr lang="en-US" sz="2000" dirty="0" err="1" smtClean="0"/>
+              <a:t>exessive</a:t>
+            </a:r>
+            <a:r>
+              <a:rPr lang="en-US" sz="2000" dirty="0" smtClean="0"/>
+              <a:t> </a:t>
+            </a:r>
+            <a:r>
+              <a:rPr lang="en-US" sz="2000" dirty="0" smtClean="0"/>
+              <a:t>requirements, </a:t>
+            </a:r>
+            <a:endParaRPr lang="en-US" sz="2000" dirty="0" smtClean="0"/>
+          </a:p>
+          <a:p>
+            <a:pPr marL="914400" lvl="1" indent="-514350"/>
+            <a:r>
+              <a:rPr lang="en-US" dirty="0" smtClean="0"/>
+              <a:t>For </a:t>
+            </a:r>
+            <a:r>
+              <a:rPr lang="en-US" sz="2000" dirty="0" smtClean="0"/>
+              <a:t>testing</a:t>
+            </a:r>
+            <a:r>
+              <a:rPr lang="en-US" sz="2000" dirty="0" smtClean="0"/>
+              <a:t>, </a:t>
+            </a:r>
+            <a:endParaRPr lang="en-US" sz="2000" dirty="0" smtClean="0"/>
+          </a:p>
+          <a:p>
+            <a:pPr marL="914400" lvl="1" indent="-514350"/>
+            <a:r>
+              <a:rPr lang="en-US" dirty="0" smtClean="0"/>
+              <a:t>For </a:t>
+            </a:r>
+            <a:r>
+              <a:rPr lang="en-US" sz="2000" dirty="0" smtClean="0"/>
+              <a:t>deployment </a:t>
+            </a:r>
             <a:br>
-              <a:rPr lang="en-US" dirty="0" smtClean="0"/>
+              <a:rPr lang="en-US" sz="2000" dirty="0" smtClean="0"/>
             </a:br>
-            <a:r>
-              <a:rPr lang="en-US" sz="2400" dirty="0" smtClean="0"/>
-              <a:t>e.g. for staffing, approval, review, </a:t>
-            </a:r>
-            <a:r>
-              <a:rPr lang="en-US" sz="2400" dirty="0" err="1" smtClean="0"/>
-              <a:t>exessive</a:t>
-            </a:r>
-            <a:r>
-              <a:rPr lang="en-US" sz="2400" dirty="0" smtClean="0"/>
-              <a:t> requirements, testing, deployment </a:t>
-            </a:r>
             <a:endParaRPr lang="en-US" dirty="0" smtClean="0"/>
           </a:p>
           <a:p>
@@ -13651,8 +16944,16 @@
             <a:pPr marL="914400" lvl="1" indent="-514350"/>
             <a:r>
               <a:rPr lang="en-US" dirty="0" smtClean="0"/>
-              <a:t>Handovers, finding answers for questions</a:t>
-            </a:r>
+              <a:t>Handovers, finding answers for </a:t>
+            </a:r>
+            <a:r>
+              <a:rPr lang="en-US" dirty="0" smtClean="0"/>
+              <a:t>questions</a:t>
+            </a:r>
+            <a:br>
+              <a:rPr lang="en-US" dirty="0" smtClean="0"/>
+            </a:br>
+            <a:endParaRPr lang="en-US" dirty="0" smtClean="0"/>
           </a:p>
           <a:p>
             <a:pPr marL="514350" indent="-514350">
@@ -13671,6 +16972,129 @@
               <a:t>Waste produced by defect = impact x time</a:t>
             </a:r>
             <a:endParaRPr lang="en-US" dirty="0"/>
+          </a:p>
+        </p:txBody>
+      </p:sp>
+      <p:sp>
+        <p:nvSpPr>
+          <p:cNvPr id="7" name="Footer Placeholder 6"/>
+          <p:cNvSpPr>
+            <a:spLocks noGrp="1"/>
+          </p:cNvSpPr>
+          <p:nvPr>
+            <p:ph type="ftr" sz="quarter" idx="11"/>
+          </p:nvPr>
+        </p:nvSpPr>
+        <p:spPr>
+          <a:xfrm>
+            <a:off x="5318367" y="6434242"/>
+            <a:ext cx="2895600" cy="365125"/>
+          </a:xfrm>
+        </p:spPr>
+        <p:txBody>
+          <a:bodyPr/>
+          <a:lstStyle/>
+          <a:p>
+            <a:r>
+              <a:rPr lang="de-DE" smtClean="0">
+                <a:solidFill>
+                  <a:prstClr val="black">
+                    <a:tint val="75000"/>
+                  </a:prstClr>
+                </a:solidFill>
+              </a:rPr>
+              <a:t>Lean | Agile Dev. Proc. | Eric Knauss</a:t>
+            </a:r>
+            <a:endParaRPr lang="de-DE">
+              <a:solidFill>
+                <a:prstClr val="black">
+                  <a:tint val="75000"/>
+                </a:prstClr>
+              </a:solidFill>
+            </a:endParaRPr>
+          </a:p>
+        </p:txBody>
+      </p:sp>
+      <p:sp>
+        <p:nvSpPr>
+          <p:cNvPr id="8" name="Slide Number Placeholder 7"/>
+          <p:cNvSpPr>
+            <a:spLocks noGrp="1"/>
+          </p:cNvSpPr>
+          <p:nvPr>
+            <p:ph type="sldNum" sz="quarter" idx="12"/>
+          </p:nvPr>
+        </p:nvSpPr>
+        <p:spPr>
+          <a:xfrm>
+            <a:off x="8291903" y="6433808"/>
+            <a:ext cx="842170" cy="365125"/>
+          </a:xfrm>
+        </p:spPr>
+        <p:txBody>
+          <a:bodyPr/>
+          <a:lstStyle/>
+          <a:p>
+            <a:fld id="{91974DF9-AD47-4691-BA21-BBFCE3637A9A}" type="slidenum">
+              <a:rPr lang="en-US" smtClean="0">
+                <a:solidFill>
+                  <a:prstClr val="black">
+                    <a:tint val="75000"/>
+                  </a:prstClr>
+                </a:solidFill>
+              </a:rPr>
+              <a:pPr/>
+              <a:t>7</a:t>
+            </a:fld>
+            <a:endParaRPr lang="en-US">
+              <a:solidFill>
+                <a:prstClr val="black">
+                  <a:tint val="75000"/>
+                </a:prstClr>
+              </a:solidFill>
+            </a:endParaRPr>
+          </a:p>
+        </p:txBody>
+      </p:sp>
+      <p:sp>
+        <p:nvSpPr>
+          <p:cNvPr id="9" name="TextBox 8"/>
+          <p:cNvSpPr txBox="1"/>
+          <p:nvPr/>
+        </p:nvSpPr>
+        <p:spPr>
+          <a:xfrm>
+            <a:off x="683568" y="6333489"/>
+            <a:ext cx="3085887" cy="400110"/>
+          </a:xfrm>
+          <a:prstGeom prst="rect">
+            <a:avLst/>
+          </a:prstGeom>
+          <a:noFill/>
+        </p:spPr>
+        <p:txBody>
+          <a:bodyPr wrap="square" rtlCol="0">
+            <a:spAutoFit/>
+          </a:bodyPr>
+          <a:lstStyle/>
+          <a:p>
+            <a:r>
+              <a:rPr lang="en-US" sz="1000" dirty="0" err="1" smtClean="0"/>
+              <a:t>Cristoph</a:t>
+            </a:r>
+            <a:r>
+              <a:rPr lang="en-US" sz="1000" dirty="0" smtClean="0"/>
+              <a:t> </a:t>
+            </a:r>
+            <a:r>
+              <a:rPr lang="en-US" sz="1000" dirty="0" err="1" smtClean="0"/>
+              <a:t>Steindl</a:t>
+            </a:r>
+            <a:r>
+              <a:rPr lang="en-US" sz="1000" dirty="0" smtClean="0"/>
+              <a:t> (IBM), Lean Software Development, 2004 (Presentation)</a:t>
+            </a:r>
+            <a:endParaRPr lang="en-US" sz="1000" dirty="0"/>
           </a:p>
         </p:txBody>
       </p:sp>
@@ -13737,7 +17161,19 @@
             </a:br>
             <a:r>
               <a:rPr lang="en-US" dirty="0" smtClean="0"/>
-              <a:t>Tool #2: Value Stream Mapping</a:t>
+              <a:t>Tool </a:t>
+            </a:r>
+            <a:r>
+              <a:rPr lang="en-US" dirty="0" smtClean="0">
+                <a:solidFill>
+                  <a:srgbClr val="FF0000"/>
+                </a:solidFill>
+              </a:rPr>
+              <a:t>#2</a:t>
+            </a:r>
+            <a:r>
+              <a:rPr lang="en-US" dirty="0" smtClean="0"/>
+              <a:t>: Value Stream Mapping</a:t>
             </a:r>
             <a:endParaRPr lang="en-US" dirty="0"/>
           </a:p>
@@ -13753,13 +17189,22 @@
             <p:ph idx="1"/>
           </p:nvPr>
         </p:nvSpPr>
-        <p:spPr/>
+        <p:spPr>
+          <a:xfrm>
+            <a:off x="683566" y="1988840"/>
+            <a:ext cx="8460433" cy="4495800"/>
+          </a:xfrm>
+        </p:spPr>
         <p:txBody>
           <a:bodyPr>
-            <a:normAutofit lnSpcReduction="10000"/>
+            <a:normAutofit fontScale="92500" lnSpcReduction="10000"/>
           </a:bodyPr>
           <a:lstStyle/>
           <a:p>
+            <a:pPr marL="457200" indent="-457200">
+              <a:buFont typeface="+mj-lt"/>
+              <a:buAutoNum type="arabicPeriod"/>
+            </a:pPr>
             <a:r>
               <a:rPr lang="en-US" dirty="0"/>
               <a:t>Pretend you are a customer </a:t>
@@ -13772,8 +17217,12 @@
           <a:p>
             <a:pPr lvl="1"/>
             <a:r>
-              <a:rPr lang="en-US" dirty="0" smtClean="0"/>
-              <a:t>imagine </a:t>
+              <a:rPr lang="en-US" dirty="0"/>
+              <a:t>I</a:t>
+            </a:r>
+            <a:r>
+              <a:rPr lang="en-US" dirty="0" smtClean="0"/>
+              <a:t>magine </a:t>
             </a:r>
             <a:r>
               <a:rPr lang="en-US" dirty="0"/>
@@ -13792,45 +17241,225 @@
             </a:r>
             <a:r>
               <a:rPr lang="en-US" dirty="0"/>
-              <a:t>ask people what happens; walk around, look at the data, find out for yourself. </a:t>
-            </a:r>
-          </a:p>
-          <a:p>
+              <a:t>ask </a:t>
+            </a:r>
+            <a:r>
+              <a:rPr lang="en-US" dirty="0" smtClean="0"/>
+              <a:t>people; </a:t>
+            </a:r>
+            <a:r>
+              <a:rPr lang="en-US" dirty="0"/>
+              <a:t>walk around, look </a:t>
+            </a:r>
+            <a:r>
+              <a:rPr lang="en-US" dirty="0" smtClean="0"/>
+              <a:t>at </a:t>
+            </a:r>
+            <a:r>
+              <a:rPr lang="en-US" dirty="0"/>
+              <a:t>data, find </a:t>
+            </a:r>
+            <a:r>
+              <a:rPr lang="en-US" dirty="0" smtClean="0"/>
+              <a:t>out </a:t>
+            </a:r>
+            <a:r>
+              <a:rPr lang="en-US" dirty="0"/>
+              <a:t>yourself. </a:t>
+            </a:r>
+          </a:p>
+          <a:p>
+            <a:pPr marL="457200" indent="-457200">
+              <a:buFont typeface="+mj-lt"/>
+              <a:buAutoNum type="arabicPeriod"/>
+            </a:pPr>
             <a:r>
               <a:rPr lang="en-US" dirty="0" smtClean="0"/>
               <a:t>Go </a:t>
             </a:r>
             <a:r>
               <a:rPr lang="en-US" dirty="0"/>
-              <a:t>to the place where a customer request comes into your organization. </a:t>
-            </a:r>
+              <a:t>to the </a:t>
+            </a:r>
+            <a:r>
+              <a:rPr lang="en-US" dirty="0" smtClean="0"/>
+              <a:t>start</a:t>
+            </a:r>
+          </a:p>
+          <a:p>
+            <a:pPr marL="857250" lvl="1" indent="-457200"/>
+            <a:r>
+              <a:rPr lang="en-US" dirty="0" smtClean="0"/>
+              <a:t>I.e. </a:t>
+            </a:r>
+            <a:r>
+              <a:rPr lang="en-US" dirty="0"/>
+              <a:t>where a customer request comes into your organization. </a:t>
+            </a:r>
+            <a:endParaRPr lang="en-US" dirty="0" smtClean="0"/>
+          </a:p>
+          <a:p>
+            <a:pPr marL="457200" indent="-457200">
+              <a:buFont typeface="+mj-lt"/>
+              <a:buAutoNum type="arabicPeriod"/>
+            </a:pPr>
             <a:r>
               <a:rPr lang="en-US" dirty="0" smtClean="0"/>
               <a:t>Draw </a:t>
             </a:r>
             <a:r>
               <a:rPr lang="en-US" dirty="0"/>
-              <a:t>a chart of the average customer request, from arrival to completion. </a:t>
-            </a:r>
-          </a:p>
-          <a:p>
-            <a:r>
-              <a:rPr lang="en-US" dirty="0" smtClean="0"/>
-              <a:t>Working </a:t>
+              <a:t>a chart </a:t>
+            </a:r>
+            <a:endParaRPr lang="en-US" dirty="0" smtClean="0"/>
+          </a:p>
+          <a:p>
+            <a:pPr marL="857250" lvl="1" indent="-457200"/>
+            <a:r>
+              <a:rPr lang="en-US" dirty="0" smtClean="0"/>
+              <a:t>Average </a:t>
             </a:r>
             <a:r>
               <a:rPr lang="en-US" dirty="0"/>
-              <a:t>with the people involved in each activity, sketch all the process steps necessary to fill the request, as well as the average amount of time that the request spends in each step. </a:t>
-            </a:r>
-          </a:p>
-          <a:p>
-            <a:r>
-              <a:rPr lang="en-US" dirty="0" smtClean="0"/>
-              <a:t>At </a:t>
+              <a:t>customer request, from arrival to completion. </a:t>
+            </a:r>
+          </a:p>
+          <a:p>
+            <a:pPr marL="457200" indent="-457200">
+              <a:buFont typeface="+mj-lt"/>
+              <a:buAutoNum type="arabicPeriod"/>
+            </a:pPr>
+            <a:r>
+              <a:rPr lang="en-US" dirty="0" smtClean="0"/>
+              <a:t>Work </a:t>
             </a:r>
             <a:r>
               <a:rPr lang="en-US" dirty="0"/>
-              <a:t>the bottom of the map, draw a timeline that shows how much time the request spends in value-adding activities and how much time it spends in waiting states and non-value adding activities. </a:t>
+              <a:t>with </a:t>
+            </a:r>
+            <a:r>
+              <a:rPr lang="en-US" dirty="0" smtClean="0"/>
+              <a:t>people </a:t>
+            </a:r>
+            <a:r>
+              <a:rPr lang="en-US" dirty="0"/>
+              <a:t>involved in each </a:t>
+            </a:r>
+            <a:r>
+              <a:rPr lang="en-US" dirty="0" smtClean="0"/>
+              <a:t>activity</a:t>
+            </a:r>
+            <a:endParaRPr lang="en-US" dirty="0"/>
+          </a:p>
+          <a:p>
+            <a:pPr marL="857250" lvl="1" indent="-457200"/>
+            <a:r>
+              <a:rPr lang="en-US" dirty="0"/>
+              <a:t>S</a:t>
+            </a:r>
+            <a:r>
+              <a:rPr lang="en-US" dirty="0" smtClean="0"/>
+              <a:t>ketch </a:t>
+            </a:r>
+            <a:r>
+              <a:rPr lang="en-US" dirty="0"/>
+              <a:t>all the process steps necessary to </a:t>
+            </a:r>
+            <a:r>
+              <a:rPr lang="en-US" dirty="0" smtClean="0"/>
+              <a:t>handle </a:t>
+            </a:r>
+            <a:r>
+              <a:rPr lang="en-US" dirty="0"/>
+              <a:t>the request, </a:t>
+            </a:r>
+            <a:endParaRPr lang="en-US" dirty="0" smtClean="0"/>
+          </a:p>
+          <a:p>
+            <a:pPr marL="857250" lvl="1" indent="-457200"/>
+            <a:r>
+              <a:rPr lang="en-US" dirty="0" smtClean="0"/>
+              <a:t>Capture</a:t>
+            </a:r>
+            <a:r>
+              <a:rPr lang="en-US" dirty="0" smtClean="0"/>
+              <a:t> </a:t>
+            </a:r>
+            <a:r>
+              <a:rPr lang="en-US" dirty="0"/>
+              <a:t>average amount of time </a:t>
+            </a:r>
+            <a:r>
+              <a:rPr lang="en-US" dirty="0" smtClean="0"/>
+              <a:t>it </a:t>
+            </a:r>
+            <a:r>
+              <a:rPr lang="en-US" dirty="0"/>
+              <a:t>spends in each step. </a:t>
+            </a:r>
+          </a:p>
+          <a:p>
+            <a:pPr marL="457200" indent="-457200">
+              <a:buFont typeface="+mj-lt"/>
+              <a:buAutoNum type="arabicPeriod"/>
+            </a:pPr>
+            <a:r>
+              <a:rPr lang="en-US" dirty="0" smtClean="0"/>
+              <a:t>Draw Timeline (at </a:t>
+            </a:r>
+            <a:r>
+              <a:rPr lang="en-US" dirty="0"/>
+              <a:t>the bottom of the </a:t>
+            </a:r>
+            <a:r>
+              <a:rPr lang="en-US" dirty="0" smtClean="0"/>
+              <a:t>map)</a:t>
+            </a:r>
+          </a:p>
+          <a:p>
+            <a:pPr lvl="1"/>
+            <a:r>
+              <a:rPr lang="en-US" dirty="0"/>
+              <a:t>S</a:t>
+            </a:r>
+            <a:r>
+              <a:rPr lang="en-US" dirty="0" smtClean="0"/>
+              <a:t>how </a:t>
+            </a:r>
+            <a:r>
+              <a:rPr lang="en-US" dirty="0"/>
+              <a:t>how much time the request spends in value-adding </a:t>
+            </a:r>
+            <a:r>
+              <a:rPr lang="en-US" dirty="0" smtClean="0"/>
+              <a:t>activities. </a:t>
+            </a:r>
+          </a:p>
+          <a:p>
+            <a:pPr lvl="1"/>
+            <a:r>
+              <a:rPr lang="en-US" dirty="0"/>
+              <a:t>S</a:t>
+            </a:r>
+            <a:r>
+              <a:rPr lang="en-US" dirty="0" smtClean="0"/>
+              <a:t>how</a:t>
+            </a:r>
+            <a:r>
+              <a:rPr lang="en-US" dirty="0" smtClean="0"/>
+              <a:t> </a:t>
+            </a:r>
+            <a:r>
+              <a:rPr lang="en-US" dirty="0"/>
+              <a:t>how much time it spends </a:t>
+            </a:r>
+            <a:r>
+              <a:rPr lang="en-US" dirty="0" smtClean="0"/>
+              <a:t>waiting or in </a:t>
+            </a:r>
+            <a:r>
+              <a:rPr lang="en-US" dirty="0"/>
+              <a:t>non-value adding activities. </a:t>
             </a:r>
           </a:p>
           <a:p>
@@ -13841,6 +17470,129 @@
           </a:p>
           <a:p>
             <a:endParaRPr lang="en-US" dirty="0"/>
+          </a:p>
+        </p:txBody>
+      </p:sp>
+      <p:sp>
+        <p:nvSpPr>
+          <p:cNvPr id="4" name="Footer Placeholder 4"/>
+          <p:cNvSpPr>
+            <a:spLocks noGrp="1"/>
+          </p:cNvSpPr>
+          <p:nvPr>
+            <p:ph type="ftr" sz="quarter" idx="11"/>
+          </p:nvPr>
+        </p:nvSpPr>
+        <p:spPr>
+          <a:xfrm>
+            <a:off x="5318367" y="6434242"/>
+            <a:ext cx="2895600" cy="365125"/>
+          </a:xfrm>
+        </p:spPr>
+        <p:txBody>
+          <a:bodyPr/>
+          <a:lstStyle/>
+          <a:p>
+            <a:r>
+              <a:rPr lang="de-DE" smtClean="0">
+                <a:solidFill>
+                  <a:prstClr val="black">
+                    <a:tint val="75000"/>
+                  </a:prstClr>
+                </a:solidFill>
+              </a:rPr>
+              <a:t>Lean | Agile Dev. Proc. | Eric Knauss</a:t>
+            </a:r>
+            <a:endParaRPr lang="de-DE">
+              <a:solidFill>
+                <a:prstClr val="black">
+                  <a:tint val="75000"/>
+                </a:prstClr>
+              </a:solidFill>
+            </a:endParaRPr>
+          </a:p>
+        </p:txBody>
+      </p:sp>
+      <p:sp>
+        <p:nvSpPr>
+          <p:cNvPr id="5" name="Slide Number Placeholder 5"/>
+          <p:cNvSpPr>
+            <a:spLocks noGrp="1"/>
+          </p:cNvSpPr>
+          <p:nvPr>
+            <p:ph type="sldNum" sz="quarter" idx="12"/>
+          </p:nvPr>
+        </p:nvSpPr>
+        <p:spPr>
+          <a:xfrm>
+            <a:off x="8291903" y="6433808"/>
+            <a:ext cx="842170" cy="365125"/>
+          </a:xfrm>
+        </p:spPr>
+        <p:txBody>
+          <a:bodyPr/>
+          <a:lstStyle/>
+          <a:p>
+            <a:fld id="{91974DF9-AD47-4691-BA21-BBFCE3637A9A}" type="slidenum">
+              <a:rPr lang="en-US" smtClean="0">
+                <a:solidFill>
+                  <a:prstClr val="black">
+                    <a:tint val="75000"/>
+                  </a:prstClr>
+                </a:solidFill>
+              </a:rPr>
+              <a:pPr/>
+              <a:t>8</a:t>
+            </a:fld>
+            <a:endParaRPr lang="en-US">
+              <a:solidFill>
+                <a:prstClr val="black">
+                  <a:tint val="75000"/>
+                </a:prstClr>
+              </a:solidFill>
+            </a:endParaRPr>
+          </a:p>
+        </p:txBody>
+      </p:sp>
+      <p:sp>
+        <p:nvSpPr>
+          <p:cNvPr id="6" name="TextBox 5"/>
+          <p:cNvSpPr txBox="1"/>
+          <p:nvPr/>
+        </p:nvSpPr>
+        <p:spPr>
+          <a:xfrm>
+            <a:off x="683568" y="6333489"/>
+            <a:ext cx="3085887" cy="400110"/>
+          </a:xfrm>
+          <a:prstGeom prst="rect">
+            <a:avLst/>
+          </a:prstGeom>
+          <a:noFill/>
+        </p:spPr>
+        <p:txBody>
+          <a:bodyPr wrap="square" rtlCol="0">
+            <a:spAutoFit/>
+          </a:bodyPr>
+          <a:lstStyle/>
+          <a:p>
+            <a:r>
+              <a:rPr lang="en-US" sz="1000" dirty="0" err="1" smtClean="0"/>
+              <a:t>Cristoph</a:t>
+            </a:r>
+            <a:r>
+              <a:rPr lang="en-US" sz="1000" dirty="0" smtClean="0"/>
+              <a:t> </a:t>
+            </a:r>
+            <a:r>
+              <a:rPr lang="en-US" sz="1000" dirty="0" err="1" smtClean="0"/>
+              <a:t>Steindl</a:t>
+            </a:r>
+            <a:r>
+              <a:rPr lang="en-US" sz="1000" dirty="0" smtClean="0"/>
+              <a:t> (IBM), Lean Software Development, 2004 (Presentation)</a:t>
+            </a:r>
+            <a:endParaRPr lang="en-US" sz="1000" dirty="0"/>
           </a:p>
         </p:txBody>
       </p:sp>
@@ -13939,8 +17691,8 @@
         </p:nvSpPr>
         <p:spPr>
           <a:xfrm>
-            <a:off x="4308395" y="6554649"/>
-            <a:ext cx="4151976" cy="253916"/>
+            <a:off x="611188" y="6412807"/>
+            <a:ext cx="3002525" cy="415498"/>
           </a:xfrm>
           <a:prstGeom prst="rect">
             <a:avLst/>
@@ -13948,7 +17700,7 @@
           <a:noFill/>
         </p:spPr>
         <p:txBody>
-          <a:bodyPr wrap="none" rtlCol="0">
+          <a:bodyPr wrap="square" rtlCol="0">
             <a:spAutoFit/>
           </a:bodyPr>
           <a:lstStyle/>
@@ -13966,6 +17718,150 @@
               <a:t>: Lean Software Development Workshop 2008</a:t>
             </a:r>
             <a:endParaRPr lang="en-US" sz="1050" dirty="0"/>
+          </a:p>
+        </p:txBody>
+      </p:sp>
+      <p:sp>
+        <p:nvSpPr>
+          <p:cNvPr id="5" name="Footer Placeholder 4"/>
+          <p:cNvSpPr>
+            <a:spLocks noGrp="1"/>
+          </p:cNvSpPr>
+          <p:nvPr>
+            <p:ph type="ftr" sz="quarter" idx="11"/>
+          </p:nvPr>
+        </p:nvSpPr>
+        <p:spPr>
+          <a:xfrm>
+            <a:off x="5318367" y="6434242"/>
+            <a:ext cx="2895600" cy="365125"/>
+          </a:xfrm>
+        </p:spPr>
+        <p:txBody>
+          <a:bodyPr/>
+          <a:lstStyle/>
+          <a:p>
+            <a:r>
+              <a:rPr lang="de-DE" smtClean="0">
+                <a:solidFill>
+                  <a:prstClr val="black">
+                    <a:tint val="75000"/>
+                  </a:prstClr>
+                </a:solidFill>
+              </a:rPr>
+              <a:t>Lean | Agile Dev. Proc. | Eric Knauss</a:t>
+            </a:r>
+            <a:endParaRPr lang="de-DE">
+              <a:solidFill>
+                <a:prstClr val="black">
+                  <a:tint val="75000"/>
+                </a:prstClr>
+              </a:solidFill>
+            </a:endParaRPr>
+          </a:p>
+        </p:txBody>
+      </p:sp>
+      <p:sp>
+        <p:nvSpPr>
+          <p:cNvPr id="6" name="Slide Number Placeholder 5"/>
+          <p:cNvSpPr>
+            <a:spLocks noGrp="1"/>
+          </p:cNvSpPr>
+          <p:nvPr>
+            <p:ph type="sldNum" sz="quarter" idx="12"/>
+          </p:nvPr>
+        </p:nvSpPr>
+        <p:spPr>
+          <a:xfrm>
+            <a:off x="8291903" y="6433808"/>
+            <a:ext cx="842170" cy="365125"/>
+          </a:xfrm>
+        </p:spPr>
+        <p:txBody>
+          <a:bodyPr/>
+          <a:lstStyle/>
+          <a:p>
+            <a:fld id="{91974DF9-AD47-4691-BA21-BBFCE3637A9A}" type="slidenum">
+              <a:rPr lang="en-US" smtClean="0">
+                <a:solidFill>
+                  <a:prstClr val="black">
+                    <a:tint val="75000"/>
+                  </a:prstClr>
+                </a:solidFill>
+              </a:rPr>
+              <a:pPr/>
+              <a:t>9</a:t>
+            </a:fld>
+            <a:endParaRPr lang="en-US">
+              <a:solidFill>
+                <a:prstClr val="black">
+                  <a:tint val="75000"/>
+                </a:prstClr>
+              </a:solidFill>
+            </a:endParaRPr>
+          </a:p>
+        </p:txBody>
+      </p:sp>
+      <p:sp>
+        <p:nvSpPr>
+          <p:cNvPr id="9" name="Rectangle 8"/>
+          <p:cNvSpPr/>
+          <p:nvPr/>
+        </p:nvSpPr>
+        <p:spPr bwMode="auto">
+          <a:xfrm>
+            <a:off x="-84040" y="3053707"/>
+            <a:ext cx="9384447" cy="3147092"/>
+          </a:xfrm>
+          <a:prstGeom prst="rect">
+            <a:avLst/>
+          </a:prstGeom>
+          <a:solidFill>
+            <a:schemeClr val="bg1"/>
+          </a:solidFill>
+          <a:ln w="9525" cap="flat" cmpd="sng" algn="ctr">
+            <a:noFill/>
+            <a:prstDash val="solid"/>
+            <a:round/>
+            <a:headEnd type="none" w="med" len="med"/>
+            <a:tailEnd type="none" w="med" len="med"/>
+          </a:ln>
+          <a:effectLst/>
+        </p:spPr>
+        <p:txBody>
+          <a:bodyPr vert="horz" wrap="square" lIns="91440" tIns="45720" rIns="91440" bIns="45720" numCol="1" rtlCol="0" anchor="t" anchorCtr="0" compatLnSpc="1">
+            <a:prstTxWarp prst="textNoShape">
+              <a:avLst/>
+            </a:prstTxWarp>
+          </a:bodyPr>
+          <a:lstStyle/>
+          <a:p>
+            <a:pPr marL="0" marR="0" indent="0" algn="l" defTabSz="914400" rtl="0" eaLnBrk="0" fontAlgn="base" latinLnBrk="0" hangingPunct="0">
+              <a:lnSpc>
+                <a:spcPct val="100000"/>
+              </a:lnSpc>
+              <a:spcBef>
+                <a:spcPct val="0"/>
+              </a:spcBef>
+              <a:spcAft>
+                <a:spcPct val="0"/>
+              </a:spcAft>
+              <a:buClrTx/>
+              <a:buSzTx/>
+              <a:buFontTx/>
+              <a:buNone/>
+              <a:tabLst/>
+            </a:pPr>
+            <a:endParaRPr kumimoji="0" lang="en-US" sz="2400" b="0" i="0" u="none" strike="noStrike" cap="none" normalizeH="0" baseline="0">
+              <a:ln>
+                <a:noFill/>
+              </a:ln>
+              <a:solidFill>
+                <a:schemeClr val="tx1"/>
+              </a:solidFill>
+              <a:effectLst/>
+              <a:latin typeface="Times" pitchFamily="68" charset="0"/>
+            </a:endParaRPr>
           </a:p>
         </p:txBody>
       </p:sp>
@@ -13982,9 +17878,88 @@
   <p:timing>
     <p:tnLst>
       <p:par>
-        <p:cTn xmlns:p14="http://schemas.microsoft.com/office/powerpoint/2010/main" id="1" dur="indefinite" restart="never" nodeType="tmRoot"/>
+        <p:cTn xmlns:p14="http://schemas.microsoft.com/office/powerpoint/2010/main" id="1" dur="indefinite" restart="never" nodeType="tmRoot">
+          <p:childTnLst>
+            <p:seq concurrent="1" nextAc="seek">
+              <p:cTn id="2" dur="indefinite" nodeType="mainSeq">
+                <p:childTnLst>
+                  <p:par>
+                    <p:cTn id="3" fill="hold">
+                      <p:stCondLst>
+                        <p:cond delay="indefinite"/>
+                      </p:stCondLst>
+                      <p:childTnLst>
+                        <p:par>
+                          <p:cTn id="4" fill="hold">
+                            <p:stCondLst>
+                              <p:cond delay="0"/>
+                            </p:stCondLst>
+                            <p:childTnLst>
+                              <p:par>
+                                <p:cTn id="5" presetID="10" presetClass="exit" presetSubtype="0" fill="hold" grpId="0" nodeType="clickEffect">
+                                  <p:stCondLst>
+                                    <p:cond delay="0"/>
+                                  </p:stCondLst>
+                                  <p:childTnLst>
+                                    <p:animEffect transition="out" filter="fade">
+                                      <p:cBhvr>
+                                        <p:cTn id="6" dur="500"/>
+                                        <p:tgtEl>
+                                          <p:spTgt spid="9"/>
+                                        </p:tgtEl>
+                                      </p:cBhvr>
+                                    </p:animEffect>
+                                    <p:set>
+                                      <p:cBhvr>
+                                        <p:cTn id="7" dur="1" fill="hold">
+                                          <p:stCondLst>
+                                            <p:cond delay="499"/>
+                                          </p:stCondLst>
+                                        </p:cTn>
+                                        <p:tgtEl>
+                                          <p:spTgt spid="9"/>
+                                        </p:tgtEl>
+                                        <p:attrNameLst>
+                                          <p:attrName>style.visibility</p:attrName>
+                                        </p:attrNameLst>
+                                      </p:cBhvr>
+                                      <p:to>
+                                        <p:strVal val="hidden"/>
+                                      </p:to>
+                                    </p:set>
+                                  </p:childTnLst>
+                                </p:cTn>
+                              </p:par>
+                            </p:childTnLst>
+                          </p:cTn>
+                        </p:par>
+                      </p:childTnLst>
+                    </p:cTn>
+                  </p:par>
+                </p:childTnLst>
+              </p:cTn>
+              <p:prevCondLst>
+                <p:cond evt="onPrev" delay="0">
+                  <p:tgtEl>
+                    <p:sldTgt/>
+                  </p:tgtEl>
+                </p:cond>
+              </p:prevCondLst>
+              <p:nextCondLst>
+                <p:cond evt="onNext" delay="0">
+                  <p:tgtEl>
+                    <p:sldTgt/>
+                  </p:tgtEl>
+                </p:cond>
+              </p:nextCondLst>
+            </p:seq>
+          </p:childTnLst>
+        </p:cTn>
       </p:par>
     </p:tnLst>
+    <p:bldLst>
+      <p:bldP spid="9" grpId="0" animBg="1"/>
+    </p:bldLst>
   </p:timing>
 </p:sld>
 </file>
@@ -15751,4 +19726,324 @@
   </a:objectDefaults>
   <a:extraClrSchemeLst/>
 </a:theme>
+</file>
+
+<file path=ppt/theme/theme5.xml><?xml version="1.0" encoding="utf-8"?>
+<a:theme xmlns:a="http://schemas.openxmlformats.org/drawingml/2006/main" name="Office Theme">
+  <a:themeElements>
+    <a:clrScheme name="Office">
+      <a:dk1>
+        <a:sysClr val="windowText" lastClr="000000"/>
+      </a:dk1>
+      <a:lt1>
+        <a:sysClr val="window" lastClr="FFFFFF"/>
+      </a:lt1>
+      <a:dk2>
+        <a:srgbClr val="1F497D"/>
+      </a:dk2>
+      <a:lt2>
+        <a:srgbClr val="EEECE1"/>
+      </a:lt2>
+      <a:accent1>
+        <a:srgbClr val="4F81BD"/>
+      </a:accent1>
+      <a:accent2>
+        <a:srgbClr val="C0504D"/>
+      </a:accent2>
+      <a:accent3>
+        <a:srgbClr val="9BBB59"/>
+      </a:accent3>
+      <a:accent4>
+        <a:srgbClr val="8064A2"/>
+      </a:accent4>
+      <a:accent5>
+        <a:srgbClr val="4BACC6"/>
+      </a:accent5>
+      <a:accent6>
+        <a:srgbClr val="F79646"/>
+      </a:accent6>
+      <a:hlink>
+        <a:srgbClr val="0000FF"/>
+      </a:hlink>
+      <a:folHlink>
+        <a:srgbClr val="800080"/>
+      </a:folHlink>
+    </a:clrScheme>
+    <a:fontScheme name="Office">
+      <a:majorFont>
+        <a:latin typeface="Calibri"/>
+        <a:ea typeface=""/>
+        <a:cs typeface=""/>
+        <a:font script="Jpan" typeface="ＭＳ Ｐゴシック"/>
+        <a:font script="Hang" typeface="맑은 고딕"/>
+        <a:font script="Hans" typeface="宋体"/>
+        <a:font script="Hant" typeface="新細明體"/>
+        <a:font script="Arab" typeface="Times New Roman"/>
+        <a:font script="Hebr" typeface="Times New Roman"/>
+        <a:font script="Thai" typeface="Angsana New"/>
+        <a:font script="Ethi" typeface="Nyala"/>
+        <a:font script="Beng" typeface="Vrinda"/>
+        <a:font script="Gujr" typeface="Shruti"/>
+        <a:font script="Khmr" typeface="MoolBoran"/>
+        <a:font script="Knda" typeface="Tunga"/>
+        <a:font script="Guru" typeface="Raavi"/>
+        <a:font script="Cans" typeface="Euphemia"/>
+        <a:font script="Cher" typeface="Plantagenet Cherokee"/>
+        <a:font script="Yiii" typeface="Microsoft Yi Baiti"/>
+        <a:font script="Tibt" typeface="Microsoft Himalaya"/>
+        <a:font script="Thaa" typeface="MV Boli"/>
+        <a:font script="Deva" typeface="Mangal"/>
+        <a:font script="Telu" typeface="Gautami"/>
+        <a:font script="Taml" typeface="Latha"/>
+        <a:font script="Syrc" typeface="Estrangelo Edessa"/>
+        <a:font script="Orya" typeface="Kalinga"/>
+        <a:font script="Mlym" typeface="Kartika"/>
+        <a:font script="Laoo" typeface="DokChampa"/>
+        <a:font script="Sinh" typeface="Iskoola Pota"/>
+        <a:font script="Mong" typeface="Mongolian Baiti"/>
+        <a:font script="Viet" typeface="Times New Roman"/>
+        <a:font script="Uigh" typeface="Microsoft Uighur"/>
+        <a:font script="Geor" typeface="Sylfaen"/>
+      </a:majorFont>
+      <a:minorFont>
+        <a:latin typeface="Calibri"/>
+        <a:ea typeface=""/>
+        <a:cs typeface=""/>
+        <a:font script="Jpan" typeface="ＭＳ Ｐゴシック"/>
+        <a:font script="Hang" typeface="맑은 고딕"/>
+        <a:font script="Hans" typeface="宋体"/>
+        <a:font script="Hant" typeface="新細明體"/>
+        <a:font script="Arab" typeface="Arial"/>
+        <a:font script="Hebr" typeface="Arial"/>
+        <a:font script="Thai" typeface="Cordia New"/>
+        <a:font script="Ethi" typeface="Nyala"/>
+        <a:font script="Beng" typeface="Vrinda"/>
+        <a:font script="Gujr" typeface="Shruti"/>
+        <a:font script="Khmr" typeface="DaunPenh"/>
+        <a:font script="Knda" typeface="Tunga"/>
+        <a:font script="Guru" typeface="Raavi"/>
+        <a:font script="Cans" typeface="Euphemia"/>
+        <a:font script="Cher" typeface="Plantagenet Cherokee"/>
+        <a:font script="Yiii" typeface="Microsoft Yi Baiti"/>
+        <a:font script="Tibt" typeface="Microsoft Himalaya"/>
+        <a:font script="Thaa" typeface="MV Boli"/>
+        <a:font script="Deva" typeface="Mangal"/>
+        <a:font script="Telu" typeface="Gautami"/>
+        <a:font script="Taml" typeface="Latha"/>
+        <a:font script="Syrc" typeface="Estrangelo Edessa"/>
+        <a:font script="Orya" typeface="Kalinga"/>
+        <a:font script="Mlym" typeface="Kartika"/>
+        <a:font script="Laoo" typeface="DokChampa"/>
+        <a:font script="Sinh" typeface="Iskoola Pota"/>
+        <a:font script="Mong" typeface="Mongolian Baiti"/>
+        <a:font script="Viet" typeface="Arial"/>
+        <a:font script="Uigh" typeface="Microsoft Uighur"/>
+        <a:font script="Geor" typeface="Sylfaen"/>
+      </a:minorFont>
+    </a:fontScheme>
+    <a:fmtScheme name="Office">
+      <a:fillStyleLst>
+        <a:solidFill>
+          <a:schemeClr val="phClr"/>
+        </a:solidFill>
+        <a:gradFill rotWithShape="1">
+          <a:gsLst>
+            <a:gs pos="0">
+              <a:schemeClr val="phClr">
+                <a:tint val="50000"/>
+                <a:satMod val="300000"/>
+              </a:schemeClr>
+            </a:gs>
+            <a:gs pos="35000">
+              <a:schemeClr val="phClr">
+                <a:tint val="37000"/>
+                <a:satMod val="300000"/>
+              </a:schemeClr>
+            </a:gs>
+            <a:gs pos="100000">
+              <a:schemeClr val="phClr">
+                <a:tint val="15000"/>
+                <a:satMod val="350000"/>
+              </a:schemeClr>
+            </a:gs>
+          </a:gsLst>
+          <a:lin ang="16200000" scaled="1"/>
+        </a:gradFill>
+        <a:gradFill rotWithShape="1">
+          <a:gsLst>
+            <a:gs pos="0">
+              <a:schemeClr val="phClr">
+                <a:tint val="100000"/>
+                <a:shade val="100000"/>
+                <a:satMod val="130000"/>
+              </a:schemeClr>
+            </a:gs>
+            <a:gs pos="100000">
+              <a:schemeClr val="phClr">
+                <a:tint val="50000"/>
+                <a:shade val="100000"/>
+                <a:satMod val="350000"/>
+              </a:schemeClr>
+            </a:gs>
+          </a:gsLst>
+          <a:lin ang="16200000" scaled="0"/>
+        </a:gradFill>
+      </a:fillStyleLst>
+      <a:lnStyleLst>
+        <a:ln w="9525" cap="flat" cmpd="sng" algn="ctr">
+          <a:solidFill>
+            <a:schemeClr val="phClr">
+              <a:shade val="95000"/>
+              <a:satMod val="105000"/>
+            </a:schemeClr>
+          </a:solidFill>
+          <a:prstDash val="solid"/>
+        </a:ln>
+        <a:ln w="25400" cap="flat" cmpd="sng" algn="ctr">
+          <a:solidFill>
+            <a:schemeClr val="phClr"/>
+          </a:solidFill>
+          <a:prstDash val="solid"/>
+        </a:ln>
+        <a:ln w="38100" cap="flat" cmpd="sng" algn="ctr">
+          <a:solidFill>
+            <a:schemeClr val="phClr"/>
+          </a:solidFill>
+          <a:prstDash val="solid"/>
+        </a:ln>
+      </a:lnStyleLst>
+      <a:effectStyleLst>
+        <a:effectStyle>
+          <a:effectLst>
+            <a:outerShdw blurRad="40000" dist="20000" dir="5400000" rotWithShape="0">
+              <a:srgbClr val="000000">
+                <a:alpha val="38000"/>
+              </a:srgbClr>
+            </a:outerShdw>
+          </a:effectLst>
+        </a:effectStyle>
+        <a:effectStyle>
+          <a:effectLst>
+            <a:outerShdw blurRad="40000" dist="23000" dir="5400000" rotWithShape="0">
+              <a:srgbClr val="000000">
+                <a:alpha val="35000"/>
+              </a:srgbClr>
+            </a:outerShdw>
+          </a:effectLst>
+        </a:effectStyle>
+        <a:effectStyle>
+          <a:effectLst>
+            <a:outerShdw blurRad="40000" dist="23000" dir="5400000" rotWithShape="0">
+              <a:srgbClr val="000000">
+                <a:alpha val="35000"/>
+              </a:srgbClr>
+            </a:outerShdw>
+          </a:effectLst>
+          <a:scene3d>
+            <a:camera prst="orthographicFront">
+              <a:rot lat="0" lon="0" rev="0"/>
+            </a:camera>
+            <a:lightRig rig="threePt" dir="t">
+              <a:rot lat="0" lon="0" rev="1200000"/>
+            </a:lightRig>
+          </a:scene3d>
+          <a:sp3d>
+            <a:bevelT w="63500" h="25400"/>
+          </a:sp3d>
+        </a:effectStyle>
+      </a:effectStyleLst>
+      <a:bgFillStyleLst>
+        <a:solidFill>
+          <a:schemeClr val="phClr"/>
+        </a:solidFill>
+        <a:gradFill rotWithShape="1">
+          <a:gsLst>
+            <a:gs pos="0">
+              <a:schemeClr val="phClr">
+                <a:tint val="40000"/>
+                <a:satMod val="350000"/>
+              </a:schemeClr>
+            </a:gs>
+            <a:gs pos="40000">
+              <a:schemeClr val="phClr">
+                <a:tint val="45000"/>
+                <a:shade val="99000"/>
+                <a:satMod val="350000"/>
+              </a:schemeClr>
+            </a:gs>
+            <a:gs pos="100000">
+              <a:schemeClr val="phClr">
+                <a:shade val="20000"/>
+                <a:satMod val="255000"/>
+              </a:schemeClr>
+            </a:gs>
+          </a:gsLst>
+          <a:path path="circle">
+            <a:fillToRect l="50000" t="-80000" r="50000" b="180000"/>
+          </a:path>
+        </a:gradFill>
+        <a:gradFill rotWithShape="1">
+          <a:gsLst>
+            <a:gs pos="0">
+              <a:schemeClr val="phClr">
+                <a:tint val="80000"/>
+                <a:satMod val="300000"/>
+              </a:schemeClr>
+            </a:gs>
+            <a:gs pos="100000">
+              <a:schemeClr val="phClr">
+                <a:shade val="30000"/>
+                <a:satMod val="200000"/>
+              </a:schemeClr>
+            </a:gs>
+          </a:gsLst>
+          <a:path path="circle">
+            <a:fillToRect l="50000" t="50000" r="50000" b="50000"/>
+          </a:path>
+        </a:gradFill>
+      </a:bgFillStyleLst>
+    </a:fmtScheme>
+  </a:themeElements>
+  <a:objectDefaults>
+    <a:spDef>
+      <a:spPr/>
+      <a:bodyPr/>
+      <a:lstStyle/>
+      <a:style>
+        <a:lnRef idx="1">
+          <a:schemeClr val="accent1"/>
+        </a:lnRef>
+        <a:fillRef idx="3">
+          <a:schemeClr val="accent1"/>
+        </a:fillRef>
+        <a:effectRef idx="2">
+          <a:schemeClr val="accent1"/>
+        </a:effectRef>
+        <a:fontRef idx="minor">
+          <a:schemeClr val="lt1"/>
+        </a:fontRef>
+      </a:style>
+    </a:spDef>
+    <a:lnDef>
+      <a:spPr/>
+      <a:bodyPr/>
+      <a:lstStyle/>
+      <a:style>
+        <a:lnRef idx="2">
+          <a:schemeClr val="accent1"/>
+        </a:lnRef>
+        <a:fillRef idx="0">
+          <a:schemeClr val="accent1"/>
+        </a:fillRef>
+        <a:effectRef idx="1">
+          <a:schemeClr val="accent1"/>
+        </a:effectRef>
+        <a:fontRef idx="minor">
+          <a:schemeClr val="tx1"/>
+        </a:fontRef>
+      </a:style>
+    </a:lnDef>
+  </a:objectDefaults>
+  <a:extraClrSchemeLst/>
+</a:theme>
 </file>